--- a/Wyprostuj_sie.pptx
+++ b/Wyprostuj_sie.pptx
@@ -8,12 +8,9 @@
     <p:sldId id="256" r:id="rId2"/>
     <p:sldId id="257" r:id="rId3"/>
     <p:sldId id="266" r:id="rId4"/>
-    <p:sldId id="258" r:id="rId5"/>
-    <p:sldId id="261" r:id="rId6"/>
-    <p:sldId id="268" r:id="rId7"/>
-    <p:sldId id="260" r:id="rId8"/>
-    <p:sldId id="272" r:id="rId9"/>
-    <p:sldId id="273" r:id="rId10"/>
+    <p:sldId id="261" r:id="rId5"/>
+    <p:sldId id="269" r:id="rId6"/>
+    <p:sldId id="267" r:id="rId7"/>
   </p:sldIdLst>
   <p:sldSz cx="12192000" cy="6858000"/>
   <p:notesSz cx="6858000" cy="9144000"/>
@@ -3613,8 +3610,8 @@
         </p:nvSpPr>
         <p:spPr>
           <a:xfrm>
-            <a:off x="3864868" y="4425135"/>
-            <a:ext cx="4773030" cy="1026125"/>
+            <a:off x="3861581" y="4287677"/>
+            <a:ext cx="4773030" cy="541312"/>
           </a:xfrm>
           <a:prstGeom prst="rect">
             <a:avLst/>
@@ -3796,25 +3793,7 @@
                 </a:solidFill>
                 <a:latin typeface="Bahnschrift Light Condensed" panose="020B0502040204020203" pitchFamily="34" charset="0"/>
               </a:rPr>
-              <a:t>Zadbaj o swoje </a:t>
-            </a:r>
-            <a:r>
-              <a:rPr lang="pl-PL" sz="2800" b="1" dirty="0" err="1">
-                <a:solidFill>
-                  <a:srgbClr val="FFFFFF"/>
-                </a:solidFill>
-                <a:latin typeface="Bahnschrift Light Condensed" panose="020B0502040204020203" pitchFamily="34" charset="0"/>
-              </a:rPr>
-              <a:t>zdowie</a:t>
-            </a:r>
-            <a:r>
-              <a:rPr lang="pl-PL" sz="2800" b="1" dirty="0">
-                <a:solidFill>
-                  <a:srgbClr val="FFFFFF"/>
-                </a:solidFill>
-                <a:latin typeface="Bahnschrift Light Condensed" panose="020B0502040204020203" pitchFamily="34" charset="0"/>
-              </a:rPr>
-              <a:t> już dziś!</a:t>
+              <a:t>Zadbaj o swoje zdrowie już dziś!</a:t>
             </a:r>
             <a:endParaRPr lang="en-US" sz="2800" b="1" dirty="0">
               <a:solidFill>
@@ -3861,6 +3840,218 @@
           </a:prstGeom>
         </p:spPr>
       </p:pic>
+      <p:sp>
+        <p:nvSpPr>
+          <p:cNvPr id="9" name="Podtytuł 2">
+            <a:extLst>
+              <a:ext uri="{FF2B5EF4-FFF2-40B4-BE49-F238E27FC236}">
+                <a16:creationId xmlns:a16="http://schemas.microsoft.com/office/drawing/2014/main" id="{CAB89A78-13A4-407D-A5CE-515DE1E5AE9E}"/>
+              </a:ext>
+            </a:extLst>
+          </p:cNvPr>
+          <p:cNvSpPr txBox="1">
+            <a:spLocks/>
+          </p:cNvSpPr>
+          <p:nvPr/>
+        </p:nvSpPr>
+        <p:spPr>
+          <a:xfrm>
+            <a:off x="3861581" y="4785879"/>
+            <a:ext cx="4773030" cy="541312"/>
+          </a:xfrm>
+          <a:prstGeom prst="rect">
+            <a:avLst/>
+          </a:prstGeom>
+        </p:spPr>
+        <p:txBody>
+          <a:bodyPr vert="horz" lIns="91440" tIns="45720" rIns="91440" bIns="45720" rtlCol="0">
+            <a:normAutofit/>
+          </a:bodyPr>
+          <a:lstStyle>
+            <a:lvl1pPr marL="0" indent="0" algn="ctr" defTabSz="914400" rtl="0" eaLnBrk="1" latinLnBrk="0" hangingPunct="1">
+              <a:lnSpc>
+                <a:spcPct val="90000"/>
+              </a:lnSpc>
+              <a:spcBef>
+                <a:spcPts val="1000"/>
+              </a:spcBef>
+              <a:buFont typeface="Arial" panose="020B0604020202020204" pitchFamily="34" charset="0"/>
+              <a:buNone/>
+              <a:defRPr sz="2400" kern="1200">
+                <a:solidFill>
+                  <a:schemeClr val="tx1"/>
+                </a:solidFill>
+                <a:latin typeface="+mn-lt"/>
+                <a:ea typeface="+mn-ea"/>
+                <a:cs typeface="+mn-cs"/>
+              </a:defRPr>
+            </a:lvl1pPr>
+            <a:lvl2pPr marL="457200" indent="0" algn="ctr" defTabSz="914400" rtl="0" eaLnBrk="1" latinLnBrk="0" hangingPunct="1">
+              <a:lnSpc>
+                <a:spcPct val="90000"/>
+              </a:lnSpc>
+              <a:spcBef>
+                <a:spcPts val="500"/>
+              </a:spcBef>
+              <a:buFont typeface="Arial" panose="020B0604020202020204" pitchFamily="34" charset="0"/>
+              <a:buNone/>
+              <a:defRPr sz="2000" kern="1200">
+                <a:solidFill>
+                  <a:schemeClr val="tx1"/>
+                </a:solidFill>
+                <a:latin typeface="+mn-lt"/>
+                <a:ea typeface="+mn-ea"/>
+                <a:cs typeface="+mn-cs"/>
+              </a:defRPr>
+            </a:lvl2pPr>
+            <a:lvl3pPr marL="914400" indent="0" algn="ctr" defTabSz="914400" rtl="0" eaLnBrk="1" latinLnBrk="0" hangingPunct="1">
+              <a:lnSpc>
+                <a:spcPct val="90000"/>
+              </a:lnSpc>
+              <a:spcBef>
+                <a:spcPts val="500"/>
+              </a:spcBef>
+              <a:buFont typeface="Arial" panose="020B0604020202020204" pitchFamily="34" charset="0"/>
+              <a:buNone/>
+              <a:defRPr sz="1800" kern="1200">
+                <a:solidFill>
+                  <a:schemeClr val="tx1"/>
+                </a:solidFill>
+                <a:latin typeface="+mn-lt"/>
+                <a:ea typeface="+mn-ea"/>
+                <a:cs typeface="+mn-cs"/>
+              </a:defRPr>
+            </a:lvl3pPr>
+            <a:lvl4pPr marL="1371600" indent="0" algn="ctr" defTabSz="914400" rtl="0" eaLnBrk="1" latinLnBrk="0" hangingPunct="1">
+              <a:lnSpc>
+                <a:spcPct val="90000"/>
+              </a:lnSpc>
+              <a:spcBef>
+                <a:spcPts val="500"/>
+              </a:spcBef>
+              <a:buFont typeface="Arial" panose="020B0604020202020204" pitchFamily="34" charset="0"/>
+              <a:buNone/>
+              <a:defRPr sz="1600" kern="1200">
+                <a:solidFill>
+                  <a:schemeClr val="tx1"/>
+                </a:solidFill>
+                <a:latin typeface="+mn-lt"/>
+                <a:ea typeface="+mn-ea"/>
+                <a:cs typeface="+mn-cs"/>
+              </a:defRPr>
+            </a:lvl4pPr>
+            <a:lvl5pPr marL="1828800" indent="0" algn="ctr" defTabSz="914400" rtl="0" eaLnBrk="1" latinLnBrk="0" hangingPunct="1">
+              <a:lnSpc>
+                <a:spcPct val="90000"/>
+              </a:lnSpc>
+              <a:spcBef>
+                <a:spcPts val="500"/>
+              </a:spcBef>
+              <a:buFont typeface="Arial" panose="020B0604020202020204" pitchFamily="34" charset="0"/>
+              <a:buNone/>
+              <a:defRPr sz="1600" kern="1200">
+                <a:solidFill>
+                  <a:schemeClr val="tx1"/>
+                </a:solidFill>
+                <a:latin typeface="+mn-lt"/>
+                <a:ea typeface="+mn-ea"/>
+                <a:cs typeface="+mn-cs"/>
+              </a:defRPr>
+            </a:lvl5pPr>
+            <a:lvl6pPr marL="2286000" indent="0" algn="ctr" defTabSz="914400" rtl="0" eaLnBrk="1" latinLnBrk="0" hangingPunct="1">
+              <a:lnSpc>
+                <a:spcPct val="90000"/>
+              </a:lnSpc>
+              <a:spcBef>
+                <a:spcPts val="500"/>
+              </a:spcBef>
+              <a:buFont typeface="Arial" panose="020B0604020202020204" pitchFamily="34" charset="0"/>
+              <a:buNone/>
+              <a:defRPr sz="1600" kern="1200">
+                <a:solidFill>
+                  <a:schemeClr val="tx1"/>
+                </a:solidFill>
+                <a:latin typeface="+mn-lt"/>
+                <a:ea typeface="+mn-ea"/>
+                <a:cs typeface="+mn-cs"/>
+              </a:defRPr>
+            </a:lvl6pPr>
+            <a:lvl7pPr marL="2743200" indent="0" algn="ctr" defTabSz="914400" rtl="0" eaLnBrk="1" latinLnBrk="0" hangingPunct="1">
+              <a:lnSpc>
+                <a:spcPct val="90000"/>
+              </a:lnSpc>
+              <a:spcBef>
+                <a:spcPts val="500"/>
+              </a:spcBef>
+              <a:buFont typeface="Arial" panose="020B0604020202020204" pitchFamily="34" charset="0"/>
+              <a:buNone/>
+              <a:defRPr sz="1600" kern="1200">
+                <a:solidFill>
+                  <a:schemeClr val="tx1"/>
+                </a:solidFill>
+                <a:latin typeface="+mn-lt"/>
+                <a:ea typeface="+mn-ea"/>
+                <a:cs typeface="+mn-cs"/>
+              </a:defRPr>
+            </a:lvl7pPr>
+            <a:lvl8pPr marL="3200400" indent="0" algn="ctr" defTabSz="914400" rtl="0" eaLnBrk="1" latinLnBrk="0" hangingPunct="1">
+              <a:lnSpc>
+                <a:spcPct val="90000"/>
+              </a:lnSpc>
+              <a:spcBef>
+                <a:spcPts val="500"/>
+              </a:spcBef>
+              <a:buFont typeface="Arial" panose="020B0604020202020204" pitchFamily="34" charset="0"/>
+              <a:buNone/>
+              <a:defRPr sz="1600" kern="1200">
+                <a:solidFill>
+                  <a:schemeClr val="tx1"/>
+                </a:solidFill>
+                <a:latin typeface="+mn-lt"/>
+                <a:ea typeface="+mn-ea"/>
+                <a:cs typeface="+mn-cs"/>
+              </a:defRPr>
+            </a:lvl8pPr>
+            <a:lvl9pPr marL="3657600" indent="0" algn="ctr" defTabSz="914400" rtl="0" eaLnBrk="1" latinLnBrk="0" hangingPunct="1">
+              <a:lnSpc>
+                <a:spcPct val="90000"/>
+              </a:lnSpc>
+              <a:spcBef>
+                <a:spcPts val="500"/>
+              </a:spcBef>
+              <a:buFont typeface="Arial" panose="020B0604020202020204" pitchFamily="34" charset="0"/>
+              <a:buNone/>
+              <a:defRPr sz="1600" kern="1200">
+                <a:solidFill>
+                  <a:schemeClr val="tx1"/>
+                </a:solidFill>
+                <a:latin typeface="+mn-lt"/>
+                <a:ea typeface="+mn-ea"/>
+                <a:cs typeface="+mn-cs"/>
+              </a:defRPr>
+            </a:lvl9pPr>
+          </a:lstStyle>
+          <a:p>
+            <a:r>
+              <a:rPr lang="pl-PL" sz="1400" b="1" dirty="0">
+                <a:solidFill>
+                  <a:srgbClr val="FFFFFF"/>
+                </a:solidFill>
+                <a:latin typeface="Arial" panose="020B0604020202020204" pitchFamily="34" charset="0"/>
+                <a:cs typeface="Arial" panose="020B0604020202020204" pitchFamily="34" charset="0"/>
+              </a:rPr>
+              <a:t>http://codehussar.pl/demo</a:t>
+            </a:r>
+            <a:endParaRPr lang="en-US" sz="1400" b="1" dirty="0">
+              <a:solidFill>
+                <a:srgbClr val="FFFFFF"/>
+              </a:solidFill>
+              <a:latin typeface="Arial" panose="020B0604020202020204" pitchFamily="34" charset="0"/>
+              <a:cs typeface="Arial" panose="020B0604020202020204" pitchFamily="34" charset="0"/>
+            </a:endParaRPr>
+          </a:p>
+        </p:txBody>
+      </p:sp>
     </p:spTree>
     <p:extLst>
       <p:ext uri="{BB962C8B-B14F-4D97-AF65-F5344CB8AC3E}">
@@ -6544,2957 +6735,6 @@
       </p:grpSpPr>
       <p:pic>
         <p:nvPicPr>
-          <p:cNvPr id="4" name="Obraz 3" descr="Obraz zawierający obiekt&#10;&#10;Opis wygenerowany przy wysokim poziomie pewności">
-            <a:extLst>
-              <a:ext uri="{FF2B5EF4-FFF2-40B4-BE49-F238E27FC236}">
-                <a16:creationId xmlns:a16="http://schemas.microsoft.com/office/drawing/2014/main" id="{684A1ACB-0EB8-422E-AFD4-4B6308B19B6C}"/>
-              </a:ext>
-            </a:extLst>
-          </p:cNvPr>
-          <p:cNvPicPr>
-            <a:picLocks noChangeAspect="1"/>
-          </p:cNvPicPr>
-          <p:nvPr/>
-        </p:nvPicPr>
-        <p:blipFill>
-          <a:blip r:embed="rId2">
-            <a:extLst>
-              <a:ext uri="{28A0092B-C50C-407E-A947-70E740481C1C}">
-                <a14:useLocalDpi xmlns:a14="http://schemas.microsoft.com/office/drawing/2010/main" val="0"/>
-              </a:ext>
-            </a:extLst>
-          </a:blip>
-          <a:stretch>
-            <a:fillRect/>
-          </a:stretch>
-        </p:blipFill>
-        <p:spPr>
-          <a:xfrm flipV="1">
-            <a:off x="1002563" y="170429"/>
-            <a:ext cx="914051" cy="833873"/>
-          </a:xfrm>
-          <a:prstGeom prst="rect">
-            <a:avLst/>
-          </a:prstGeom>
-        </p:spPr>
-      </p:pic>
-      <p:pic>
-        <p:nvPicPr>
-          <p:cNvPr id="5" name="Obraz 4">
-            <a:extLst>
-              <a:ext uri="{FF2B5EF4-FFF2-40B4-BE49-F238E27FC236}">
-                <a16:creationId xmlns:a16="http://schemas.microsoft.com/office/drawing/2014/main" id="{01A516FA-6E2C-4EAD-8C3A-5C777DC548CB}"/>
-              </a:ext>
-            </a:extLst>
-          </p:cNvPr>
-          <p:cNvPicPr>
-            <a:picLocks noChangeAspect="1"/>
-          </p:cNvPicPr>
-          <p:nvPr/>
-        </p:nvPicPr>
-        <p:blipFill>
-          <a:blip r:embed="rId3" cstate="print">
-            <a:extLst>
-              <a:ext uri="{28A0092B-C50C-407E-A947-70E740481C1C}">
-                <a14:useLocalDpi xmlns:a14="http://schemas.microsoft.com/office/drawing/2010/main" val="0"/>
-              </a:ext>
-            </a:extLst>
-          </a:blip>
-          <a:stretch>
-            <a:fillRect/>
-          </a:stretch>
-        </p:blipFill>
-        <p:spPr>
-          <a:xfrm flipV="1">
-            <a:off x="268488" y="607409"/>
-            <a:ext cx="914051" cy="833873"/>
-          </a:xfrm>
-          <a:prstGeom prst="rect">
-            <a:avLst/>
-          </a:prstGeom>
-        </p:spPr>
-      </p:pic>
-      <p:pic>
-        <p:nvPicPr>
-          <p:cNvPr id="6" name="Obraz 5" descr="Obraz zawierający obiekt&#10;&#10;Opis wygenerowany przy wysokim poziomie pewności">
-            <a:extLst>
-              <a:ext uri="{FF2B5EF4-FFF2-40B4-BE49-F238E27FC236}">
-                <a16:creationId xmlns:a16="http://schemas.microsoft.com/office/drawing/2014/main" id="{E69D2713-5884-4272-B16F-294867107ADD}"/>
-              </a:ext>
-            </a:extLst>
-          </p:cNvPr>
-          <p:cNvPicPr>
-            <a:picLocks noChangeAspect="1"/>
-          </p:cNvPicPr>
-          <p:nvPr/>
-        </p:nvPicPr>
-        <p:blipFill>
-          <a:blip r:embed="rId2">
-            <a:extLst>
-              <a:ext uri="{28A0092B-C50C-407E-A947-70E740481C1C}">
-                <a14:useLocalDpi xmlns:a14="http://schemas.microsoft.com/office/drawing/2010/main" val="0"/>
-              </a:ext>
-            </a:extLst>
-          </a:blip>
-          <a:stretch>
-            <a:fillRect/>
-          </a:stretch>
-        </p:blipFill>
-        <p:spPr>
-          <a:xfrm flipV="1">
-            <a:off x="1002563" y="1041615"/>
-            <a:ext cx="914051" cy="833873"/>
-          </a:xfrm>
-          <a:prstGeom prst="rect">
-            <a:avLst/>
-          </a:prstGeom>
-        </p:spPr>
-      </p:pic>
-      <p:sp>
-        <p:nvSpPr>
-          <p:cNvPr id="7" name="pole tekstowe 6">
-            <a:extLst>
-              <a:ext uri="{FF2B5EF4-FFF2-40B4-BE49-F238E27FC236}">
-                <a16:creationId xmlns:a16="http://schemas.microsoft.com/office/drawing/2014/main" id="{9269A5C2-0BD4-4DAF-B36F-C4E9259D540E}"/>
-              </a:ext>
-            </a:extLst>
-          </p:cNvPr>
-          <p:cNvSpPr txBox="1"/>
-          <p:nvPr/>
-        </p:nvSpPr>
-        <p:spPr>
-          <a:xfrm>
-            <a:off x="1769439" y="681037"/>
-            <a:ext cx="6082790" cy="646331"/>
-          </a:xfrm>
-          <a:prstGeom prst="rect">
-            <a:avLst/>
-          </a:prstGeom>
-          <a:noFill/>
-        </p:spPr>
-        <p:txBody>
-          <a:bodyPr wrap="square" rtlCol="0">
-            <a:spAutoFit/>
-          </a:bodyPr>
-          <a:lstStyle/>
-          <a:p>
-            <a:r>
-              <a:rPr lang="pl-PL" sz="3600" b="1" dirty="0">
-                <a:solidFill>
-                  <a:srgbClr val="131332"/>
-                </a:solidFill>
-              </a:rPr>
-              <a:t>TECHNOLOGIE  </a:t>
-            </a:r>
-            <a:r>
-              <a:rPr lang="pl-PL" sz="3600" b="1" dirty="0">
-                <a:solidFill>
-                  <a:srgbClr val="00A6CC"/>
-                </a:solidFill>
-              </a:rPr>
-              <a:t>UNINETWORK!</a:t>
-            </a:r>
-          </a:p>
-        </p:txBody>
-      </p:sp>
-      <p:pic>
-        <p:nvPicPr>
-          <p:cNvPr id="14" name="Obraz 13">
-            <a:extLst>
-              <a:ext uri="{FF2B5EF4-FFF2-40B4-BE49-F238E27FC236}">
-                <a16:creationId xmlns:a16="http://schemas.microsoft.com/office/drawing/2014/main" id="{94BCDF28-62AE-4F93-806D-D61AADED7D3C}"/>
-              </a:ext>
-            </a:extLst>
-          </p:cNvPr>
-          <p:cNvPicPr>
-            <a:picLocks noChangeAspect="1"/>
-          </p:cNvPicPr>
-          <p:nvPr/>
-        </p:nvPicPr>
-        <p:blipFill>
-          <a:blip r:embed="rId4" cstate="print">
-            <a:extLst>
-              <a:ext uri="{28A0092B-C50C-407E-A947-70E740481C1C}">
-                <a14:useLocalDpi xmlns:a14="http://schemas.microsoft.com/office/drawing/2010/main" val="0"/>
-              </a:ext>
-            </a:extLst>
-          </a:blip>
-          <a:stretch>
-            <a:fillRect/>
-          </a:stretch>
-        </p:blipFill>
-        <p:spPr>
-          <a:xfrm>
-            <a:off x="3308315" y="1896560"/>
-            <a:ext cx="1613477" cy="1406826"/>
-          </a:xfrm>
-          <a:prstGeom prst="rect">
-            <a:avLst/>
-          </a:prstGeom>
-        </p:spPr>
-      </p:pic>
-      <p:cxnSp>
-        <p:nvCxnSpPr>
-          <p:cNvPr id="24" name="Łącznik prosty 23">
-            <a:extLst>
-              <a:ext uri="{FF2B5EF4-FFF2-40B4-BE49-F238E27FC236}">
-                <a16:creationId xmlns:a16="http://schemas.microsoft.com/office/drawing/2014/main" id="{DD7945CF-2C8A-41F8-A749-397C41EADC00}"/>
-              </a:ext>
-            </a:extLst>
-          </p:cNvPr>
-          <p:cNvCxnSpPr>
-            <a:cxnSpLocks/>
-          </p:cNvCxnSpPr>
-          <p:nvPr/>
-        </p:nvCxnSpPr>
-        <p:spPr>
-          <a:xfrm flipH="1">
-            <a:off x="4469473" y="1964781"/>
-            <a:ext cx="497442" cy="401503"/>
-          </a:xfrm>
-          <a:prstGeom prst="line">
-            <a:avLst/>
-          </a:prstGeom>
-          <a:ln/>
-        </p:spPr>
-        <p:style>
-          <a:lnRef idx="1">
-            <a:schemeClr val="accent1"/>
-          </a:lnRef>
-          <a:fillRef idx="0">
-            <a:schemeClr val="accent1"/>
-          </a:fillRef>
-          <a:effectRef idx="0">
-            <a:schemeClr val="accent1"/>
-          </a:effectRef>
-          <a:fontRef idx="minor">
-            <a:schemeClr val="tx1"/>
-          </a:fontRef>
-        </p:style>
-      </p:cxnSp>
-      <p:cxnSp>
-        <p:nvCxnSpPr>
-          <p:cNvPr id="25" name="Łącznik prosty 24">
-            <a:extLst>
-              <a:ext uri="{FF2B5EF4-FFF2-40B4-BE49-F238E27FC236}">
-                <a16:creationId xmlns:a16="http://schemas.microsoft.com/office/drawing/2014/main" id="{7E6B3ADD-ACC1-49EE-BEC1-9A3D7D97856C}"/>
-              </a:ext>
-            </a:extLst>
-          </p:cNvPr>
-          <p:cNvCxnSpPr>
-            <a:cxnSpLocks/>
-          </p:cNvCxnSpPr>
-          <p:nvPr/>
-        </p:nvCxnSpPr>
-        <p:spPr>
-          <a:xfrm flipH="1">
-            <a:off x="4966915" y="1964781"/>
-            <a:ext cx="3995832" cy="0"/>
-          </a:xfrm>
-          <a:prstGeom prst="line">
-            <a:avLst/>
-          </a:prstGeom>
-        </p:spPr>
-        <p:style>
-          <a:lnRef idx="1">
-            <a:schemeClr val="accent1"/>
-          </a:lnRef>
-          <a:fillRef idx="0">
-            <a:schemeClr val="accent1"/>
-          </a:fillRef>
-          <a:effectRef idx="0">
-            <a:schemeClr val="accent1"/>
-          </a:effectRef>
-          <a:fontRef idx="minor">
-            <a:schemeClr val="tx1"/>
-          </a:fontRef>
-        </p:style>
-      </p:cxnSp>
-      <p:pic>
-        <p:nvPicPr>
-          <p:cNvPr id="41" name="Obraz 40" descr="Obraz zawierający obiekt&#10;&#10;Opis wygenerowany przy wysokim poziomie pewności">
-            <a:extLst>
-              <a:ext uri="{FF2B5EF4-FFF2-40B4-BE49-F238E27FC236}">
-                <a16:creationId xmlns:a16="http://schemas.microsoft.com/office/drawing/2014/main" id="{931EFFCD-F7AB-41B0-9573-46E9837C1804}"/>
-              </a:ext>
-            </a:extLst>
-          </p:cNvPr>
-          <p:cNvPicPr>
-            <a:picLocks noChangeAspect="1"/>
-          </p:cNvPicPr>
-          <p:nvPr/>
-        </p:nvPicPr>
-        <p:blipFill>
-          <a:blip r:embed="rId2">
-            <a:extLst>
-              <a:ext uri="{28A0092B-C50C-407E-A947-70E740481C1C}">
-                <a14:useLocalDpi xmlns:a14="http://schemas.microsoft.com/office/drawing/2010/main" val="0"/>
-              </a:ext>
-            </a:extLst>
-          </a:blip>
-          <a:stretch>
-            <a:fillRect/>
-          </a:stretch>
-        </p:blipFill>
-        <p:spPr>
-          <a:xfrm rot="3612660">
-            <a:off x="2059900" y="2725929"/>
-            <a:ext cx="1569271" cy="1406142"/>
-          </a:xfrm>
-          <a:prstGeom prst="rect">
-            <a:avLst/>
-          </a:prstGeom>
-        </p:spPr>
-      </p:pic>
-      <p:pic>
-        <p:nvPicPr>
-          <p:cNvPr id="42" name="Obraz 41">
-            <a:extLst>
-              <a:ext uri="{FF2B5EF4-FFF2-40B4-BE49-F238E27FC236}">
-                <a16:creationId xmlns:a16="http://schemas.microsoft.com/office/drawing/2014/main" id="{C4B44810-D6FA-4B7E-ABAA-89C9C1566C21}"/>
-              </a:ext>
-            </a:extLst>
-          </p:cNvPr>
-          <p:cNvPicPr>
-            <a:picLocks noChangeAspect="1"/>
-          </p:cNvPicPr>
-          <p:nvPr/>
-        </p:nvPicPr>
-        <p:blipFill>
-          <a:blip r:embed="rId4" cstate="print">
-            <a:extLst>
-              <a:ext uri="{28A0092B-C50C-407E-A947-70E740481C1C}">
-                <a14:useLocalDpi xmlns:a14="http://schemas.microsoft.com/office/drawing/2010/main" val="0"/>
-              </a:ext>
-            </a:extLst>
-          </a:blip>
-          <a:stretch>
-            <a:fillRect/>
-          </a:stretch>
-        </p:blipFill>
-        <p:spPr>
-          <a:xfrm>
-            <a:off x="2037798" y="4208018"/>
-            <a:ext cx="1613477" cy="1406826"/>
-          </a:xfrm>
-          <a:prstGeom prst="rect">
-            <a:avLst/>
-          </a:prstGeom>
-        </p:spPr>
-      </p:pic>
-      <p:pic>
-        <p:nvPicPr>
-          <p:cNvPr id="44" name="Obraz 43" descr="Obraz zawierający obiekt&#10;&#10;Opis wygenerowany przy wysokim poziomie pewności">
-            <a:extLst>
-              <a:ext uri="{FF2B5EF4-FFF2-40B4-BE49-F238E27FC236}">
-                <a16:creationId xmlns:a16="http://schemas.microsoft.com/office/drawing/2014/main" id="{AEF2A7A7-CB3E-4E3E-9E3E-A7A00157944D}"/>
-              </a:ext>
-            </a:extLst>
-          </p:cNvPr>
-          <p:cNvPicPr>
-            <a:picLocks noChangeAspect="1"/>
-          </p:cNvPicPr>
-          <p:nvPr/>
-        </p:nvPicPr>
-        <p:blipFill>
-          <a:blip r:embed="rId2">
-            <a:extLst>
-              <a:ext uri="{28A0092B-C50C-407E-A947-70E740481C1C}">
-                <a14:useLocalDpi xmlns:a14="http://schemas.microsoft.com/office/drawing/2010/main" val="0"/>
-              </a:ext>
-            </a:extLst>
-          </a:blip>
-          <a:stretch>
-            <a:fillRect/>
-          </a:stretch>
-        </p:blipFill>
-        <p:spPr>
-          <a:xfrm rot="3612660">
-            <a:off x="3330419" y="4975942"/>
-            <a:ext cx="1569271" cy="1406142"/>
-          </a:xfrm>
-          <a:prstGeom prst="rect">
-            <a:avLst/>
-          </a:prstGeom>
-        </p:spPr>
-      </p:pic>
-      <p:sp>
-        <p:nvSpPr>
-          <p:cNvPr id="46" name="pole tekstowe 45">
-            <a:extLst>
-              <a:ext uri="{FF2B5EF4-FFF2-40B4-BE49-F238E27FC236}">
-                <a16:creationId xmlns:a16="http://schemas.microsoft.com/office/drawing/2014/main" id="{A00C139B-5751-4A6C-9ACB-46669A587051}"/>
-              </a:ext>
-            </a:extLst>
-          </p:cNvPr>
-          <p:cNvSpPr txBox="1"/>
-          <p:nvPr/>
-        </p:nvSpPr>
-        <p:spPr>
-          <a:xfrm>
-            <a:off x="5481261" y="1465778"/>
-            <a:ext cx="2369559" cy="461665"/>
-          </a:xfrm>
-          <a:prstGeom prst="rect">
-            <a:avLst/>
-          </a:prstGeom>
-          <a:noFill/>
-        </p:spPr>
-        <p:txBody>
-          <a:bodyPr wrap="none" rtlCol="0">
-            <a:spAutoFit/>
-          </a:bodyPr>
-          <a:lstStyle/>
-          <a:p>
-            <a:r>
-              <a:rPr lang="pl-PL" sz="2400" i="1" dirty="0">
-                <a:solidFill>
-                  <a:schemeClr val="accent1">
-                    <a:lumMod val="50000"/>
-                  </a:schemeClr>
-                </a:solidFill>
-                <a:latin typeface="Bahnschrift Condensed" panose="020B0502040204020203" pitchFamily="34" charset="0"/>
-              </a:rPr>
-              <a:t>Sztuczna inteligencja</a:t>
-            </a:r>
-          </a:p>
-        </p:txBody>
-      </p:sp>
-      <p:cxnSp>
-        <p:nvCxnSpPr>
-          <p:cNvPr id="47" name="Łącznik prosty 46">
-            <a:extLst>
-              <a:ext uri="{FF2B5EF4-FFF2-40B4-BE49-F238E27FC236}">
-                <a16:creationId xmlns:a16="http://schemas.microsoft.com/office/drawing/2014/main" id="{7447BDC4-6C08-48E5-BDBB-277EAE12CC2F}"/>
-              </a:ext>
-            </a:extLst>
-          </p:cNvPr>
-          <p:cNvCxnSpPr>
-            <a:cxnSpLocks/>
-          </p:cNvCxnSpPr>
-          <p:nvPr/>
-        </p:nvCxnSpPr>
-        <p:spPr>
-          <a:xfrm flipH="1">
-            <a:off x="3308315" y="4648767"/>
-            <a:ext cx="497442" cy="401503"/>
-          </a:xfrm>
-          <a:prstGeom prst="line">
-            <a:avLst/>
-          </a:prstGeom>
-          <a:ln/>
-        </p:spPr>
-        <p:style>
-          <a:lnRef idx="1">
-            <a:schemeClr val="accent1"/>
-          </a:lnRef>
-          <a:fillRef idx="0">
-            <a:schemeClr val="accent1"/>
-          </a:fillRef>
-          <a:effectRef idx="0">
-            <a:schemeClr val="accent1"/>
-          </a:effectRef>
-          <a:fontRef idx="minor">
-            <a:schemeClr val="tx1"/>
-          </a:fontRef>
-        </p:style>
-      </p:cxnSp>
-      <p:cxnSp>
-        <p:nvCxnSpPr>
-          <p:cNvPr id="49" name="Łącznik prosty 48">
-            <a:extLst>
-              <a:ext uri="{FF2B5EF4-FFF2-40B4-BE49-F238E27FC236}">
-                <a16:creationId xmlns:a16="http://schemas.microsoft.com/office/drawing/2014/main" id="{6AC6D5E6-61D6-4AFB-A583-EF6B4116C4B8}"/>
-              </a:ext>
-            </a:extLst>
-          </p:cNvPr>
-          <p:cNvCxnSpPr>
-            <a:cxnSpLocks/>
-          </p:cNvCxnSpPr>
-          <p:nvPr/>
-        </p:nvCxnSpPr>
-        <p:spPr>
-          <a:xfrm flipH="1" flipV="1">
-            <a:off x="4513943" y="5733143"/>
-            <a:ext cx="407849" cy="271018"/>
-          </a:xfrm>
-          <a:prstGeom prst="line">
-            <a:avLst/>
-          </a:prstGeom>
-          <a:ln/>
-        </p:spPr>
-        <p:style>
-          <a:lnRef idx="1">
-            <a:schemeClr val="accent1"/>
-          </a:lnRef>
-          <a:fillRef idx="0">
-            <a:schemeClr val="accent1"/>
-          </a:fillRef>
-          <a:effectRef idx="0">
-            <a:schemeClr val="accent1"/>
-          </a:effectRef>
-          <a:fontRef idx="minor">
-            <a:schemeClr val="tx1"/>
-          </a:fontRef>
-        </p:style>
-      </p:cxnSp>
-      <p:cxnSp>
-        <p:nvCxnSpPr>
-          <p:cNvPr id="50" name="Łącznik prosty 49">
-            <a:extLst>
-              <a:ext uri="{FF2B5EF4-FFF2-40B4-BE49-F238E27FC236}">
-                <a16:creationId xmlns:a16="http://schemas.microsoft.com/office/drawing/2014/main" id="{D9E1DE43-EA28-41BD-8418-7F21DBEDC5E7}"/>
-              </a:ext>
-            </a:extLst>
-          </p:cNvPr>
-          <p:cNvCxnSpPr>
-            <a:cxnSpLocks/>
-          </p:cNvCxnSpPr>
-          <p:nvPr/>
-        </p:nvCxnSpPr>
-        <p:spPr>
-          <a:xfrm flipH="1">
-            <a:off x="4921792" y="6004161"/>
-            <a:ext cx="3995832" cy="0"/>
-          </a:xfrm>
-          <a:prstGeom prst="line">
-            <a:avLst/>
-          </a:prstGeom>
-        </p:spPr>
-        <p:style>
-          <a:lnRef idx="1">
-            <a:schemeClr val="accent1"/>
-          </a:lnRef>
-          <a:fillRef idx="0">
-            <a:schemeClr val="accent1"/>
-          </a:fillRef>
-          <a:effectRef idx="0">
-            <a:schemeClr val="accent1"/>
-          </a:effectRef>
-          <a:fontRef idx="minor">
-            <a:schemeClr val="tx1"/>
-          </a:fontRef>
-        </p:style>
-      </p:cxnSp>
-      <p:cxnSp>
-        <p:nvCxnSpPr>
-          <p:cNvPr id="55" name="Łącznik prosty 54">
-            <a:extLst>
-              <a:ext uri="{FF2B5EF4-FFF2-40B4-BE49-F238E27FC236}">
-                <a16:creationId xmlns:a16="http://schemas.microsoft.com/office/drawing/2014/main" id="{AF9B8EEF-7CA3-453D-A67C-1A671406577A}"/>
-              </a:ext>
-            </a:extLst>
-          </p:cNvPr>
-          <p:cNvCxnSpPr>
-            <a:cxnSpLocks/>
-          </p:cNvCxnSpPr>
-          <p:nvPr/>
-        </p:nvCxnSpPr>
-        <p:spPr>
-          <a:xfrm flipH="1" flipV="1">
-            <a:off x="3328261" y="3681364"/>
-            <a:ext cx="407849" cy="271018"/>
-          </a:xfrm>
-          <a:prstGeom prst="line">
-            <a:avLst/>
-          </a:prstGeom>
-          <a:ln/>
-        </p:spPr>
-        <p:style>
-          <a:lnRef idx="1">
-            <a:schemeClr val="accent1"/>
-          </a:lnRef>
-          <a:fillRef idx="0">
-            <a:schemeClr val="accent1"/>
-          </a:fillRef>
-          <a:effectRef idx="0">
-            <a:schemeClr val="accent1"/>
-          </a:effectRef>
-          <a:fontRef idx="minor">
-            <a:schemeClr val="tx1"/>
-          </a:fontRef>
-        </p:style>
-      </p:cxnSp>
-      <p:cxnSp>
-        <p:nvCxnSpPr>
-          <p:cNvPr id="56" name="Łącznik prosty 55">
-            <a:extLst>
-              <a:ext uri="{FF2B5EF4-FFF2-40B4-BE49-F238E27FC236}">
-                <a16:creationId xmlns:a16="http://schemas.microsoft.com/office/drawing/2014/main" id="{53D9A861-4749-466A-A0DB-E086FD3BD465}"/>
-              </a:ext>
-            </a:extLst>
-          </p:cNvPr>
-          <p:cNvCxnSpPr>
-            <a:cxnSpLocks/>
-          </p:cNvCxnSpPr>
-          <p:nvPr/>
-        </p:nvCxnSpPr>
-        <p:spPr>
-          <a:xfrm flipH="1">
-            <a:off x="3736111" y="3952382"/>
-            <a:ext cx="5181513" cy="0"/>
-          </a:xfrm>
-          <a:prstGeom prst="line">
-            <a:avLst/>
-          </a:prstGeom>
-        </p:spPr>
-        <p:style>
-          <a:lnRef idx="1">
-            <a:schemeClr val="accent1"/>
-          </a:lnRef>
-          <a:fillRef idx="0">
-            <a:schemeClr val="accent1"/>
-          </a:fillRef>
-          <a:effectRef idx="0">
-            <a:schemeClr val="accent1"/>
-          </a:effectRef>
-          <a:fontRef idx="minor">
-            <a:schemeClr val="tx1"/>
-          </a:fontRef>
-        </p:style>
-      </p:cxnSp>
-      <p:sp>
-        <p:nvSpPr>
-          <p:cNvPr id="57" name="pole tekstowe 56">
-            <a:extLst>
-              <a:ext uri="{FF2B5EF4-FFF2-40B4-BE49-F238E27FC236}">
-                <a16:creationId xmlns:a16="http://schemas.microsoft.com/office/drawing/2014/main" id="{100F2E97-51AA-4F04-9E05-C41AB2D1CF27}"/>
-              </a:ext>
-            </a:extLst>
-          </p:cNvPr>
-          <p:cNvSpPr txBox="1"/>
-          <p:nvPr/>
-        </p:nvSpPr>
-        <p:spPr>
-          <a:xfrm>
-            <a:off x="4213622" y="3461305"/>
-            <a:ext cx="1029449" cy="461665"/>
-          </a:xfrm>
-          <a:prstGeom prst="rect">
-            <a:avLst/>
-          </a:prstGeom>
-          <a:noFill/>
-        </p:spPr>
-        <p:txBody>
-          <a:bodyPr wrap="none" rtlCol="0">
-            <a:spAutoFit/>
-          </a:bodyPr>
-          <a:lstStyle/>
-          <a:p>
-            <a:r>
-              <a:rPr lang="pl-PL" sz="2400" i="1" dirty="0" err="1">
-                <a:solidFill>
-                  <a:srgbClr val="00B0F0"/>
-                </a:solidFill>
-                <a:latin typeface="Bahnschrift Condensed" panose="020B0502040204020203" pitchFamily="34" charset="0"/>
-              </a:rPr>
-              <a:t>Electron</a:t>
-            </a:r>
-            <a:endParaRPr lang="pl-PL" sz="2400" i="1" dirty="0">
-              <a:solidFill>
-                <a:srgbClr val="00B0F0"/>
-              </a:solidFill>
-              <a:latin typeface="Bahnschrift Condensed" panose="020B0502040204020203" pitchFamily="34" charset="0"/>
-            </a:endParaRPr>
-          </a:p>
-        </p:txBody>
-      </p:sp>
-      <p:sp>
-        <p:nvSpPr>
-          <p:cNvPr id="58" name="pole tekstowe 57">
-            <a:extLst>
-              <a:ext uri="{FF2B5EF4-FFF2-40B4-BE49-F238E27FC236}">
-                <a16:creationId xmlns:a16="http://schemas.microsoft.com/office/drawing/2014/main" id="{D9468130-667D-4FB3-9A34-92EEB4918F6E}"/>
-              </a:ext>
-            </a:extLst>
-          </p:cNvPr>
-          <p:cNvSpPr txBox="1"/>
-          <p:nvPr/>
-        </p:nvSpPr>
-        <p:spPr>
-          <a:xfrm>
-            <a:off x="4392683" y="4193988"/>
-            <a:ext cx="764953" cy="461665"/>
-          </a:xfrm>
-          <a:prstGeom prst="rect">
-            <a:avLst/>
-          </a:prstGeom>
-          <a:noFill/>
-        </p:spPr>
-        <p:txBody>
-          <a:bodyPr wrap="none" rtlCol="0">
-            <a:spAutoFit/>
-          </a:bodyPr>
-          <a:lstStyle/>
-          <a:p>
-            <a:r>
-              <a:rPr lang="pl-PL" sz="2400" i="1" dirty="0" err="1">
-                <a:solidFill>
-                  <a:schemeClr val="accent1">
-                    <a:lumMod val="50000"/>
-                  </a:schemeClr>
-                </a:solidFill>
-                <a:latin typeface="Bahnschrift Condensed" panose="020B0502040204020203" pitchFamily="34" charset="0"/>
-              </a:rPr>
-              <a:t>React</a:t>
-            </a:r>
-            <a:endParaRPr lang="pl-PL" sz="2400" i="1" dirty="0">
-              <a:solidFill>
-                <a:schemeClr val="accent1">
-                  <a:lumMod val="50000"/>
-                </a:schemeClr>
-              </a:solidFill>
-              <a:latin typeface="Bahnschrift Condensed" panose="020B0502040204020203" pitchFamily="34" charset="0"/>
-            </a:endParaRPr>
-          </a:p>
-        </p:txBody>
-      </p:sp>
-      <p:sp>
-        <p:nvSpPr>
-          <p:cNvPr id="59" name="pole tekstowe 58">
-            <a:extLst>
-              <a:ext uri="{FF2B5EF4-FFF2-40B4-BE49-F238E27FC236}">
-                <a16:creationId xmlns:a16="http://schemas.microsoft.com/office/drawing/2014/main" id="{10624887-EF22-4E06-A8CA-B969C18F535B}"/>
-              </a:ext>
-            </a:extLst>
-          </p:cNvPr>
-          <p:cNvSpPr txBox="1"/>
-          <p:nvPr/>
-        </p:nvSpPr>
-        <p:spPr>
-          <a:xfrm>
-            <a:off x="5250523" y="5502310"/>
-            <a:ext cx="3635932" cy="461665"/>
-          </a:xfrm>
-          <a:prstGeom prst="rect">
-            <a:avLst/>
-          </a:prstGeom>
-          <a:noFill/>
-        </p:spPr>
-        <p:txBody>
-          <a:bodyPr wrap="none" rtlCol="0">
-            <a:spAutoFit/>
-          </a:bodyPr>
-          <a:lstStyle/>
-          <a:p>
-            <a:r>
-              <a:rPr lang="pl-PL" sz="2400" i="1" dirty="0" err="1">
-                <a:solidFill>
-                  <a:srgbClr val="00B0F0"/>
-                </a:solidFill>
-                <a:latin typeface="Bahnschrift Condensed" panose="020B0502040204020203" pitchFamily="34" charset="0"/>
-              </a:rPr>
-              <a:t>Find</a:t>
-            </a:r>
-            <a:r>
-              <a:rPr lang="pl-PL" sz="2400" i="1" dirty="0">
-                <a:solidFill>
-                  <a:srgbClr val="00B0F0"/>
-                </a:solidFill>
-                <a:latin typeface="Bahnschrift Condensed" panose="020B0502040204020203" pitchFamily="34" charset="0"/>
-              </a:rPr>
-              <a:t> </a:t>
-            </a:r>
-            <a:r>
-              <a:rPr lang="pl-PL" sz="2400" i="1" dirty="0" err="1">
-                <a:solidFill>
-                  <a:srgbClr val="00B0F0"/>
-                </a:solidFill>
-                <a:latin typeface="Bahnschrift Condensed" panose="020B0502040204020203" pitchFamily="34" charset="0"/>
-              </a:rPr>
-              <a:t>best</a:t>
-            </a:r>
-            <a:r>
-              <a:rPr lang="pl-PL" sz="2400" i="1" dirty="0">
-                <a:solidFill>
-                  <a:srgbClr val="00B0F0"/>
-                </a:solidFill>
-                <a:latin typeface="Bahnschrift Condensed" panose="020B0502040204020203" pitchFamily="34" charset="0"/>
-              </a:rPr>
-              <a:t> person for YOUR </a:t>
-            </a:r>
-            <a:r>
-              <a:rPr lang="pl-PL" sz="2400" i="1" dirty="0" err="1">
-                <a:solidFill>
-                  <a:srgbClr val="00B0F0"/>
-                </a:solidFill>
-                <a:latin typeface="Bahnschrift Condensed" panose="020B0502040204020203" pitchFamily="34" charset="0"/>
-              </a:rPr>
-              <a:t>project</a:t>
-            </a:r>
-            <a:r>
-              <a:rPr lang="pl-PL" sz="2400" i="1" dirty="0">
-                <a:solidFill>
-                  <a:srgbClr val="00B0F0"/>
-                </a:solidFill>
-                <a:latin typeface="Bahnschrift Condensed" panose="020B0502040204020203" pitchFamily="34" charset="0"/>
-              </a:rPr>
-              <a:t>!</a:t>
-            </a:r>
-          </a:p>
-        </p:txBody>
-      </p:sp>
-      <p:pic>
-        <p:nvPicPr>
-          <p:cNvPr id="4100" name="Picture 4" descr="Znalezione obrazy dla zapytania preferences icon">
-            <a:extLst>
-              <a:ext uri="{FF2B5EF4-FFF2-40B4-BE49-F238E27FC236}">
-                <a16:creationId xmlns:a16="http://schemas.microsoft.com/office/drawing/2014/main" id="{02786771-31E6-4431-B238-7910672F5430}"/>
-              </a:ext>
-            </a:extLst>
-          </p:cNvPr>
-          <p:cNvPicPr>
-            <a:picLocks noChangeAspect="1" noChangeArrowheads="1"/>
-          </p:cNvPicPr>
-          <p:nvPr/>
-        </p:nvPicPr>
-        <p:blipFill>
-          <a:blip r:embed="rId5">
-            <a:extLst>
-              <a:ext uri="{28A0092B-C50C-407E-A947-70E740481C1C}">
-                <a14:useLocalDpi xmlns:a14="http://schemas.microsoft.com/office/drawing/2010/main" val="0"/>
-              </a:ext>
-            </a:extLst>
-          </a:blip>
-          <a:srcRect/>
-          <a:stretch>
-            <a:fillRect/>
-          </a:stretch>
-        </p:blipFill>
-        <p:spPr bwMode="auto">
-          <a:xfrm>
-            <a:off x="2403090" y="2972654"/>
-            <a:ext cx="882890" cy="882890"/>
-          </a:xfrm>
-          <a:prstGeom prst="rect">
-            <a:avLst/>
-          </a:prstGeom>
-          <a:noFill/>
-          <a:extLst>
-            <a:ext uri="{909E8E84-426E-40DD-AFC4-6F175D3DCCD1}">
-              <a14:hiddenFill xmlns:a14="http://schemas.microsoft.com/office/drawing/2010/main">
-                <a:solidFill>
-                  <a:srgbClr val="FFFFFF"/>
-                </a:solidFill>
-              </a14:hiddenFill>
-            </a:ext>
-          </a:extLst>
-        </p:spPr>
-      </p:pic>
-      <p:pic>
-        <p:nvPicPr>
-          <p:cNvPr id="4102" name="Picture 6" descr="Znalezione obrazy dla zapytania aim icon">
-            <a:extLst>
-              <a:ext uri="{FF2B5EF4-FFF2-40B4-BE49-F238E27FC236}">
-                <a16:creationId xmlns:a16="http://schemas.microsoft.com/office/drawing/2014/main" id="{B5C36FAA-2483-48A1-A815-37D7B50853E2}"/>
-              </a:ext>
-            </a:extLst>
-          </p:cNvPr>
-          <p:cNvPicPr>
-            <a:picLocks noChangeAspect="1" noChangeArrowheads="1"/>
-          </p:cNvPicPr>
-          <p:nvPr/>
-        </p:nvPicPr>
-        <p:blipFill>
-          <a:blip r:embed="rId6">
-            <a:extLst>
-              <a:ext uri="{28A0092B-C50C-407E-A947-70E740481C1C}">
-                <a14:useLocalDpi xmlns:a14="http://schemas.microsoft.com/office/drawing/2010/main" val="0"/>
-              </a:ext>
-            </a:extLst>
-          </a:blip>
-          <a:srcRect/>
-          <a:stretch>
-            <a:fillRect/>
-          </a:stretch>
-        </p:blipFill>
-        <p:spPr bwMode="auto">
-          <a:xfrm>
-            <a:off x="2323374" y="4374772"/>
-            <a:ext cx="1034500" cy="1034500"/>
-          </a:xfrm>
-          <a:prstGeom prst="rect">
-            <a:avLst/>
-          </a:prstGeom>
-          <a:noFill/>
-          <a:extLst>
-            <a:ext uri="{909E8E84-426E-40DD-AFC4-6F175D3DCCD1}">
-              <a14:hiddenFill xmlns:a14="http://schemas.microsoft.com/office/drawing/2010/main">
-                <a:solidFill>
-                  <a:srgbClr val="FFFFFF"/>
-                </a:solidFill>
-              </a14:hiddenFill>
-            </a:ext>
-          </a:extLst>
-        </p:spPr>
-      </p:pic>
-      <p:pic>
-        <p:nvPicPr>
-          <p:cNvPr id="4096" name="Grafika 4095">
-            <a:extLst>
-              <a:ext uri="{FF2B5EF4-FFF2-40B4-BE49-F238E27FC236}">
-                <a16:creationId xmlns:a16="http://schemas.microsoft.com/office/drawing/2014/main" id="{73BDD99B-5341-454B-AB13-FFC564549F85}"/>
-              </a:ext>
-            </a:extLst>
-          </p:cNvPr>
-          <p:cNvPicPr>
-            <a:picLocks noChangeAspect="1"/>
-          </p:cNvPicPr>
-          <p:nvPr/>
-        </p:nvPicPr>
-        <p:blipFill>
-          <a:blip r:embed="rId7">
-            <a:extLst>
-              <a:ext uri="{96DAC541-7B7A-43D3-8B79-37D633B846F1}">
-                <asvg:svgBlip xmlns:asvg="http://schemas.microsoft.com/office/drawing/2016/SVG/main" r:embed="rId8"/>
-              </a:ext>
-            </a:extLst>
-          </a:blip>
-          <a:stretch>
-            <a:fillRect/>
-          </a:stretch>
-        </p:blipFill>
-        <p:spPr>
-          <a:xfrm>
-            <a:off x="3801036" y="5376550"/>
-            <a:ext cx="634114" cy="634114"/>
-          </a:xfrm>
-          <a:prstGeom prst="rect">
-            <a:avLst/>
-          </a:prstGeom>
-        </p:spPr>
-      </p:pic>
-      <p:sp>
-        <p:nvSpPr>
-          <p:cNvPr id="72" name="pole tekstowe 71">
-            <a:extLst>
-              <a:ext uri="{FF2B5EF4-FFF2-40B4-BE49-F238E27FC236}">
-                <a16:creationId xmlns:a16="http://schemas.microsoft.com/office/drawing/2014/main" id="{0950695E-7F55-4904-9B94-0DD71FF266E1}"/>
-              </a:ext>
-            </a:extLst>
-          </p:cNvPr>
-          <p:cNvSpPr txBox="1"/>
-          <p:nvPr/>
-        </p:nvSpPr>
-        <p:spPr>
-          <a:xfrm>
-            <a:off x="8295035" y="2612443"/>
-            <a:ext cx="184731" cy="400110"/>
-          </a:xfrm>
-          <a:prstGeom prst="rect">
-            <a:avLst/>
-          </a:prstGeom>
-          <a:noFill/>
-        </p:spPr>
-        <p:txBody>
-          <a:bodyPr wrap="none" rtlCol="0">
-            <a:spAutoFit/>
-          </a:bodyPr>
-          <a:lstStyle/>
-          <a:p>
-            <a:endParaRPr lang="pl-PL" sz="2000" i="1" dirty="0">
-              <a:solidFill>
-                <a:schemeClr val="accent1">
-                  <a:lumMod val="50000"/>
-                </a:schemeClr>
-              </a:solidFill>
-              <a:latin typeface="WATstyle" panose="020F0502020204030203" pitchFamily="34" charset="-18"/>
-            </a:endParaRPr>
-          </a:p>
-        </p:txBody>
-      </p:sp>
-      <p:cxnSp>
-        <p:nvCxnSpPr>
-          <p:cNvPr id="31" name="Łącznik prosty 30">
-            <a:extLst>
-              <a:ext uri="{FF2B5EF4-FFF2-40B4-BE49-F238E27FC236}">
-                <a16:creationId xmlns:a16="http://schemas.microsoft.com/office/drawing/2014/main" id="{FF439DD8-3776-40B7-A84B-233D131C0316}"/>
-              </a:ext>
-            </a:extLst>
-          </p:cNvPr>
-          <p:cNvCxnSpPr>
-            <a:cxnSpLocks/>
-          </p:cNvCxnSpPr>
-          <p:nvPr/>
-        </p:nvCxnSpPr>
-        <p:spPr>
-          <a:xfrm flipH="1">
-            <a:off x="3801036" y="4648767"/>
-            <a:ext cx="5181513" cy="0"/>
-          </a:xfrm>
-          <a:prstGeom prst="line">
-            <a:avLst/>
-          </a:prstGeom>
-        </p:spPr>
-        <p:style>
-          <a:lnRef idx="1">
-            <a:schemeClr val="accent1"/>
-          </a:lnRef>
-          <a:fillRef idx="0">
-            <a:schemeClr val="accent1"/>
-          </a:fillRef>
-          <a:effectRef idx="0">
-            <a:schemeClr val="accent1"/>
-          </a:effectRef>
-          <a:fontRef idx="minor">
-            <a:schemeClr val="tx1"/>
-          </a:fontRef>
-        </p:style>
-      </p:cxnSp>
-      <p:pic>
-        <p:nvPicPr>
-          <p:cNvPr id="27" name="Picture 6">
-            <a:extLst>
-              <a:ext uri="{FF2B5EF4-FFF2-40B4-BE49-F238E27FC236}">
-                <a16:creationId xmlns:a16="http://schemas.microsoft.com/office/drawing/2014/main" id="{24685071-018F-4A56-AA6C-4B82BCB322F8}"/>
-              </a:ext>
-            </a:extLst>
-          </p:cNvPr>
-          <p:cNvPicPr>
-            <a:picLocks noChangeAspect="1" noChangeArrowheads="1"/>
-          </p:cNvPicPr>
-          <p:nvPr/>
-        </p:nvPicPr>
-        <p:blipFill>
-          <a:blip r:embed="rId9">
-            <a:extLst>
-              <a:ext uri="{28A0092B-C50C-407E-A947-70E740481C1C}">
-                <a14:useLocalDpi xmlns:a14="http://schemas.microsoft.com/office/drawing/2010/main" val="0"/>
-              </a:ext>
-            </a:extLst>
-          </a:blip>
-          <a:srcRect/>
-          <a:stretch>
-            <a:fillRect/>
-          </a:stretch>
-        </p:blipFill>
-        <p:spPr bwMode="auto">
-          <a:xfrm>
-            <a:off x="3736110" y="2207768"/>
-            <a:ext cx="797004" cy="797004"/>
-          </a:xfrm>
-          <a:prstGeom prst="rect">
-            <a:avLst/>
-          </a:prstGeom>
-          <a:noFill/>
-          <a:extLst>
-            <a:ext uri="{909E8E84-426E-40DD-AFC4-6F175D3DCCD1}">
-              <a14:hiddenFill xmlns:a14="http://schemas.microsoft.com/office/drawing/2010/main">
-                <a:solidFill>
-                  <a:srgbClr val="FFFFFF"/>
-                </a:solidFill>
-              </a14:hiddenFill>
-            </a:ext>
-          </a:extLst>
-        </p:spPr>
-      </p:pic>
-    </p:spTree>
-    <p:extLst>
-      <p:ext uri="{BB962C8B-B14F-4D97-AF65-F5344CB8AC3E}">
-        <p14:creationId xmlns:p14="http://schemas.microsoft.com/office/powerpoint/2010/main" val="276378105"/>
-      </p:ext>
-    </p:extLst>
-  </p:cSld>
-  <p:clrMapOvr>
-    <a:masterClrMapping/>
-  </p:clrMapOvr>
-  <p:transition spd="slow">
-    <p:push dir="u"/>
-  </p:transition>
-  <p:timing>
-    <p:tnLst>
-      <p:par>
-        <p:cTn id="1" dur="indefinite" restart="never" nodeType="tmRoot">
-          <p:childTnLst>
-            <p:seq concurrent="1" nextAc="seek">
-              <p:cTn id="2" dur="indefinite" nodeType="mainSeq">
-                <p:childTnLst>
-                  <p:par>
-                    <p:cTn id="3" fill="hold">
-                      <p:stCondLst>
-                        <p:cond delay="indefinite"/>
-                        <p:cond evt="onBegin" delay="0">
-                          <p:tn val="2"/>
-                        </p:cond>
-                      </p:stCondLst>
-                      <p:childTnLst>
-                        <p:par>
-                          <p:cTn id="4" fill="hold">
-                            <p:stCondLst>
-                              <p:cond delay="0"/>
-                            </p:stCondLst>
-                            <p:childTnLst>
-                              <p:par>
-                                <p:cTn id="5" presetID="42" presetClass="entr" presetSubtype="0" fill="hold" nodeType="withEffect">
-                                  <p:stCondLst>
-                                    <p:cond delay="0"/>
-                                  </p:stCondLst>
-                                  <p:childTnLst>
-                                    <p:set>
-                                      <p:cBhvr>
-                                        <p:cTn id="6" dur="1" fill="hold">
-                                          <p:stCondLst>
-                                            <p:cond delay="0"/>
-                                          </p:stCondLst>
-                                        </p:cTn>
-                                        <p:tgtEl>
-                                          <p:spTgt spid="14"/>
-                                        </p:tgtEl>
-                                        <p:attrNameLst>
-                                          <p:attrName>style.visibility</p:attrName>
-                                        </p:attrNameLst>
-                                      </p:cBhvr>
-                                      <p:to>
-                                        <p:strVal val="visible"/>
-                                      </p:to>
-                                    </p:set>
-                                    <p:animEffect transition="in" filter="fade">
-                                      <p:cBhvr>
-                                        <p:cTn id="7" dur="1000"/>
-                                        <p:tgtEl>
-                                          <p:spTgt spid="14"/>
-                                        </p:tgtEl>
-                                      </p:cBhvr>
-                                    </p:animEffect>
-                                    <p:anim calcmode="lin" valueType="num">
-                                      <p:cBhvr>
-                                        <p:cTn id="8" dur="1000" fill="hold"/>
-                                        <p:tgtEl>
-                                          <p:spTgt spid="14"/>
-                                        </p:tgtEl>
-                                        <p:attrNameLst>
-                                          <p:attrName>ppt_x</p:attrName>
-                                        </p:attrNameLst>
-                                      </p:cBhvr>
-                                      <p:tavLst>
-                                        <p:tav tm="0">
-                                          <p:val>
-                                            <p:strVal val="#ppt_x"/>
-                                          </p:val>
-                                        </p:tav>
-                                        <p:tav tm="100000">
-                                          <p:val>
-                                            <p:strVal val="#ppt_x"/>
-                                          </p:val>
-                                        </p:tav>
-                                      </p:tavLst>
-                                    </p:anim>
-                                    <p:anim calcmode="lin" valueType="num">
-                                      <p:cBhvr>
-                                        <p:cTn id="9" dur="1000" fill="hold"/>
-                                        <p:tgtEl>
-                                          <p:spTgt spid="14"/>
-                                        </p:tgtEl>
-                                        <p:attrNameLst>
-                                          <p:attrName>ppt_y</p:attrName>
-                                        </p:attrNameLst>
-                                      </p:cBhvr>
-                                      <p:tavLst>
-                                        <p:tav tm="0">
-                                          <p:val>
-                                            <p:strVal val="#ppt_y+.1"/>
-                                          </p:val>
-                                        </p:tav>
-                                        <p:tav tm="100000">
-                                          <p:val>
-                                            <p:strVal val="#ppt_y"/>
-                                          </p:val>
-                                        </p:tav>
-                                      </p:tavLst>
-                                    </p:anim>
-                                  </p:childTnLst>
-                                </p:cTn>
-                              </p:par>
-                              <p:par>
-                                <p:cTn id="10" presetID="42" presetClass="entr" presetSubtype="0" fill="hold" nodeType="withEffect">
-                                  <p:stCondLst>
-                                    <p:cond delay="0"/>
-                                  </p:stCondLst>
-                                  <p:childTnLst>
-                                    <p:set>
-                                      <p:cBhvr>
-                                        <p:cTn id="11" dur="1" fill="hold">
-                                          <p:stCondLst>
-                                            <p:cond delay="0"/>
-                                          </p:stCondLst>
-                                        </p:cTn>
-                                        <p:tgtEl>
-                                          <p:spTgt spid="24"/>
-                                        </p:tgtEl>
-                                        <p:attrNameLst>
-                                          <p:attrName>style.visibility</p:attrName>
-                                        </p:attrNameLst>
-                                      </p:cBhvr>
-                                      <p:to>
-                                        <p:strVal val="visible"/>
-                                      </p:to>
-                                    </p:set>
-                                    <p:animEffect transition="in" filter="fade">
-                                      <p:cBhvr>
-                                        <p:cTn id="12" dur="1000"/>
-                                        <p:tgtEl>
-                                          <p:spTgt spid="24"/>
-                                        </p:tgtEl>
-                                      </p:cBhvr>
-                                    </p:animEffect>
-                                    <p:anim calcmode="lin" valueType="num">
-                                      <p:cBhvr>
-                                        <p:cTn id="13" dur="1000" fill="hold"/>
-                                        <p:tgtEl>
-                                          <p:spTgt spid="24"/>
-                                        </p:tgtEl>
-                                        <p:attrNameLst>
-                                          <p:attrName>ppt_x</p:attrName>
-                                        </p:attrNameLst>
-                                      </p:cBhvr>
-                                      <p:tavLst>
-                                        <p:tav tm="0">
-                                          <p:val>
-                                            <p:strVal val="#ppt_x"/>
-                                          </p:val>
-                                        </p:tav>
-                                        <p:tav tm="100000">
-                                          <p:val>
-                                            <p:strVal val="#ppt_x"/>
-                                          </p:val>
-                                        </p:tav>
-                                      </p:tavLst>
-                                    </p:anim>
-                                    <p:anim calcmode="lin" valueType="num">
-                                      <p:cBhvr>
-                                        <p:cTn id="14" dur="1000" fill="hold"/>
-                                        <p:tgtEl>
-                                          <p:spTgt spid="24"/>
-                                        </p:tgtEl>
-                                        <p:attrNameLst>
-                                          <p:attrName>ppt_y</p:attrName>
-                                        </p:attrNameLst>
-                                      </p:cBhvr>
-                                      <p:tavLst>
-                                        <p:tav tm="0">
-                                          <p:val>
-                                            <p:strVal val="#ppt_y+.1"/>
-                                          </p:val>
-                                        </p:tav>
-                                        <p:tav tm="100000">
-                                          <p:val>
-                                            <p:strVal val="#ppt_y"/>
-                                          </p:val>
-                                        </p:tav>
-                                      </p:tavLst>
-                                    </p:anim>
-                                  </p:childTnLst>
-                                </p:cTn>
-                              </p:par>
-                              <p:par>
-                                <p:cTn id="15" presetID="42" presetClass="entr" presetSubtype="0" fill="hold" grpId="0" nodeType="withEffect">
-                                  <p:stCondLst>
-                                    <p:cond delay="0"/>
-                                  </p:stCondLst>
-                                  <p:childTnLst>
-                                    <p:set>
-                                      <p:cBhvr>
-                                        <p:cTn id="16" dur="1" fill="hold">
-                                          <p:stCondLst>
-                                            <p:cond delay="0"/>
-                                          </p:stCondLst>
-                                        </p:cTn>
-                                        <p:tgtEl>
-                                          <p:spTgt spid="46"/>
-                                        </p:tgtEl>
-                                        <p:attrNameLst>
-                                          <p:attrName>style.visibility</p:attrName>
-                                        </p:attrNameLst>
-                                      </p:cBhvr>
-                                      <p:to>
-                                        <p:strVal val="visible"/>
-                                      </p:to>
-                                    </p:set>
-                                    <p:animEffect transition="in" filter="fade">
-                                      <p:cBhvr>
-                                        <p:cTn id="17" dur="1000"/>
-                                        <p:tgtEl>
-                                          <p:spTgt spid="46"/>
-                                        </p:tgtEl>
-                                      </p:cBhvr>
-                                    </p:animEffect>
-                                    <p:anim calcmode="lin" valueType="num">
-                                      <p:cBhvr>
-                                        <p:cTn id="18" dur="1000" fill="hold"/>
-                                        <p:tgtEl>
-                                          <p:spTgt spid="46"/>
-                                        </p:tgtEl>
-                                        <p:attrNameLst>
-                                          <p:attrName>ppt_x</p:attrName>
-                                        </p:attrNameLst>
-                                      </p:cBhvr>
-                                      <p:tavLst>
-                                        <p:tav tm="0">
-                                          <p:val>
-                                            <p:strVal val="#ppt_x"/>
-                                          </p:val>
-                                        </p:tav>
-                                        <p:tav tm="100000">
-                                          <p:val>
-                                            <p:strVal val="#ppt_x"/>
-                                          </p:val>
-                                        </p:tav>
-                                      </p:tavLst>
-                                    </p:anim>
-                                    <p:anim calcmode="lin" valueType="num">
-                                      <p:cBhvr>
-                                        <p:cTn id="19" dur="1000" fill="hold"/>
-                                        <p:tgtEl>
-                                          <p:spTgt spid="46"/>
-                                        </p:tgtEl>
-                                        <p:attrNameLst>
-                                          <p:attrName>ppt_y</p:attrName>
-                                        </p:attrNameLst>
-                                      </p:cBhvr>
-                                      <p:tavLst>
-                                        <p:tav tm="0">
-                                          <p:val>
-                                            <p:strVal val="#ppt_y+.1"/>
-                                          </p:val>
-                                        </p:tav>
-                                        <p:tav tm="100000">
-                                          <p:val>
-                                            <p:strVal val="#ppt_y"/>
-                                          </p:val>
-                                        </p:tav>
-                                      </p:tavLst>
-                                    </p:anim>
-                                  </p:childTnLst>
-                                </p:cTn>
-                              </p:par>
-                              <p:par>
-                                <p:cTn id="20" presetID="42" presetClass="entr" presetSubtype="0" fill="hold" nodeType="withEffect">
-                                  <p:stCondLst>
-                                    <p:cond delay="0"/>
-                                  </p:stCondLst>
-                                  <p:childTnLst>
-                                    <p:set>
-                                      <p:cBhvr>
-                                        <p:cTn id="21" dur="1" fill="hold">
-                                          <p:stCondLst>
-                                            <p:cond delay="0"/>
-                                          </p:stCondLst>
-                                        </p:cTn>
-                                        <p:tgtEl>
-                                          <p:spTgt spid="25"/>
-                                        </p:tgtEl>
-                                        <p:attrNameLst>
-                                          <p:attrName>style.visibility</p:attrName>
-                                        </p:attrNameLst>
-                                      </p:cBhvr>
-                                      <p:to>
-                                        <p:strVal val="visible"/>
-                                      </p:to>
-                                    </p:set>
-                                    <p:animEffect transition="in" filter="fade">
-                                      <p:cBhvr>
-                                        <p:cTn id="22" dur="1000"/>
-                                        <p:tgtEl>
-                                          <p:spTgt spid="25"/>
-                                        </p:tgtEl>
-                                      </p:cBhvr>
-                                    </p:animEffect>
-                                    <p:anim calcmode="lin" valueType="num">
-                                      <p:cBhvr>
-                                        <p:cTn id="23" dur="1000" fill="hold"/>
-                                        <p:tgtEl>
-                                          <p:spTgt spid="25"/>
-                                        </p:tgtEl>
-                                        <p:attrNameLst>
-                                          <p:attrName>ppt_x</p:attrName>
-                                        </p:attrNameLst>
-                                      </p:cBhvr>
-                                      <p:tavLst>
-                                        <p:tav tm="0">
-                                          <p:val>
-                                            <p:strVal val="#ppt_x"/>
-                                          </p:val>
-                                        </p:tav>
-                                        <p:tav tm="100000">
-                                          <p:val>
-                                            <p:strVal val="#ppt_x"/>
-                                          </p:val>
-                                        </p:tav>
-                                      </p:tavLst>
-                                    </p:anim>
-                                    <p:anim calcmode="lin" valueType="num">
-                                      <p:cBhvr>
-                                        <p:cTn id="24" dur="1000" fill="hold"/>
-                                        <p:tgtEl>
-                                          <p:spTgt spid="25"/>
-                                        </p:tgtEl>
-                                        <p:attrNameLst>
-                                          <p:attrName>ppt_y</p:attrName>
-                                        </p:attrNameLst>
-                                      </p:cBhvr>
-                                      <p:tavLst>
-                                        <p:tav tm="0">
-                                          <p:val>
-                                            <p:strVal val="#ppt_y+.1"/>
-                                          </p:val>
-                                        </p:tav>
-                                        <p:tav tm="100000">
-                                          <p:val>
-                                            <p:strVal val="#ppt_y"/>
-                                          </p:val>
-                                        </p:tav>
-                                      </p:tavLst>
-                                    </p:anim>
-                                  </p:childTnLst>
-                                </p:cTn>
-                              </p:par>
-                              <p:par>
-                                <p:cTn id="25" presetID="42" presetClass="entr" presetSubtype="0" fill="hold" nodeType="withEffect">
-                                  <p:stCondLst>
-                                    <p:cond delay="0"/>
-                                  </p:stCondLst>
-                                  <p:childTnLst>
-                                    <p:set>
-                                      <p:cBhvr>
-                                        <p:cTn id="26" dur="1" fill="hold">
-                                          <p:stCondLst>
-                                            <p:cond delay="0"/>
-                                          </p:stCondLst>
-                                        </p:cTn>
-                                        <p:tgtEl>
-                                          <p:spTgt spid="27"/>
-                                        </p:tgtEl>
-                                        <p:attrNameLst>
-                                          <p:attrName>style.visibility</p:attrName>
-                                        </p:attrNameLst>
-                                      </p:cBhvr>
-                                      <p:to>
-                                        <p:strVal val="visible"/>
-                                      </p:to>
-                                    </p:set>
-                                    <p:animEffect transition="in" filter="fade">
-                                      <p:cBhvr>
-                                        <p:cTn id="27" dur="1000"/>
-                                        <p:tgtEl>
-                                          <p:spTgt spid="27"/>
-                                        </p:tgtEl>
-                                      </p:cBhvr>
-                                    </p:animEffect>
-                                    <p:anim calcmode="lin" valueType="num">
-                                      <p:cBhvr>
-                                        <p:cTn id="28" dur="1000" fill="hold"/>
-                                        <p:tgtEl>
-                                          <p:spTgt spid="27"/>
-                                        </p:tgtEl>
-                                        <p:attrNameLst>
-                                          <p:attrName>ppt_x</p:attrName>
-                                        </p:attrNameLst>
-                                      </p:cBhvr>
-                                      <p:tavLst>
-                                        <p:tav tm="0">
-                                          <p:val>
-                                            <p:strVal val="#ppt_x"/>
-                                          </p:val>
-                                        </p:tav>
-                                        <p:tav tm="100000">
-                                          <p:val>
-                                            <p:strVal val="#ppt_x"/>
-                                          </p:val>
-                                        </p:tav>
-                                      </p:tavLst>
-                                    </p:anim>
-                                    <p:anim calcmode="lin" valueType="num">
-                                      <p:cBhvr>
-                                        <p:cTn id="29" dur="1000" fill="hold"/>
-                                        <p:tgtEl>
-                                          <p:spTgt spid="27"/>
-                                        </p:tgtEl>
-                                        <p:attrNameLst>
-                                          <p:attrName>ppt_y</p:attrName>
-                                        </p:attrNameLst>
-                                      </p:cBhvr>
-                                      <p:tavLst>
-                                        <p:tav tm="0">
-                                          <p:val>
-                                            <p:strVal val="#ppt_y+.1"/>
-                                          </p:val>
-                                        </p:tav>
-                                        <p:tav tm="100000">
-                                          <p:val>
-                                            <p:strVal val="#ppt_y"/>
-                                          </p:val>
-                                        </p:tav>
-                                      </p:tavLst>
-                                    </p:anim>
-                                  </p:childTnLst>
-                                </p:cTn>
-                              </p:par>
-                            </p:childTnLst>
-                          </p:cTn>
-                        </p:par>
-                        <p:par>
-                          <p:cTn id="30" fill="hold">
-                            <p:stCondLst>
-                              <p:cond delay="1000"/>
-                            </p:stCondLst>
-                            <p:childTnLst>
-                              <p:par>
-                                <p:cTn id="31" presetID="42" presetClass="entr" presetSubtype="0" fill="hold" nodeType="afterEffect">
-                                  <p:stCondLst>
-                                    <p:cond delay="0"/>
-                                  </p:stCondLst>
-                                  <p:childTnLst>
-                                    <p:set>
-                                      <p:cBhvr>
-                                        <p:cTn id="32" dur="1" fill="hold">
-                                          <p:stCondLst>
-                                            <p:cond delay="0"/>
-                                          </p:stCondLst>
-                                        </p:cTn>
-                                        <p:tgtEl>
-                                          <p:spTgt spid="4100"/>
-                                        </p:tgtEl>
-                                        <p:attrNameLst>
-                                          <p:attrName>style.visibility</p:attrName>
-                                        </p:attrNameLst>
-                                      </p:cBhvr>
-                                      <p:to>
-                                        <p:strVal val="visible"/>
-                                      </p:to>
-                                    </p:set>
-                                    <p:animEffect transition="in" filter="fade">
-                                      <p:cBhvr>
-                                        <p:cTn id="33" dur="1000"/>
-                                        <p:tgtEl>
-                                          <p:spTgt spid="4100"/>
-                                        </p:tgtEl>
-                                      </p:cBhvr>
-                                    </p:animEffect>
-                                    <p:anim calcmode="lin" valueType="num">
-                                      <p:cBhvr>
-                                        <p:cTn id="34" dur="1000" fill="hold"/>
-                                        <p:tgtEl>
-                                          <p:spTgt spid="4100"/>
-                                        </p:tgtEl>
-                                        <p:attrNameLst>
-                                          <p:attrName>ppt_x</p:attrName>
-                                        </p:attrNameLst>
-                                      </p:cBhvr>
-                                      <p:tavLst>
-                                        <p:tav tm="0">
-                                          <p:val>
-                                            <p:strVal val="#ppt_x"/>
-                                          </p:val>
-                                        </p:tav>
-                                        <p:tav tm="100000">
-                                          <p:val>
-                                            <p:strVal val="#ppt_x"/>
-                                          </p:val>
-                                        </p:tav>
-                                      </p:tavLst>
-                                    </p:anim>
-                                    <p:anim calcmode="lin" valueType="num">
-                                      <p:cBhvr>
-                                        <p:cTn id="35" dur="1000" fill="hold"/>
-                                        <p:tgtEl>
-                                          <p:spTgt spid="4100"/>
-                                        </p:tgtEl>
-                                        <p:attrNameLst>
-                                          <p:attrName>ppt_y</p:attrName>
-                                        </p:attrNameLst>
-                                      </p:cBhvr>
-                                      <p:tavLst>
-                                        <p:tav tm="0">
-                                          <p:val>
-                                            <p:strVal val="#ppt_y+.1"/>
-                                          </p:val>
-                                        </p:tav>
-                                        <p:tav tm="100000">
-                                          <p:val>
-                                            <p:strVal val="#ppt_y"/>
-                                          </p:val>
-                                        </p:tav>
-                                      </p:tavLst>
-                                    </p:anim>
-                                  </p:childTnLst>
-                                </p:cTn>
-                              </p:par>
-                              <p:par>
-                                <p:cTn id="36" presetID="42" presetClass="entr" presetSubtype="0" fill="hold" nodeType="withEffect">
-                                  <p:stCondLst>
-                                    <p:cond delay="0"/>
-                                  </p:stCondLst>
-                                  <p:childTnLst>
-                                    <p:set>
-                                      <p:cBhvr>
-                                        <p:cTn id="37" dur="1" fill="hold">
-                                          <p:stCondLst>
-                                            <p:cond delay="0"/>
-                                          </p:stCondLst>
-                                        </p:cTn>
-                                        <p:tgtEl>
-                                          <p:spTgt spid="56"/>
-                                        </p:tgtEl>
-                                        <p:attrNameLst>
-                                          <p:attrName>style.visibility</p:attrName>
-                                        </p:attrNameLst>
-                                      </p:cBhvr>
-                                      <p:to>
-                                        <p:strVal val="visible"/>
-                                      </p:to>
-                                    </p:set>
-                                    <p:animEffect transition="in" filter="fade">
-                                      <p:cBhvr>
-                                        <p:cTn id="38" dur="1000"/>
-                                        <p:tgtEl>
-                                          <p:spTgt spid="56"/>
-                                        </p:tgtEl>
-                                      </p:cBhvr>
-                                    </p:animEffect>
-                                    <p:anim calcmode="lin" valueType="num">
-                                      <p:cBhvr>
-                                        <p:cTn id="39" dur="1000" fill="hold"/>
-                                        <p:tgtEl>
-                                          <p:spTgt spid="56"/>
-                                        </p:tgtEl>
-                                        <p:attrNameLst>
-                                          <p:attrName>ppt_x</p:attrName>
-                                        </p:attrNameLst>
-                                      </p:cBhvr>
-                                      <p:tavLst>
-                                        <p:tav tm="0">
-                                          <p:val>
-                                            <p:strVal val="#ppt_x"/>
-                                          </p:val>
-                                        </p:tav>
-                                        <p:tav tm="100000">
-                                          <p:val>
-                                            <p:strVal val="#ppt_x"/>
-                                          </p:val>
-                                        </p:tav>
-                                      </p:tavLst>
-                                    </p:anim>
-                                    <p:anim calcmode="lin" valueType="num">
-                                      <p:cBhvr>
-                                        <p:cTn id="40" dur="1000" fill="hold"/>
-                                        <p:tgtEl>
-                                          <p:spTgt spid="56"/>
-                                        </p:tgtEl>
-                                        <p:attrNameLst>
-                                          <p:attrName>ppt_y</p:attrName>
-                                        </p:attrNameLst>
-                                      </p:cBhvr>
-                                      <p:tavLst>
-                                        <p:tav tm="0">
-                                          <p:val>
-                                            <p:strVal val="#ppt_y+.1"/>
-                                          </p:val>
-                                        </p:tav>
-                                        <p:tav tm="100000">
-                                          <p:val>
-                                            <p:strVal val="#ppt_y"/>
-                                          </p:val>
-                                        </p:tav>
-                                      </p:tavLst>
-                                    </p:anim>
-                                  </p:childTnLst>
-                                </p:cTn>
-                              </p:par>
-                              <p:par>
-                                <p:cTn id="41" presetID="42" presetClass="entr" presetSubtype="0" fill="hold" nodeType="withEffect">
-                                  <p:stCondLst>
-                                    <p:cond delay="0"/>
-                                  </p:stCondLst>
-                                  <p:childTnLst>
-                                    <p:set>
-                                      <p:cBhvr>
-                                        <p:cTn id="42" dur="1" fill="hold">
-                                          <p:stCondLst>
-                                            <p:cond delay="0"/>
-                                          </p:stCondLst>
-                                        </p:cTn>
-                                        <p:tgtEl>
-                                          <p:spTgt spid="55"/>
-                                        </p:tgtEl>
-                                        <p:attrNameLst>
-                                          <p:attrName>style.visibility</p:attrName>
-                                        </p:attrNameLst>
-                                      </p:cBhvr>
-                                      <p:to>
-                                        <p:strVal val="visible"/>
-                                      </p:to>
-                                    </p:set>
-                                    <p:animEffect transition="in" filter="fade">
-                                      <p:cBhvr>
-                                        <p:cTn id="43" dur="1000"/>
-                                        <p:tgtEl>
-                                          <p:spTgt spid="55"/>
-                                        </p:tgtEl>
-                                      </p:cBhvr>
-                                    </p:animEffect>
-                                    <p:anim calcmode="lin" valueType="num">
-                                      <p:cBhvr>
-                                        <p:cTn id="44" dur="1000" fill="hold"/>
-                                        <p:tgtEl>
-                                          <p:spTgt spid="55"/>
-                                        </p:tgtEl>
-                                        <p:attrNameLst>
-                                          <p:attrName>ppt_x</p:attrName>
-                                        </p:attrNameLst>
-                                      </p:cBhvr>
-                                      <p:tavLst>
-                                        <p:tav tm="0">
-                                          <p:val>
-                                            <p:strVal val="#ppt_x"/>
-                                          </p:val>
-                                        </p:tav>
-                                        <p:tav tm="100000">
-                                          <p:val>
-                                            <p:strVal val="#ppt_x"/>
-                                          </p:val>
-                                        </p:tav>
-                                      </p:tavLst>
-                                    </p:anim>
-                                    <p:anim calcmode="lin" valueType="num">
-                                      <p:cBhvr>
-                                        <p:cTn id="45" dur="1000" fill="hold"/>
-                                        <p:tgtEl>
-                                          <p:spTgt spid="55"/>
-                                        </p:tgtEl>
-                                        <p:attrNameLst>
-                                          <p:attrName>ppt_y</p:attrName>
-                                        </p:attrNameLst>
-                                      </p:cBhvr>
-                                      <p:tavLst>
-                                        <p:tav tm="0">
-                                          <p:val>
-                                            <p:strVal val="#ppt_y+.1"/>
-                                          </p:val>
-                                        </p:tav>
-                                        <p:tav tm="100000">
-                                          <p:val>
-                                            <p:strVal val="#ppt_y"/>
-                                          </p:val>
-                                        </p:tav>
-                                      </p:tavLst>
-                                    </p:anim>
-                                  </p:childTnLst>
-                                </p:cTn>
-                              </p:par>
-                              <p:par>
-                                <p:cTn id="46" presetID="42" presetClass="entr" presetSubtype="0" fill="hold" nodeType="withEffect">
-                                  <p:stCondLst>
-                                    <p:cond delay="0"/>
-                                  </p:stCondLst>
-                                  <p:childTnLst>
-                                    <p:set>
-                                      <p:cBhvr>
-                                        <p:cTn id="47" dur="1" fill="hold">
-                                          <p:stCondLst>
-                                            <p:cond delay="0"/>
-                                          </p:stCondLst>
-                                        </p:cTn>
-                                        <p:tgtEl>
-                                          <p:spTgt spid="41"/>
-                                        </p:tgtEl>
-                                        <p:attrNameLst>
-                                          <p:attrName>style.visibility</p:attrName>
-                                        </p:attrNameLst>
-                                      </p:cBhvr>
-                                      <p:to>
-                                        <p:strVal val="visible"/>
-                                      </p:to>
-                                    </p:set>
-                                    <p:animEffect transition="in" filter="fade">
-                                      <p:cBhvr>
-                                        <p:cTn id="48" dur="1000"/>
-                                        <p:tgtEl>
-                                          <p:spTgt spid="41"/>
-                                        </p:tgtEl>
-                                      </p:cBhvr>
-                                    </p:animEffect>
-                                    <p:anim calcmode="lin" valueType="num">
-                                      <p:cBhvr>
-                                        <p:cTn id="49" dur="1000" fill="hold"/>
-                                        <p:tgtEl>
-                                          <p:spTgt spid="41"/>
-                                        </p:tgtEl>
-                                        <p:attrNameLst>
-                                          <p:attrName>ppt_x</p:attrName>
-                                        </p:attrNameLst>
-                                      </p:cBhvr>
-                                      <p:tavLst>
-                                        <p:tav tm="0">
-                                          <p:val>
-                                            <p:strVal val="#ppt_x"/>
-                                          </p:val>
-                                        </p:tav>
-                                        <p:tav tm="100000">
-                                          <p:val>
-                                            <p:strVal val="#ppt_x"/>
-                                          </p:val>
-                                        </p:tav>
-                                      </p:tavLst>
-                                    </p:anim>
-                                    <p:anim calcmode="lin" valueType="num">
-                                      <p:cBhvr>
-                                        <p:cTn id="50" dur="1000" fill="hold"/>
-                                        <p:tgtEl>
-                                          <p:spTgt spid="41"/>
-                                        </p:tgtEl>
-                                        <p:attrNameLst>
-                                          <p:attrName>ppt_y</p:attrName>
-                                        </p:attrNameLst>
-                                      </p:cBhvr>
-                                      <p:tavLst>
-                                        <p:tav tm="0">
-                                          <p:val>
-                                            <p:strVal val="#ppt_y+.1"/>
-                                          </p:val>
-                                        </p:tav>
-                                        <p:tav tm="100000">
-                                          <p:val>
-                                            <p:strVal val="#ppt_y"/>
-                                          </p:val>
-                                        </p:tav>
-                                      </p:tavLst>
-                                    </p:anim>
-                                  </p:childTnLst>
-                                </p:cTn>
-                              </p:par>
-                              <p:par>
-                                <p:cTn id="51" presetID="42" presetClass="entr" presetSubtype="0" fill="hold" grpId="0" nodeType="withEffect">
-                                  <p:stCondLst>
-                                    <p:cond delay="0"/>
-                                  </p:stCondLst>
-                                  <p:childTnLst>
-                                    <p:set>
-                                      <p:cBhvr>
-                                        <p:cTn id="52" dur="1" fill="hold">
-                                          <p:stCondLst>
-                                            <p:cond delay="0"/>
-                                          </p:stCondLst>
-                                        </p:cTn>
-                                        <p:tgtEl>
-                                          <p:spTgt spid="57"/>
-                                        </p:tgtEl>
-                                        <p:attrNameLst>
-                                          <p:attrName>style.visibility</p:attrName>
-                                        </p:attrNameLst>
-                                      </p:cBhvr>
-                                      <p:to>
-                                        <p:strVal val="visible"/>
-                                      </p:to>
-                                    </p:set>
-                                    <p:animEffect transition="in" filter="fade">
-                                      <p:cBhvr>
-                                        <p:cTn id="53" dur="1000"/>
-                                        <p:tgtEl>
-                                          <p:spTgt spid="57"/>
-                                        </p:tgtEl>
-                                      </p:cBhvr>
-                                    </p:animEffect>
-                                    <p:anim calcmode="lin" valueType="num">
-                                      <p:cBhvr>
-                                        <p:cTn id="54" dur="1000" fill="hold"/>
-                                        <p:tgtEl>
-                                          <p:spTgt spid="57"/>
-                                        </p:tgtEl>
-                                        <p:attrNameLst>
-                                          <p:attrName>ppt_x</p:attrName>
-                                        </p:attrNameLst>
-                                      </p:cBhvr>
-                                      <p:tavLst>
-                                        <p:tav tm="0">
-                                          <p:val>
-                                            <p:strVal val="#ppt_x"/>
-                                          </p:val>
-                                        </p:tav>
-                                        <p:tav tm="100000">
-                                          <p:val>
-                                            <p:strVal val="#ppt_x"/>
-                                          </p:val>
-                                        </p:tav>
-                                      </p:tavLst>
-                                    </p:anim>
-                                    <p:anim calcmode="lin" valueType="num">
-                                      <p:cBhvr>
-                                        <p:cTn id="55" dur="1000" fill="hold"/>
-                                        <p:tgtEl>
-                                          <p:spTgt spid="57"/>
-                                        </p:tgtEl>
-                                        <p:attrNameLst>
-                                          <p:attrName>ppt_y</p:attrName>
-                                        </p:attrNameLst>
-                                      </p:cBhvr>
-                                      <p:tavLst>
-                                        <p:tav tm="0">
-                                          <p:val>
-                                            <p:strVal val="#ppt_y+.1"/>
-                                          </p:val>
-                                        </p:tav>
-                                        <p:tav tm="100000">
-                                          <p:val>
-                                            <p:strVal val="#ppt_y"/>
-                                          </p:val>
-                                        </p:tav>
-                                      </p:tavLst>
-                                    </p:anim>
-                                  </p:childTnLst>
-                                </p:cTn>
-                              </p:par>
-                            </p:childTnLst>
-                          </p:cTn>
-                        </p:par>
-                        <p:par>
-                          <p:cTn id="56" fill="hold">
-                            <p:stCondLst>
-                              <p:cond delay="2000"/>
-                            </p:stCondLst>
-                            <p:childTnLst>
-                              <p:par>
-                                <p:cTn id="57" presetID="42" presetClass="entr" presetSubtype="0" fill="hold" nodeType="afterEffect">
-                                  <p:stCondLst>
-                                    <p:cond delay="0"/>
-                                  </p:stCondLst>
-                                  <p:childTnLst>
-                                    <p:set>
-                                      <p:cBhvr>
-                                        <p:cTn id="58" dur="1" fill="hold">
-                                          <p:stCondLst>
-                                            <p:cond delay="0"/>
-                                          </p:stCondLst>
-                                        </p:cTn>
-                                        <p:tgtEl>
-                                          <p:spTgt spid="4102"/>
-                                        </p:tgtEl>
-                                        <p:attrNameLst>
-                                          <p:attrName>style.visibility</p:attrName>
-                                        </p:attrNameLst>
-                                      </p:cBhvr>
-                                      <p:to>
-                                        <p:strVal val="visible"/>
-                                      </p:to>
-                                    </p:set>
-                                    <p:animEffect transition="in" filter="fade">
-                                      <p:cBhvr>
-                                        <p:cTn id="59" dur="1000"/>
-                                        <p:tgtEl>
-                                          <p:spTgt spid="4102"/>
-                                        </p:tgtEl>
-                                      </p:cBhvr>
-                                    </p:animEffect>
-                                    <p:anim calcmode="lin" valueType="num">
-                                      <p:cBhvr>
-                                        <p:cTn id="60" dur="1000" fill="hold"/>
-                                        <p:tgtEl>
-                                          <p:spTgt spid="4102"/>
-                                        </p:tgtEl>
-                                        <p:attrNameLst>
-                                          <p:attrName>ppt_x</p:attrName>
-                                        </p:attrNameLst>
-                                      </p:cBhvr>
-                                      <p:tavLst>
-                                        <p:tav tm="0">
-                                          <p:val>
-                                            <p:strVal val="#ppt_x"/>
-                                          </p:val>
-                                        </p:tav>
-                                        <p:tav tm="100000">
-                                          <p:val>
-                                            <p:strVal val="#ppt_x"/>
-                                          </p:val>
-                                        </p:tav>
-                                      </p:tavLst>
-                                    </p:anim>
-                                    <p:anim calcmode="lin" valueType="num">
-                                      <p:cBhvr>
-                                        <p:cTn id="61" dur="1000" fill="hold"/>
-                                        <p:tgtEl>
-                                          <p:spTgt spid="4102"/>
-                                        </p:tgtEl>
-                                        <p:attrNameLst>
-                                          <p:attrName>ppt_y</p:attrName>
-                                        </p:attrNameLst>
-                                      </p:cBhvr>
-                                      <p:tavLst>
-                                        <p:tav tm="0">
-                                          <p:val>
-                                            <p:strVal val="#ppt_y+.1"/>
-                                          </p:val>
-                                        </p:tav>
-                                        <p:tav tm="100000">
-                                          <p:val>
-                                            <p:strVal val="#ppt_y"/>
-                                          </p:val>
-                                        </p:tav>
-                                      </p:tavLst>
-                                    </p:anim>
-                                  </p:childTnLst>
-                                </p:cTn>
-                              </p:par>
-                              <p:par>
-                                <p:cTn id="62" presetID="42" presetClass="entr" presetSubtype="0" fill="hold" nodeType="withEffect">
-                                  <p:stCondLst>
-                                    <p:cond delay="0"/>
-                                  </p:stCondLst>
-                                  <p:childTnLst>
-                                    <p:set>
-                                      <p:cBhvr>
-                                        <p:cTn id="63" dur="1" fill="hold">
-                                          <p:stCondLst>
-                                            <p:cond delay="0"/>
-                                          </p:stCondLst>
-                                        </p:cTn>
-                                        <p:tgtEl>
-                                          <p:spTgt spid="42"/>
-                                        </p:tgtEl>
-                                        <p:attrNameLst>
-                                          <p:attrName>style.visibility</p:attrName>
-                                        </p:attrNameLst>
-                                      </p:cBhvr>
-                                      <p:to>
-                                        <p:strVal val="visible"/>
-                                      </p:to>
-                                    </p:set>
-                                    <p:animEffect transition="in" filter="fade">
-                                      <p:cBhvr>
-                                        <p:cTn id="64" dur="1000"/>
-                                        <p:tgtEl>
-                                          <p:spTgt spid="42"/>
-                                        </p:tgtEl>
-                                      </p:cBhvr>
-                                    </p:animEffect>
-                                    <p:anim calcmode="lin" valueType="num">
-                                      <p:cBhvr>
-                                        <p:cTn id="65" dur="1000" fill="hold"/>
-                                        <p:tgtEl>
-                                          <p:spTgt spid="42"/>
-                                        </p:tgtEl>
-                                        <p:attrNameLst>
-                                          <p:attrName>ppt_x</p:attrName>
-                                        </p:attrNameLst>
-                                      </p:cBhvr>
-                                      <p:tavLst>
-                                        <p:tav tm="0">
-                                          <p:val>
-                                            <p:strVal val="#ppt_x"/>
-                                          </p:val>
-                                        </p:tav>
-                                        <p:tav tm="100000">
-                                          <p:val>
-                                            <p:strVal val="#ppt_x"/>
-                                          </p:val>
-                                        </p:tav>
-                                      </p:tavLst>
-                                    </p:anim>
-                                    <p:anim calcmode="lin" valueType="num">
-                                      <p:cBhvr>
-                                        <p:cTn id="66" dur="1000" fill="hold"/>
-                                        <p:tgtEl>
-                                          <p:spTgt spid="42"/>
-                                        </p:tgtEl>
-                                        <p:attrNameLst>
-                                          <p:attrName>ppt_y</p:attrName>
-                                        </p:attrNameLst>
-                                      </p:cBhvr>
-                                      <p:tavLst>
-                                        <p:tav tm="0">
-                                          <p:val>
-                                            <p:strVal val="#ppt_y+.1"/>
-                                          </p:val>
-                                        </p:tav>
-                                        <p:tav tm="100000">
-                                          <p:val>
-                                            <p:strVal val="#ppt_y"/>
-                                          </p:val>
-                                        </p:tav>
-                                      </p:tavLst>
-                                    </p:anim>
-                                  </p:childTnLst>
-                                </p:cTn>
-                              </p:par>
-                              <p:par>
-                                <p:cTn id="67" presetID="42" presetClass="entr" presetSubtype="0" fill="hold" nodeType="withEffect">
-                                  <p:stCondLst>
-                                    <p:cond delay="0"/>
-                                  </p:stCondLst>
-                                  <p:childTnLst>
-                                    <p:set>
-                                      <p:cBhvr>
-                                        <p:cTn id="68" dur="1" fill="hold">
-                                          <p:stCondLst>
-                                            <p:cond delay="0"/>
-                                          </p:stCondLst>
-                                        </p:cTn>
-                                        <p:tgtEl>
-                                          <p:spTgt spid="47"/>
-                                        </p:tgtEl>
-                                        <p:attrNameLst>
-                                          <p:attrName>style.visibility</p:attrName>
-                                        </p:attrNameLst>
-                                      </p:cBhvr>
-                                      <p:to>
-                                        <p:strVal val="visible"/>
-                                      </p:to>
-                                    </p:set>
-                                    <p:animEffect transition="in" filter="fade">
-                                      <p:cBhvr>
-                                        <p:cTn id="69" dur="1000"/>
-                                        <p:tgtEl>
-                                          <p:spTgt spid="47"/>
-                                        </p:tgtEl>
-                                      </p:cBhvr>
-                                    </p:animEffect>
-                                    <p:anim calcmode="lin" valueType="num">
-                                      <p:cBhvr>
-                                        <p:cTn id="70" dur="1000" fill="hold"/>
-                                        <p:tgtEl>
-                                          <p:spTgt spid="47"/>
-                                        </p:tgtEl>
-                                        <p:attrNameLst>
-                                          <p:attrName>ppt_x</p:attrName>
-                                        </p:attrNameLst>
-                                      </p:cBhvr>
-                                      <p:tavLst>
-                                        <p:tav tm="0">
-                                          <p:val>
-                                            <p:strVal val="#ppt_x"/>
-                                          </p:val>
-                                        </p:tav>
-                                        <p:tav tm="100000">
-                                          <p:val>
-                                            <p:strVal val="#ppt_x"/>
-                                          </p:val>
-                                        </p:tav>
-                                      </p:tavLst>
-                                    </p:anim>
-                                    <p:anim calcmode="lin" valueType="num">
-                                      <p:cBhvr>
-                                        <p:cTn id="71" dur="1000" fill="hold"/>
-                                        <p:tgtEl>
-                                          <p:spTgt spid="47"/>
-                                        </p:tgtEl>
-                                        <p:attrNameLst>
-                                          <p:attrName>ppt_y</p:attrName>
-                                        </p:attrNameLst>
-                                      </p:cBhvr>
-                                      <p:tavLst>
-                                        <p:tav tm="0">
-                                          <p:val>
-                                            <p:strVal val="#ppt_y+.1"/>
-                                          </p:val>
-                                        </p:tav>
-                                        <p:tav tm="100000">
-                                          <p:val>
-                                            <p:strVal val="#ppt_y"/>
-                                          </p:val>
-                                        </p:tav>
-                                      </p:tavLst>
-                                    </p:anim>
-                                  </p:childTnLst>
-                                </p:cTn>
-                              </p:par>
-                              <p:par>
-                                <p:cTn id="72" presetID="42" presetClass="entr" presetSubtype="0" fill="hold" grpId="0" nodeType="withEffect">
-                                  <p:stCondLst>
-                                    <p:cond delay="0"/>
-                                  </p:stCondLst>
-                                  <p:childTnLst>
-                                    <p:set>
-                                      <p:cBhvr>
-                                        <p:cTn id="73" dur="1" fill="hold">
-                                          <p:stCondLst>
-                                            <p:cond delay="0"/>
-                                          </p:stCondLst>
-                                        </p:cTn>
-                                        <p:tgtEl>
-                                          <p:spTgt spid="58"/>
-                                        </p:tgtEl>
-                                        <p:attrNameLst>
-                                          <p:attrName>style.visibility</p:attrName>
-                                        </p:attrNameLst>
-                                      </p:cBhvr>
-                                      <p:to>
-                                        <p:strVal val="visible"/>
-                                      </p:to>
-                                    </p:set>
-                                    <p:animEffect transition="in" filter="fade">
-                                      <p:cBhvr>
-                                        <p:cTn id="74" dur="1000"/>
-                                        <p:tgtEl>
-                                          <p:spTgt spid="58"/>
-                                        </p:tgtEl>
-                                      </p:cBhvr>
-                                    </p:animEffect>
-                                    <p:anim calcmode="lin" valueType="num">
-                                      <p:cBhvr>
-                                        <p:cTn id="75" dur="1000" fill="hold"/>
-                                        <p:tgtEl>
-                                          <p:spTgt spid="58"/>
-                                        </p:tgtEl>
-                                        <p:attrNameLst>
-                                          <p:attrName>ppt_x</p:attrName>
-                                        </p:attrNameLst>
-                                      </p:cBhvr>
-                                      <p:tavLst>
-                                        <p:tav tm="0">
-                                          <p:val>
-                                            <p:strVal val="#ppt_x"/>
-                                          </p:val>
-                                        </p:tav>
-                                        <p:tav tm="100000">
-                                          <p:val>
-                                            <p:strVal val="#ppt_x"/>
-                                          </p:val>
-                                        </p:tav>
-                                      </p:tavLst>
-                                    </p:anim>
-                                    <p:anim calcmode="lin" valueType="num">
-                                      <p:cBhvr>
-                                        <p:cTn id="76" dur="1000" fill="hold"/>
-                                        <p:tgtEl>
-                                          <p:spTgt spid="58"/>
-                                        </p:tgtEl>
-                                        <p:attrNameLst>
-                                          <p:attrName>ppt_y</p:attrName>
-                                        </p:attrNameLst>
-                                      </p:cBhvr>
-                                      <p:tavLst>
-                                        <p:tav tm="0">
-                                          <p:val>
-                                            <p:strVal val="#ppt_y+.1"/>
-                                          </p:val>
-                                        </p:tav>
-                                        <p:tav tm="100000">
-                                          <p:val>
-                                            <p:strVal val="#ppt_y"/>
-                                          </p:val>
-                                        </p:tav>
-                                      </p:tavLst>
-                                    </p:anim>
-                                  </p:childTnLst>
-                                </p:cTn>
-                              </p:par>
-                              <p:par>
-                                <p:cTn id="77" presetID="42" presetClass="entr" presetSubtype="0" fill="hold" nodeType="withEffect">
-                                  <p:stCondLst>
-                                    <p:cond delay="0"/>
-                                  </p:stCondLst>
-                                  <p:childTnLst>
-                                    <p:set>
-                                      <p:cBhvr>
-                                        <p:cTn id="78" dur="1" fill="hold">
-                                          <p:stCondLst>
-                                            <p:cond delay="0"/>
-                                          </p:stCondLst>
-                                        </p:cTn>
-                                        <p:tgtEl>
-                                          <p:spTgt spid="31"/>
-                                        </p:tgtEl>
-                                        <p:attrNameLst>
-                                          <p:attrName>style.visibility</p:attrName>
-                                        </p:attrNameLst>
-                                      </p:cBhvr>
-                                      <p:to>
-                                        <p:strVal val="visible"/>
-                                      </p:to>
-                                    </p:set>
-                                    <p:animEffect transition="in" filter="fade">
-                                      <p:cBhvr>
-                                        <p:cTn id="79" dur="1000"/>
-                                        <p:tgtEl>
-                                          <p:spTgt spid="31"/>
-                                        </p:tgtEl>
-                                      </p:cBhvr>
-                                    </p:animEffect>
-                                    <p:anim calcmode="lin" valueType="num">
-                                      <p:cBhvr>
-                                        <p:cTn id="80" dur="1000" fill="hold"/>
-                                        <p:tgtEl>
-                                          <p:spTgt spid="31"/>
-                                        </p:tgtEl>
-                                        <p:attrNameLst>
-                                          <p:attrName>ppt_x</p:attrName>
-                                        </p:attrNameLst>
-                                      </p:cBhvr>
-                                      <p:tavLst>
-                                        <p:tav tm="0">
-                                          <p:val>
-                                            <p:strVal val="#ppt_x"/>
-                                          </p:val>
-                                        </p:tav>
-                                        <p:tav tm="100000">
-                                          <p:val>
-                                            <p:strVal val="#ppt_x"/>
-                                          </p:val>
-                                        </p:tav>
-                                      </p:tavLst>
-                                    </p:anim>
-                                    <p:anim calcmode="lin" valueType="num">
-                                      <p:cBhvr>
-                                        <p:cTn id="81" dur="1000" fill="hold"/>
-                                        <p:tgtEl>
-                                          <p:spTgt spid="31"/>
-                                        </p:tgtEl>
-                                        <p:attrNameLst>
-                                          <p:attrName>ppt_y</p:attrName>
-                                        </p:attrNameLst>
-                                      </p:cBhvr>
-                                      <p:tavLst>
-                                        <p:tav tm="0">
-                                          <p:val>
-                                            <p:strVal val="#ppt_y+.1"/>
-                                          </p:val>
-                                        </p:tav>
-                                        <p:tav tm="100000">
-                                          <p:val>
-                                            <p:strVal val="#ppt_y"/>
-                                          </p:val>
-                                        </p:tav>
-                                      </p:tavLst>
-                                    </p:anim>
-                                  </p:childTnLst>
-                                </p:cTn>
-                              </p:par>
-                            </p:childTnLst>
-                          </p:cTn>
-                        </p:par>
-                        <p:par>
-                          <p:cTn id="82" fill="hold">
-                            <p:stCondLst>
-                              <p:cond delay="3000"/>
-                            </p:stCondLst>
-                            <p:childTnLst>
-                              <p:par>
-                                <p:cTn id="83" presetID="42" presetClass="entr" presetSubtype="0" fill="hold" nodeType="afterEffect">
-                                  <p:stCondLst>
-                                    <p:cond delay="0"/>
-                                  </p:stCondLst>
-                                  <p:childTnLst>
-                                    <p:set>
-                                      <p:cBhvr>
-                                        <p:cTn id="84" dur="1" fill="hold">
-                                          <p:stCondLst>
-                                            <p:cond delay="0"/>
-                                          </p:stCondLst>
-                                        </p:cTn>
-                                        <p:tgtEl>
-                                          <p:spTgt spid="4096"/>
-                                        </p:tgtEl>
-                                        <p:attrNameLst>
-                                          <p:attrName>style.visibility</p:attrName>
-                                        </p:attrNameLst>
-                                      </p:cBhvr>
-                                      <p:to>
-                                        <p:strVal val="visible"/>
-                                      </p:to>
-                                    </p:set>
-                                    <p:animEffect transition="in" filter="fade">
-                                      <p:cBhvr>
-                                        <p:cTn id="85" dur="1000"/>
-                                        <p:tgtEl>
-                                          <p:spTgt spid="4096"/>
-                                        </p:tgtEl>
-                                      </p:cBhvr>
-                                    </p:animEffect>
-                                    <p:anim calcmode="lin" valueType="num">
-                                      <p:cBhvr>
-                                        <p:cTn id="86" dur="1000" fill="hold"/>
-                                        <p:tgtEl>
-                                          <p:spTgt spid="4096"/>
-                                        </p:tgtEl>
-                                        <p:attrNameLst>
-                                          <p:attrName>ppt_x</p:attrName>
-                                        </p:attrNameLst>
-                                      </p:cBhvr>
-                                      <p:tavLst>
-                                        <p:tav tm="0">
-                                          <p:val>
-                                            <p:strVal val="#ppt_x"/>
-                                          </p:val>
-                                        </p:tav>
-                                        <p:tav tm="100000">
-                                          <p:val>
-                                            <p:strVal val="#ppt_x"/>
-                                          </p:val>
-                                        </p:tav>
-                                      </p:tavLst>
-                                    </p:anim>
-                                    <p:anim calcmode="lin" valueType="num">
-                                      <p:cBhvr>
-                                        <p:cTn id="87" dur="1000" fill="hold"/>
-                                        <p:tgtEl>
-                                          <p:spTgt spid="4096"/>
-                                        </p:tgtEl>
-                                        <p:attrNameLst>
-                                          <p:attrName>ppt_y</p:attrName>
-                                        </p:attrNameLst>
-                                      </p:cBhvr>
-                                      <p:tavLst>
-                                        <p:tav tm="0">
-                                          <p:val>
-                                            <p:strVal val="#ppt_y+.1"/>
-                                          </p:val>
-                                        </p:tav>
-                                        <p:tav tm="100000">
-                                          <p:val>
-                                            <p:strVal val="#ppt_y"/>
-                                          </p:val>
-                                        </p:tav>
-                                      </p:tavLst>
-                                    </p:anim>
-                                  </p:childTnLst>
-                                </p:cTn>
-                              </p:par>
-                              <p:par>
-                                <p:cTn id="88" presetID="42" presetClass="entr" presetSubtype="0" fill="hold" nodeType="withEffect">
-                                  <p:stCondLst>
-                                    <p:cond delay="0"/>
-                                  </p:stCondLst>
-                                  <p:childTnLst>
-                                    <p:set>
-                                      <p:cBhvr>
-                                        <p:cTn id="89" dur="1" fill="hold">
-                                          <p:stCondLst>
-                                            <p:cond delay="0"/>
-                                          </p:stCondLst>
-                                        </p:cTn>
-                                        <p:tgtEl>
-                                          <p:spTgt spid="44"/>
-                                        </p:tgtEl>
-                                        <p:attrNameLst>
-                                          <p:attrName>style.visibility</p:attrName>
-                                        </p:attrNameLst>
-                                      </p:cBhvr>
-                                      <p:to>
-                                        <p:strVal val="visible"/>
-                                      </p:to>
-                                    </p:set>
-                                    <p:animEffect transition="in" filter="fade">
-                                      <p:cBhvr>
-                                        <p:cTn id="90" dur="1000"/>
-                                        <p:tgtEl>
-                                          <p:spTgt spid="44"/>
-                                        </p:tgtEl>
-                                      </p:cBhvr>
-                                    </p:animEffect>
-                                    <p:anim calcmode="lin" valueType="num">
-                                      <p:cBhvr>
-                                        <p:cTn id="91" dur="1000" fill="hold"/>
-                                        <p:tgtEl>
-                                          <p:spTgt spid="44"/>
-                                        </p:tgtEl>
-                                        <p:attrNameLst>
-                                          <p:attrName>ppt_x</p:attrName>
-                                        </p:attrNameLst>
-                                      </p:cBhvr>
-                                      <p:tavLst>
-                                        <p:tav tm="0">
-                                          <p:val>
-                                            <p:strVal val="#ppt_x"/>
-                                          </p:val>
-                                        </p:tav>
-                                        <p:tav tm="100000">
-                                          <p:val>
-                                            <p:strVal val="#ppt_x"/>
-                                          </p:val>
-                                        </p:tav>
-                                      </p:tavLst>
-                                    </p:anim>
-                                    <p:anim calcmode="lin" valueType="num">
-                                      <p:cBhvr>
-                                        <p:cTn id="92" dur="1000" fill="hold"/>
-                                        <p:tgtEl>
-                                          <p:spTgt spid="44"/>
-                                        </p:tgtEl>
-                                        <p:attrNameLst>
-                                          <p:attrName>ppt_y</p:attrName>
-                                        </p:attrNameLst>
-                                      </p:cBhvr>
-                                      <p:tavLst>
-                                        <p:tav tm="0">
-                                          <p:val>
-                                            <p:strVal val="#ppt_y+.1"/>
-                                          </p:val>
-                                        </p:tav>
-                                        <p:tav tm="100000">
-                                          <p:val>
-                                            <p:strVal val="#ppt_y"/>
-                                          </p:val>
-                                        </p:tav>
-                                      </p:tavLst>
-                                    </p:anim>
-                                  </p:childTnLst>
-                                </p:cTn>
-                              </p:par>
-                              <p:par>
-                                <p:cTn id="93" presetID="42" presetClass="entr" presetSubtype="0" fill="hold" nodeType="withEffect">
-                                  <p:stCondLst>
-                                    <p:cond delay="0"/>
-                                  </p:stCondLst>
-                                  <p:childTnLst>
-                                    <p:set>
-                                      <p:cBhvr>
-                                        <p:cTn id="94" dur="1" fill="hold">
-                                          <p:stCondLst>
-                                            <p:cond delay="0"/>
-                                          </p:stCondLst>
-                                        </p:cTn>
-                                        <p:tgtEl>
-                                          <p:spTgt spid="49"/>
-                                        </p:tgtEl>
-                                        <p:attrNameLst>
-                                          <p:attrName>style.visibility</p:attrName>
-                                        </p:attrNameLst>
-                                      </p:cBhvr>
-                                      <p:to>
-                                        <p:strVal val="visible"/>
-                                      </p:to>
-                                    </p:set>
-                                    <p:animEffect transition="in" filter="fade">
-                                      <p:cBhvr>
-                                        <p:cTn id="95" dur="1000"/>
-                                        <p:tgtEl>
-                                          <p:spTgt spid="49"/>
-                                        </p:tgtEl>
-                                      </p:cBhvr>
-                                    </p:animEffect>
-                                    <p:anim calcmode="lin" valueType="num">
-                                      <p:cBhvr>
-                                        <p:cTn id="96" dur="1000" fill="hold"/>
-                                        <p:tgtEl>
-                                          <p:spTgt spid="49"/>
-                                        </p:tgtEl>
-                                        <p:attrNameLst>
-                                          <p:attrName>ppt_x</p:attrName>
-                                        </p:attrNameLst>
-                                      </p:cBhvr>
-                                      <p:tavLst>
-                                        <p:tav tm="0">
-                                          <p:val>
-                                            <p:strVal val="#ppt_x"/>
-                                          </p:val>
-                                        </p:tav>
-                                        <p:tav tm="100000">
-                                          <p:val>
-                                            <p:strVal val="#ppt_x"/>
-                                          </p:val>
-                                        </p:tav>
-                                      </p:tavLst>
-                                    </p:anim>
-                                    <p:anim calcmode="lin" valueType="num">
-                                      <p:cBhvr>
-                                        <p:cTn id="97" dur="1000" fill="hold"/>
-                                        <p:tgtEl>
-                                          <p:spTgt spid="49"/>
-                                        </p:tgtEl>
-                                        <p:attrNameLst>
-                                          <p:attrName>ppt_y</p:attrName>
-                                        </p:attrNameLst>
-                                      </p:cBhvr>
-                                      <p:tavLst>
-                                        <p:tav tm="0">
-                                          <p:val>
-                                            <p:strVal val="#ppt_y+.1"/>
-                                          </p:val>
-                                        </p:tav>
-                                        <p:tav tm="100000">
-                                          <p:val>
-                                            <p:strVal val="#ppt_y"/>
-                                          </p:val>
-                                        </p:tav>
-                                      </p:tavLst>
-                                    </p:anim>
-                                  </p:childTnLst>
-                                </p:cTn>
-                              </p:par>
-                              <p:par>
-                                <p:cTn id="98" presetID="42" presetClass="entr" presetSubtype="0" fill="hold" nodeType="withEffect">
-                                  <p:stCondLst>
-                                    <p:cond delay="0"/>
-                                  </p:stCondLst>
-                                  <p:childTnLst>
-                                    <p:set>
-                                      <p:cBhvr>
-                                        <p:cTn id="99" dur="1" fill="hold">
-                                          <p:stCondLst>
-                                            <p:cond delay="0"/>
-                                          </p:stCondLst>
-                                        </p:cTn>
-                                        <p:tgtEl>
-                                          <p:spTgt spid="50"/>
-                                        </p:tgtEl>
-                                        <p:attrNameLst>
-                                          <p:attrName>style.visibility</p:attrName>
-                                        </p:attrNameLst>
-                                      </p:cBhvr>
-                                      <p:to>
-                                        <p:strVal val="visible"/>
-                                      </p:to>
-                                    </p:set>
-                                    <p:animEffect transition="in" filter="fade">
-                                      <p:cBhvr>
-                                        <p:cTn id="100" dur="1000"/>
-                                        <p:tgtEl>
-                                          <p:spTgt spid="50"/>
-                                        </p:tgtEl>
-                                      </p:cBhvr>
-                                    </p:animEffect>
-                                    <p:anim calcmode="lin" valueType="num">
-                                      <p:cBhvr>
-                                        <p:cTn id="101" dur="1000" fill="hold"/>
-                                        <p:tgtEl>
-                                          <p:spTgt spid="50"/>
-                                        </p:tgtEl>
-                                        <p:attrNameLst>
-                                          <p:attrName>ppt_x</p:attrName>
-                                        </p:attrNameLst>
-                                      </p:cBhvr>
-                                      <p:tavLst>
-                                        <p:tav tm="0">
-                                          <p:val>
-                                            <p:strVal val="#ppt_x"/>
-                                          </p:val>
-                                        </p:tav>
-                                        <p:tav tm="100000">
-                                          <p:val>
-                                            <p:strVal val="#ppt_x"/>
-                                          </p:val>
-                                        </p:tav>
-                                      </p:tavLst>
-                                    </p:anim>
-                                    <p:anim calcmode="lin" valueType="num">
-                                      <p:cBhvr>
-                                        <p:cTn id="102" dur="1000" fill="hold"/>
-                                        <p:tgtEl>
-                                          <p:spTgt spid="50"/>
-                                        </p:tgtEl>
-                                        <p:attrNameLst>
-                                          <p:attrName>ppt_y</p:attrName>
-                                        </p:attrNameLst>
-                                      </p:cBhvr>
-                                      <p:tavLst>
-                                        <p:tav tm="0">
-                                          <p:val>
-                                            <p:strVal val="#ppt_y+.1"/>
-                                          </p:val>
-                                        </p:tav>
-                                        <p:tav tm="100000">
-                                          <p:val>
-                                            <p:strVal val="#ppt_y"/>
-                                          </p:val>
-                                        </p:tav>
-                                      </p:tavLst>
-                                    </p:anim>
-                                  </p:childTnLst>
-                                </p:cTn>
-                              </p:par>
-                              <p:par>
-                                <p:cTn id="103" presetID="42" presetClass="entr" presetSubtype="0" fill="hold" grpId="0" nodeType="withEffect">
-                                  <p:stCondLst>
-                                    <p:cond delay="0"/>
-                                  </p:stCondLst>
-                                  <p:childTnLst>
-                                    <p:set>
-                                      <p:cBhvr>
-                                        <p:cTn id="104" dur="1" fill="hold">
-                                          <p:stCondLst>
-                                            <p:cond delay="0"/>
-                                          </p:stCondLst>
-                                        </p:cTn>
-                                        <p:tgtEl>
-                                          <p:spTgt spid="59"/>
-                                        </p:tgtEl>
-                                        <p:attrNameLst>
-                                          <p:attrName>style.visibility</p:attrName>
-                                        </p:attrNameLst>
-                                      </p:cBhvr>
-                                      <p:to>
-                                        <p:strVal val="visible"/>
-                                      </p:to>
-                                    </p:set>
-                                    <p:animEffect transition="in" filter="fade">
-                                      <p:cBhvr>
-                                        <p:cTn id="105" dur="1000"/>
-                                        <p:tgtEl>
-                                          <p:spTgt spid="59"/>
-                                        </p:tgtEl>
-                                      </p:cBhvr>
-                                    </p:animEffect>
-                                    <p:anim calcmode="lin" valueType="num">
-                                      <p:cBhvr>
-                                        <p:cTn id="106" dur="1000" fill="hold"/>
-                                        <p:tgtEl>
-                                          <p:spTgt spid="59"/>
-                                        </p:tgtEl>
-                                        <p:attrNameLst>
-                                          <p:attrName>ppt_x</p:attrName>
-                                        </p:attrNameLst>
-                                      </p:cBhvr>
-                                      <p:tavLst>
-                                        <p:tav tm="0">
-                                          <p:val>
-                                            <p:strVal val="#ppt_x"/>
-                                          </p:val>
-                                        </p:tav>
-                                        <p:tav tm="100000">
-                                          <p:val>
-                                            <p:strVal val="#ppt_x"/>
-                                          </p:val>
-                                        </p:tav>
-                                      </p:tavLst>
-                                    </p:anim>
-                                    <p:anim calcmode="lin" valueType="num">
-                                      <p:cBhvr>
-                                        <p:cTn id="107" dur="1000" fill="hold"/>
-                                        <p:tgtEl>
-                                          <p:spTgt spid="59"/>
-                                        </p:tgtEl>
-                                        <p:attrNameLst>
-                                          <p:attrName>ppt_y</p:attrName>
-                                        </p:attrNameLst>
-                                      </p:cBhvr>
-                                      <p:tavLst>
-                                        <p:tav tm="0">
-                                          <p:val>
-                                            <p:strVal val="#ppt_y+.1"/>
-                                          </p:val>
-                                        </p:tav>
-                                        <p:tav tm="100000">
-                                          <p:val>
-                                            <p:strVal val="#ppt_y"/>
-                                          </p:val>
-                                        </p:tav>
-                                      </p:tavLst>
-                                    </p:anim>
-                                  </p:childTnLst>
-                                </p:cTn>
-                              </p:par>
-                              <p:par>
-                                <p:cTn id="108" presetID="42" presetClass="entr" presetSubtype="0" fill="hold" grpId="0" nodeType="withEffect" nodePh="1">
-                                  <p:stCondLst>
-                                    <p:cond delay="0"/>
-                                  </p:stCondLst>
-                                  <p:endCondLst>
-                                    <p:cond evt="begin" delay="0">
-                                      <p:tn val="108"/>
-                                    </p:cond>
-                                  </p:endCondLst>
-                                  <p:childTnLst>
-                                    <p:set>
-                                      <p:cBhvr>
-                                        <p:cTn id="109" dur="1" fill="hold">
-                                          <p:stCondLst>
-                                            <p:cond delay="0"/>
-                                          </p:stCondLst>
-                                        </p:cTn>
-                                        <p:tgtEl>
-                                          <p:spTgt spid="72"/>
-                                        </p:tgtEl>
-                                        <p:attrNameLst>
-                                          <p:attrName>style.visibility</p:attrName>
-                                        </p:attrNameLst>
-                                      </p:cBhvr>
-                                      <p:to>
-                                        <p:strVal val="visible"/>
-                                      </p:to>
-                                    </p:set>
-                                    <p:animEffect transition="in" filter="fade">
-                                      <p:cBhvr>
-                                        <p:cTn id="110" dur="1000"/>
-                                        <p:tgtEl>
-                                          <p:spTgt spid="72"/>
-                                        </p:tgtEl>
-                                      </p:cBhvr>
-                                    </p:animEffect>
-                                    <p:anim calcmode="lin" valueType="num">
-                                      <p:cBhvr>
-                                        <p:cTn id="111" dur="1000" fill="hold"/>
-                                        <p:tgtEl>
-                                          <p:spTgt spid="72"/>
-                                        </p:tgtEl>
-                                        <p:attrNameLst>
-                                          <p:attrName>ppt_x</p:attrName>
-                                        </p:attrNameLst>
-                                      </p:cBhvr>
-                                      <p:tavLst>
-                                        <p:tav tm="0">
-                                          <p:val>
-                                            <p:strVal val="#ppt_x"/>
-                                          </p:val>
-                                        </p:tav>
-                                        <p:tav tm="100000">
-                                          <p:val>
-                                            <p:strVal val="#ppt_x"/>
-                                          </p:val>
-                                        </p:tav>
-                                      </p:tavLst>
-                                    </p:anim>
-                                    <p:anim calcmode="lin" valueType="num">
-                                      <p:cBhvr>
-                                        <p:cTn id="112" dur="1000" fill="hold"/>
-                                        <p:tgtEl>
-                                          <p:spTgt spid="72"/>
-                                        </p:tgtEl>
-                                        <p:attrNameLst>
-                                          <p:attrName>ppt_y</p:attrName>
-                                        </p:attrNameLst>
-                                      </p:cBhvr>
-                                      <p:tavLst>
-                                        <p:tav tm="0">
-                                          <p:val>
-                                            <p:strVal val="#ppt_y+.1"/>
-                                          </p:val>
-                                        </p:tav>
-                                        <p:tav tm="100000">
-                                          <p:val>
-                                            <p:strVal val="#ppt_y"/>
-                                          </p:val>
-                                        </p:tav>
-                                      </p:tavLst>
-                                    </p:anim>
-                                  </p:childTnLst>
-                                </p:cTn>
-                              </p:par>
-                              <p:par>
-                                <p:cTn id="113" presetID="42" presetClass="entr" presetSubtype="0" fill="hold" nodeType="withEffect">
-                                  <p:stCondLst>
-                                    <p:cond delay="0"/>
-                                  </p:stCondLst>
-                                  <p:childTnLst>
-                                    <p:set>
-                                      <p:cBhvr>
-                                        <p:cTn id="114" dur="1" fill="hold">
-                                          <p:stCondLst>
-                                            <p:cond delay="0"/>
-                                          </p:stCondLst>
-                                        </p:cTn>
-                                        <p:tgtEl>
-                                          <p:spTgt spid="72"/>
-                                        </p:tgtEl>
-                                        <p:attrNameLst>
-                                          <p:attrName>style.visibility</p:attrName>
-                                        </p:attrNameLst>
-                                      </p:cBhvr>
-                                      <p:to>
-                                        <p:strVal val="visible"/>
-                                      </p:to>
-                                    </p:set>
-                                    <p:animEffect transition="in" filter="fade">
-                                      <p:cBhvr>
-                                        <p:cTn id="115" dur="1000"/>
-                                        <p:tgtEl>
-                                          <p:spTgt spid="72"/>
-                                        </p:tgtEl>
-                                      </p:cBhvr>
-                                    </p:animEffect>
-                                    <p:anim calcmode="lin" valueType="num">
-                                      <p:cBhvr>
-                                        <p:cTn id="116" dur="1000" fill="hold"/>
-                                        <p:tgtEl>
-                                          <p:spTgt spid="72"/>
-                                        </p:tgtEl>
-                                        <p:attrNameLst>
-                                          <p:attrName>ppt_x</p:attrName>
-                                        </p:attrNameLst>
-                                      </p:cBhvr>
-                                      <p:tavLst>
-                                        <p:tav tm="0">
-                                          <p:val>
-                                            <p:strVal val="#ppt_x"/>
-                                          </p:val>
-                                        </p:tav>
-                                        <p:tav tm="100000">
-                                          <p:val>
-                                            <p:strVal val="#ppt_x"/>
-                                          </p:val>
-                                        </p:tav>
-                                      </p:tavLst>
-                                    </p:anim>
-                                    <p:anim calcmode="lin" valueType="num">
-                                      <p:cBhvr>
-                                        <p:cTn id="117" dur="1000" fill="hold"/>
-                                        <p:tgtEl>
-                                          <p:spTgt spid="72"/>
-                                        </p:tgtEl>
-                                        <p:attrNameLst>
-                                          <p:attrName>ppt_y</p:attrName>
-                                        </p:attrNameLst>
-                                      </p:cBhvr>
-                                      <p:tavLst>
-                                        <p:tav tm="0">
-                                          <p:val>
-                                            <p:strVal val="#ppt_y+.1"/>
-                                          </p:val>
-                                        </p:tav>
-                                        <p:tav tm="100000">
-                                          <p:val>
-                                            <p:strVal val="#ppt_y"/>
-                                          </p:val>
-                                        </p:tav>
-                                      </p:tavLst>
-                                    </p:anim>
-                                  </p:childTnLst>
-                                </p:cTn>
-                              </p:par>
-                            </p:childTnLst>
-                          </p:cTn>
-                        </p:par>
-                      </p:childTnLst>
-                    </p:cTn>
-                  </p:par>
-                </p:childTnLst>
-              </p:cTn>
-              <p:prevCondLst>
-                <p:cond evt="onPrev" delay="0">
-                  <p:tgtEl>
-                    <p:sldTgt/>
-                  </p:tgtEl>
-                </p:cond>
-              </p:prevCondLst>
-              <p:nextCondLst>
-                <p:cond evt="onNext" delay="0">
-                  <p:tgtEl>
-                    <p:sldTgt/>
-                  </p:tgtEl>
-                </p:cond>
-              </p:nextCondLst>
-            </p:seq>
-          </p:childTnLst>
-        </p:cTn>
-      </p:par>
-    </p:tnLst>
-    <p:bldLst>
-      <p:bldP spid="46" grpId="0"/>
-      <p:bldP spid="57" grpId="0"/>
-      <p:bldP spid="58" grpId="0"/>
-      <p:bldP spid="59" grpId="0"/>
-      <p:bldP spid="72" grpId="0"/>
-    </p:bldLst>
-  </p:timing>
-</p:sld>
-</file>
-
-<file path=ppt/slides/slide5.xml><?xml version="1.0" encoding="utf-8"?>
-<p:sld xmlns:a="http://schemas.openxmlformats.org/drawingml/2006/main" xmlns:r="http://schemas.openxmlformats.org/officeDocument/2006/relationships" xmlns:p="http://schemas.openxmlformats.org/presentationml/2006/main">
-  <p:cSld>
-    <p:spTree>
-      <p:nvGrpSpPr>
-        <p:cNvPr id="1" name=""/>
-        <p:cNvGrpSpPr/>
-        <p:nvPr/>
-      </p:nvGrpSpPr>
-      <p:grpSpPr>
-        <a:xfrm>
-          <a:off x="0" y="0"/>
-          <a:ext cx="0" cy="0"/>
-          <a:chOff x="0" y="0"/>
-          <a:chExt cx="0" cy="0"/>
-        </a:xfrm>
-      </p:grpSpPr>
-      <p:pic>
-        <p:nvPicPr>
           <p:cNvPr id="6" name="Obraz 5" descr="Obraz zawierający obiekt&#10;&#10;Opis wygenerowany przy wysokim poziomie pewności">
             <a:extLst>
               <a:ext uri="{FF2B5EF4-FFF2-40B4-BE49-F238E27FC236}">
@@ -11287,6 +8527,439 @@
 </p:sld>
 </file>
 
+<file path=ppt/slides/slide5.xml><?xml version="1.0" encoding="utf-8"?>
+<p:sld xmlns:a="http://schemas.openxmlformats.org/drawingml/2006/main" xmlns:r="http://schemas.openxmlformats.org/officeDocument/2006/relationships" xmlns:p="http://schemas.openxmlformats.org/presentationml/2006/main">
+  <p:cSld>
+    <p:spTree>
+      <p:nvGrpSpPr>
+        <p:cNvPr id="1" name=""/>
+        <p:cNvGrpSpPr/>
+        <p:nvPr/>
+      </p:nvGrpSpPr>
+      <p:grpSpPr>
+        <a:xfrm>
+          <a:off x="0" y="0"/>
+          <a:ext cx="0" cy="0"/>
+          <a:chOff x="0" y="0"/>
+          <a:chExt cx="0" cy="0"/>
+        </a:xfrm>
+      </p:grpSpPr>
+      <p:pic>
+        <p:nvPicPr>
+          <p:cNvPr id="1030" name="Picture 6">
+            <a:extLst>
+              <a:ext uri="{FF2B5EF4-FFF2-40B4-BE49-F238E27FC236}">
+                <a16:creationId xmlns:a16="http://schemas.microsoft.com/office/drawing/2014/main" id="{F561FB7D-7C01-44B7-B48F-A8DA541D9358}"/>
+              </a:ext>
+            </a:extLst>
+          </p:cNvPr>
+          <p:cNvPicPr>
+            <a:picLocks noChangeAspect="1" noChangeArrowheads="1"/>
+          </p:cNvPicPr>
+          <p:nvPr/>
+        </p:nvPicPr>
+        <p:blipFill rotWithShape="1">
+          <a:blip r:embed="rId2">
+            <a:extLst>
+              <a:ext uri="{28A0092B-C50C-407E-A947-70E740481C1C}">
+                <a14:useLocalDpi xmlns:a14="http://schemas.microsoft.com/office/drawing/2010/main" val="0"/>
+              </a:ext>
+            </a:extLst>
+          </a:blip>
+          <a:srcRect l="19937" t="22023" r="17773" b="16251"/>
+          <a:stretch/>
+        </p:blipFill>
+        <p:spPr bwMode="auto">
+          <a:xfrm>
+            <a:off x="3783874" y="3811480"/>
+            <a:ext cx="4262846" cy="2376189"/>
+          </a:xfrm>
+          <a:prstGeom prst="rect">
+            <a:avLst/>
+          </a:prstGeom>
+          <a:noFill/>
+          <a:extLst>
+            <a:ext uri="{909E8E84-426E-40DD-AFC4-6F175D3DCCD1}">
+              <a14:hiddenFill xmlns:a14="http://schemas.microsoft.com/office/drawing/2010/main">
+                <a:solidFill>
+                  <a:srgbClr val="FFFFFF"/>
+                </a:solidFill>
+              </a14:hiddenFill>
+            </a:ext>
+          </a:extLst>
+        </p:spPr>
+      </p:pic>
+      <p:pic>
+        <p:nvPicPr>
+          <p:cNvPr id="6" name="Obraz 5" descr="Obraz zawierający obiekt&#10;&#10;Opis wygenerowany przy wysokim poziomie pewności">
+            <a:extLst>
+              <a:ext uri="{FF2B5EF4-FFF2-40B4-BE49-F238E27FC236}">
+                <a16:creationId xmlns:a16="http://schemas.microsoft.com/office/drawing/2014/main" id="{1AAA2FA1-CB4E-4114-B7C1-1420427F26B6}"/>
+              </a:ext>
+            </a:extLst>
+          </p:cNvPr>
+          <p:cNvPicPr>
+            <a:picLocks noChangeAspect="1"/>
+          </p:cNvPicPr>
+          <p:nvPr/>
+        </p:nvPicPr>
+        <p:blipFill>
+          <a:blip r:embed="rId3">
+            <a:duotone>
+              <a:prstClr val="black"/>
+              <a:srgbClr val="9DC54A">
+                <a:tint val="45000"/>
+                <a:satMod val="400000"/>
+              </a:srgbClr>
+            </a:duotone>
+            <a:extLst>
+              <a:ext uri="{28A0092B-C50C-407E-A947-70E740481C1C}">
+                <a14:useLocalDpi xmlns:a14="http://schemas.microsoft.com/office/drawing/2010/main" val="0"/>
+              </a:ext>
+            </a:extLst>
+          </a:blip>
+          <a:stretch>
+            <a:fillRect/>
+          </a:stretch>
+        </p:blipFill>
+        <p:spPr>
+          <a:xfrm flipV="1">
+            <a:off x="1002563" y="170429"/>
+            <a:ext cx="914051" cy="833873"/>
+          </a:xfrm>
+          <a:prstGeom prst="rect">
+            <a:avLst/>
+          </a:prstGeom>
+        </p:spPr>
+      </p:pic>
+      <p:pic>
+        <p:nvPicPr>
+          <p:cNvPr id="7" name="Obraz 6">
+            <a:extLst>
+              <a:ext uri="{FF2B5EF4-FFF2-40B4-BE49-F238E27FC236}">
+                <a16:creationId xmlns:a16="http://schemas.microsoft.com/office/drawing/2014/main" id="{F7DE5D07-4ABA-46E6-808E-48F467E36C55}"/>
+              </a:ext>
+            </a:extLst>
+          </p:cNvPr>
+          <p:cNvPicPr>
+            <a:picLocks noChangeAspect="1"/>
+          </p:cNvPicPr>
+          <p:nvPr/>
+        </p:nvPicPr>
+        <p:blipFill>
+          <a:blip r:embed="rId4" cstate="print">
+            <a:extLst>
+              <a:ext uri="{28A0092B-C50C-407E-A947-70E740481C1C}">
+                <a14:useLocalDpi xmlns:a14="http://schemas.microsoft.com/office/drawing/2010/main" val="0"/>
+              </a:ext>
+            </a:extLst>
+          </a:blip>
+          <a:stretch>
+            <a:fillRect/>
+          </a:stretch>
+        </p:blipFill>
+        <p:spPr>
+          <a:xfrm flipV="1">
+            <a:off x="268488" y="607409"/>
+            <a:ext cx="914051" cy="833873"/>
+          </a:xfrm>
+          <a:prstGeom prst="rect">
+            <a:avLst/>
+          </a:prstGeom>
+        </p:spPr>
+      </p:pic>
+      <p:pic>
+        <p:nvPicPr>
+          <p:cNvPr id="8" name="Obraz 7" descr="Obraz zawierający obiekt&#10;&#10;Opis wygenerowany przy wysokim poziomie pewności">
+            <a:extLst>
+              <a:ext uri="{FF2B5EF4-FFF2-40B4-BE49-F238E27FC236}">
+                <a16:creationId xmlns:a16="http://schemas.microsoft.com/office/drawing/2014/main" id="{4CE35374-7466-495E-8925-2B88396467A3}"/>
+              </a:ext>
+            </a:extLst>
+          </p:cNvPr>
+          <p:cNvPicPr>
+            <a:picLocks noChangeAspect="1"/>
+          </p:cNvPicPr>
+          <p:nvPr/>
+        </p:nvPicPr>
+        <p:blipFill>
+          <a:blip r:embed="rId3">
+            <a:duotone>
+              <a:prstClr val="black"/>
+              <a:srgbClr val="6A980C">
+                <a:tint val="45000"/>
+                <a:satMod val="400000"/>
+              </a:srgbClr>
+            </a:duotone>
+            <a:extLst>
+              <a:ext uri="{28A0092B-C50C-407E-A947-70E740481C1C}">
+                <a14:useLocalDpi xmlns:a14="http://schemas.microsoft.com/office/drawing/2010/main" val="0"/>
+              </a:ext>
+            </a:extLst>
+          </a:blip>
+          <a:stretch>
+            <a:fillRect/>
+          </a:stretch>
+        </p:blipFill>
+        <p:spPr>
+          <a:xfrm flipV="1">
+            <a:off x="1002563" y="1041615"/>
+            <a:ext cx="914051" cy="833873"/>
+          </a:xfrm>
+          <a:prstGeom prst="rect">
+            <a:avLst/>
+          </a:prstGeom>
+        </p:spPr>
+      </p:pic>
+      <p:sp>
+        <p:nvSpPr>
+          <p:cNvPr id="9" name="pole tekstowe 8">
+            <a:extLst>
+              <a:ext uri="{FF2B5EF4-FFF2-40B4-BE49-F238E27FC236}">
+                <a16:creationId xmlns:a16="http://schemas.microsoft.com/office/drawing/2014/main" id="{42F728D2-CC93-4F9A-A075-037BE6818168}"/>
+              </a:ext>
+            </a:extLst>
+          </p:cNvPr>
+          <p:cNvSpPr txBox="1"/>
+          <p:nvPr/>
+        </p:nvSpPr>
+        <p:spPr>
+          <a:xfrm>
+            <a:off x="1769438" y="681037"/>
+            <a:ext cx="10323501" cy="646331"/>
+          </a:xfrm>
+          <a:prstGeom prst="rect">
+            <a:avLst/>
+          </a:prstGeom>
+          <a:noFill/>
+        </p:spPr>
+        <p:txBody>
+          <a:bodyPr wrap="square" rtlCol="0">
+            <a:spAutoFit/>
+          </a:bodyPr>
+          <a:lstStyle/>
+          <a:p>
+            <a:r>
+              <a:rPr lang="pl-PL" sz="3600" b="1" dirty="0">
+                <a:solidFill>
+                  <a:srgbClr val="131332"/>
+                </a:solidFill>
+              </a:rPr>
+              <a:t>NASZE </a:t>
+            </a:r>
+            <a:r>
+              <a:rPr lang="pl-PL" sz="3600" b="1" dirty="0">
+                <a:solidFill>
+                  <a:srgbClr val="6A980C"/>
+                </a:solidFill>
+              </a:rPr>
+              <a:t>TECHNOLOGIE...</a:t>
+            </a:r>
+          </a:p>
+        </p:txBody>
+      </p:sp>
+      <p:pic>
+        <p:nvPicPr>
+          <p:cNvPr id="1026" name="Picture 2" descr="Google Research zmieniło nazwę na Google AI - mobiRANK.pl">
+            <a:extLst>
+              <a:ext uri="{FF2B5EF4-FFF2-40B4-BE49-F238E27FC236}">
+                <a16:creationId xmlns:a16="http://schemas.microsoft.com/office/drawing/2014/main" id="{6E0BCC47-AF07-42CC-AECB-CA4FF89F375F}"/>
+              </a:ext>
+            </a:extLst>
+          </p:cNvPr>
+          <p:cNvPicPr>
+            <a:picLocks noChangeAspect="1" noChangeArrowheads="1"/>
+          </p:cNvPicPr>
+          <p:nvPr/>
+        </p:nvPicPr>
+        <p:blipFill>
+          <a:blip r:embed="rId5">
+            <a:extLst>
+              <a:ext uri="{28A0092B-C50C-407E-A947-70E740481C1C}">
+                <a14:useLocalDpi xmlns:a14="http://schemas.microsoft.com/office/drawing/2010/main" val="0"/>
+              </a:ext>
+            </a:extLst>
+          </a:blip>
+          <a:srcRect/>
+          <a:stretch>
+            <a:fillRect/>
+          </a:stretch>
+        </p:blipFill>
+        <p:spPr bwMode="auto">
+          <a:xfrm>
+            <a:off x="495300" y="1905548"/>
+            <a:ext cx="4563888" cy="2281944"/>
+          </a:xfrm>
+          <a:prstGeom prst="rect">
+            <a:avLst/>
+          </a:prstGeom>
+          <a:noFill/>
+          <a:extLst>
+            <a:ext uri="{909E8E84-426E-40DD-AFC4-6F175D3DCCD1}">
+              <a14:hiddenFill xmlns:a14="http://schemas.microsoft.com/office/drawing/2010/main">
+                <a:solidFill>
+                  <a:srgbClr val="FFFFFF"/>
+                </a:solidFill>
+              </a14:hiddenFill>
+            </a:ext>
+          </a:extLst>
+        </p:spPr>
+      </p:pic>
+      <p:pic>
+        <p:nvPicPr>
+          <p:cNvPr id="1028" name="Picture 4" descr="Scale Scikit-learn models at Google AI Platform | by Rodrigo Pereira | CI&amp;T  | Medium">
+            <a:extLst>
+              <a:ext uri="{FF2B5EF4-FFF2-40B4-BE49-F238E27FC236}">
+                <a16:creationId xmlns:a16="http://schemas.microsoft.com/office/drawing/2014/main" id="{0CCA2C3F-0A45-43A7-9F75-5A4302DB2B53}"/>
+              </a:ext>
+            </a:extLst>
+          </p:cNvPr>
+          <p:cNvPicPr>
+            <a:picLocks noChangeAspect="1" noChangeArrowheads="1"/>
+          </p:cNvPicPr>
+          <p:nvPr/>
+        </p:nvPicPr>
+        <p:blipFill>
+          <a:blip r:embed="rId6">
+            <a:extLst>
+              <a:ext uri="{28A0092B-C50C-407E-A947-70E740481C1C}">
+                <a14:useLocalDpi xmlns:a14="http://schemas.microsoft.com/office/drawing/2010/main" val="0"/>
+              </a:ext>
+            </a:extLst>
+          </a:blip>
+          <a:srcRect/>
+          <a:stretch>
+            <a:fillRect/>
+          </a:stretch>
+        </p:blipFill>
+        <p:spPr bwMode="auto">
+          <a:xfrm>
+            <a:off x="1681657" y="3999017"/>
+            <a:ext cx="1777358" cy="1791244"/>
+          </a:xfrm>
+          <a:prstGeom prst="rect">
+            <a:avLst/>
+          </a:prstGeom>
+          <a:noFill/>
+          <a:extLst>
+            <a:ext uri="{909E8E84-426E-40DD-AFC4-6F175D3DCCD1}">
+              <a14:hiddenFill xmlns:a14="http://schemas.microsoft.com/office/drawing/2010/main">
+                <a:solidFill>
+                  <a:srgbClr val="FFFFFF"/>
+                </a:solidFill>
+              </a14:hiddenFill>
+            </a:ext>
+          </a:extLst>
+        </p:spPr>
+      </p:pic>
+      <p:pic>
+        <p:nvPicPr>
+          <p:cNvPr id="1038" name="Picture 14" descr="Cross-Platform Applications With Electron | Section">
+            <a:extLst>
+              <a:ext uri="{FF2B5EF4-FFF2-40B4-BE49-F238E27FC236}">
+                <a16:creationId xmlns:a16="http://schemas.microsoft.com/office/drawing/2014/main" id="{0F3885FB-DBF5-47D8-80E5-F6C88B9944D1}"/>
+              </a:ext>
+            </a:extLst>
+          </p:cNvPr>
+          <p:cNvPicPr>
+            <a:picLocks noChangeAspect="1" noChangeArrowheads="1"/>
+          </p:cNvPicPr>
+          <p:nvPr/>
+        </p:nvPicPr>
+        <p:blipFill>
+          <a:blip r:embed="rId7">
+            <a:extLst>
+              <a:ext uri="{28A0092B-C50C-407E-A947-70E740481C1C}">
+                <a14:useLocalDpi xmlns:a14="http://schemas.microsoft.com/office/drawing/2010/main" val="0"/>
+              </a:ext>
+            </a:extLst>
+          </a:blip>
+          <a:srcRect/>
+          <a:stretch>
+            <a:fillRect/>
+          </a:stretch>
+        </p:blipFill>
+        <p:spPr bwMode="auto">
+          <a:xfrm>
+            <a:off x="8646523" y="3200414"/>
+            <a:ext cx="3050177" cy="3050177"/>
+          </a:xfrm>
+          <a:prstGeom prst="rect">
+            <a:avLst/>
+          </a:prstGeom>
+          <a:noFill/>
+          <a:extLst>
+            <a:ext uri="{909E8E84-426E-40DD-AFC4-6F175D3DCCD1}">
+              <a14:hiddenFill xmlns:a14="http://schemas.microsoft.com/office/drawing/2010/main">
+                <a:solidFill>
+                  <a:srgbClr val="FFFFFF"/>
+                </a:solidFill>
+              </a14:hiddenFill>
+            </a:ext>
+          </a:extLst>
+        </p:spPr>
+      </p:pic>
+      <p:pic>
+        <p:nvPicPr>
+          <p:cNvPr id="1040" name="Picture 16" descr="React JS Development | Chop-Chop">
+            <a:extLst>
+              <a:ext uri="{FF2B5EF4-FFF2-40B4-BE49-F238E27FC236}">
+                <a16:creationId xmlns:a16="http://schemas.microsoft.com/office/drawing/2014/main" id="{06AA786E-F1E0-483B-AEE1-0F5C9A977BFB}"/>
+              </a:ext>
+            </a:extLst>
+          </p:cNvPr>
+          <p:cNvPicPr>
+            <a:picLocks noChangeAspect="1" noChangeArrowheads="1"/>
+          </p:cNvPicPr>
+          <p:nvPr/>
+        </p:nvPicPr>
+        <p:blipFill rotWithShape="1">
+          <a:blip r:embed="rId8">
+            <a:extLst>
+              <a:ext uri="{28A0092B-C50C-407E-A947-70E740481C1C}">
+                <a14:useLocalDpi xmlns:a14="http://schemas.microsoft.com/office/drawing/2010/main" val="0"/>
+              </a:ext>
+            </a:extLst>
+          </a:blip>
+          <a:srcRect r="54822"/>
+          <a:stretch/>
+        </p:blipFill>
+        <p:spPr bwMode="auto">
+          <a:xfrm>
+            <a:off x="6348620" y="1514910"/>
+            <a:ext cx="2712582" cy="2533593"/>
+          </a:xfrm>
+          <a:prstGeom prst="rect">
+            <a:avLst/>
+          </a:prstGeom>
+          <a:noFill/>
+          <a:extLst>
+            <a:ext uri="{909E8E84-426E-40DD-AFC4-6F175D3DCCD1}">
+              <a14:hiddenFill xmlns:a14="http://schemas.microsoft.com/office/drawing/2010/main">
+                <a:solidFill>
+                  <a:srgbClr val="FFFFFF"/>
+                </a:solidFill>
+              </a14:hiddenFill>
+            </a:ext>
+          </a:extLst>
+        </p:spPr>
+      </p:pic>
+    </p:spTree>
+    <p:extLst>
+      <p:ext uri="{BB962C8B-B14F-4D97-AF65-F5344CB8AC3E}">
+        <p14:creationId xmlns:p14="http://schemas.microsoft.com/office/powerpoint/2010/main" val="3222910937"/>
+      </p:ext>
+    </p:extLst>
+  </p:cSld>
+  <p:clrMapOvr>
+    <a:masterClrMapping/>
+  </p:clrMapOvr>
+  <p:transition spd="slow">
+    <p:push dir="u"/>
+  </p:transition>
+</p:sld>
+</file>
+
 <file path=ppt/slides/slide6.xml><?xml version="1.0" encoding="utf-8"?>
 <p:sld xmlns:a="http://schemas.openxmlformats.org/drawingml/2006/main" xmlns:r="http://schemas.openxmlformats.org/officeDocument/2006/relationships" xmlns:p="http://schemas.openxmlformats.org/presentationml/2006/main">
   <p:cSld>
@@ -11306,3892 +8979,6 @@
       </p:grpSpPr>
       <p:pic>
         <p:nvPicPr>
-          <p:cNvPr id="5" name="Obraz 4">
-            <a:extLst>
-              <a:ext uri="{FF2B5EF4-FFF2-40B4-BE49-F238E27FC236}">
-                <a16:creationId xmlns:a16="http://schemas.microsoft.com/office/drawing/2014/main" id="{D471B65E-AA41-4949-9FA5-2FB946794C57}"/>
-              </a:ext>
-            </a:extLst>
-          </p:cNvPr>
-          <p:cNvPicPr>
-            <a:picLocks noChangeAspect="1"/>
-          </p:cNvPicPr>
-          <p:nvPr/>
-        </p:nvPicPr>
-        <p:blipFill rotWithShape="1">
-          <a:blip r:embed="rId2"/>
-          <a:srcRect l="403" t="21237" r="2222"/>
-          <a:stretch/>
-        </p:blipFill>
-        <p:spPr>
-          <a:xfrm>
-            <a:off x="5343330" y="731559"/>
-            <a:ext cx="6555707" cy="3158717"/>
-          </a:xfrm>
-          <a:prstGeom prst="rect">
-            <a:avLst/>
-          </a:prstGeom>
-          <a:ln>
-            <a:noFill/>
-          </a:ln>
-          <a:effectLst>
-            <a:outerShdw blurRad="292100" dist="139700" dir="2700000" algn="tl" rotWithShape="0">
-              <a:srgbClr val="333333">
-                <a:alpha val="65000"/>
-              </a:srgbClr>
-            </a:outerShdw>
-          </a:effectLst>
-        </p:spPr>
-      </p:pic>
-      <p:pic>
-        <p:nvPicPr>
-          <p:cNvPr id="6" name="Obraz 5" descr="Obraz zawierający obiekt&#10;&#10;Opis wygenerowany przy wysokim poziomie pewności">
-            <a:extLst>
-              <a:ext uri="{FF2B5EF4-FFF2-40B4-BE49-F238E27FC236}">
-                <a16:creationId xmlns:a16="http://schemas.microsoft.com/office/drawing/2014/main" id="{5774F6EF-78CB-4EAE-AFA9-653CDBD58464}"/>
-              </a:ext>
-            </a:extLst>
-          </p:cNvPr>
-          <p:cNvPicPr>
-            <a:picLocks noChangeAspect="1"/>
-          </p:cNvPicPr>
-          <p:nvPr/>
-        </p:nvPicPr>
-        <p:blipFill>
-          <a:blip r:embed="rId3">
-            <a:extLst>
-              <a:ext uri="{28A0092B-C50C-407E-A947-70E740481C1C}">
-                <a14:useLocalDpi xmlns:a14="http://schemas.microsoft.com/office/drawing/2010/main" val="0"/>
-              </a:ext>
-            </a:extLst>
-          </a:blip>
-          <a:stretch>
-            <a:fillRect/>
-          </a:stretch>
-        </p:blipFill>
-        <p:spPr>
-          <a:xfrm flipV="1">
-            <a:off x="828392" y="172418"/>
-            <a:ext cx="914051" cy="833873"/>
-          </a:xfrm>
-          <a:prstGeom prst="rect">
-            <a:avLst/>
-          </a:prstGeom>
-        </p:spPr>
-      </p:pic>
-      <p:pic>
-        <p:nvPicPr>
-          <p:cNvPr id="7" name="Obraz 6">
-            <a:extLst>
-              <a:ext uri="{FF2B5EF4-FFF2-40B4-BE49-F238E27FC236}">
-                <a16:creationId xmlns:a16="http://schemas.microsoft.com/office/drawing/2014/main" id="{FDCE7977-C33F-4AE7-8F60-CA0B044CD9AA}"/>
-              </a:ext>
-            </a:extLst>
-          </p:cNvPr>
-          <p:cNvPicPr>
-            <a:picLocks noChangeAspect="1"/>
-          </p:cNvPicPr>
-          <p:nvPr/>
-        </p:nvPicPr>
-        <p:blipFill>
-          <a:blip r:embed="rId4" cstate="print">
-            <a:extLst>
-              <a:ext uri="{28A0092B-C50C-407E-A947-70E740481C1C}">
-                <a14:useLocalDpi xmlns:a14="http://schemas.microsoft.com/office/drawing/2010/main" val="0"/>
-              </a:ext>
-            </a:extLst>
-          </a:blip>
-          <a:stretch>
-            <a:fillRect/>
-          </a:stretch>
-        </p:blipFill>
-        <p:spPr>
-          <a:xfrm flipV="1">
-            <a:off x="94317" y="609398"/>
-            <a:ext cx="914051" cy="833873"/>
-          </a:xfrm>
-          <a:prstGeom prst="rect">
-            <a:avLst/>
-          </a:prstGeom>
-        </p:spPr>
-      </p:pic>
-      <p:pic>
-        <p:nvPicPr>
-          <p:cNvPr id="8" name="Obraz 7" descr="Obraz zawierający obiekt&#10;&#10;Opis wygenerowany przy wysokim poziomie pewności">
-            <a:extLst>
-              <a:ext uri="{FF2B5EF4-FFF2-40B4-BE49-F238E27FC236}">
-                <a16:creationId xmlns:a16="http://schemas.microsoft.com/office/drawing/2014/main" id="{C07FAB36-8B99-4213-9852-01D2F94170AE}"/>
-              </a:ext>
-            </a:extLst>
-          </p:cNvPr>
-          <p:cNvPicPr>
-            <a:picLocks noChangeAspect="1"/>
-          </p:cNvPicPr>
-          <p:nvPr/>
-        </p:nvPicPr>
-        <p:blipFill>
-          <a:blip r:embed="rId3">
-            <a:extLst>
-              <a:ext uri="{28A0092B-C50C-407E-A947-70E740481C1C}">
-                <a14:useLocalDpi xmlns:a14="http://schemas.microsoft.com/office/drawing/2010/main" val="0"/>
-              </a:ext>
-            </a:extLst>
-          </a:blip>
-          <a:stretch>
-            <a:fillRect/>
-          </a:stretch>
-        </p:blipFill>
-        <p:spPr>
-          <a:xfrm flipV="1">
-            <a:off x="828392" y="1043604"/>
-            <a:ext cx="914051" cy="833873"/>
-          </a:xfrm>
-          <a:prstGeom prst="rect">
-            <a:avLst/>
-          </a:prstGeom>
-        </p:spPr>
-      </p:pic>
-      <p:sp>
-        <p:nvSpPr>
-          <p:cNvPr id="9" name="pole tekstowe 8">
-            <a:extLst>
-              <a:ext uri="{FF2B5EF4-FFF2-40B4-BE49-F238E27FC236}">
-                <a16:creationId xmlns:a16="http://schemas.microsoft.com/office/drawing/2014/main" id="{CF5C5378-4646-435B-BA56-B117D19731A8}"/>
-              </a:ext>
-            </a:extLst>
-          </p:cNvPr>
-          <p:cNvSpPr txBox="1"/>
-          <p:nvPr/>
-        </p:nvSpPr>
-        <p:spPr>
-          <a:xfrm>
-            <a:off x="1595269" y="683026"/>
-            <a:ext cx="5037760" cy="1200329"/>
-          </a:xfrm>
-          <a:prstGeom prst="rect">
-            <a:avLst/>
-          </a:prstGeom>
-          <a:noFill/>
-        </p:spPr>
-        <p:txBody>
-          <a:bodyPr wrap="square" rtlCol="0">
-            <a:spAutoFit/>
-          </a:bodyPr>
-          <a:lstStyle/>
-          <a:p>
-            <a:r>
-              <a:rPr lang="pl-PL" sz="3600" b="1" dirty="0">
-                <a:solidFill>
-                  <a:srgbClr val="131332"/>
-                </a:solidFill>
-              </a:rPr>
-              <a:t>LET’S </a:t>
-            </a:r>
-            <a:r>
-              <a:rPr lang="pl-PL" sz="3600" b="1" dirty="0">
-                <a:solidFill>
-                  <a:srgbClr val="00A6CC"/>
-                </a:solidFill>
-              </a:rPr>
-              <a:t>TALK!</a:t>
-            </a:r>
-          </a:p>
-          <a:p>
-            <a:endParaRPr lang="pl-PL" sz="3600" b="1" dirty="0">
-              <a:solidFill>
-                <a:srgbClr val="00A6CC"/>
-              </a:solidFill>
-            </a:endParaRPr>
-          </a:p>
-        </p:txBody>
-      </p:sp>
-      <p:sp>
-        <p:nvSpPr>
-          <p:cNvPr id="12" name="pole tekstowe 11">
-            <a:extLst>
-              <a:ext uri="{FF2B5EF4-FFF2-40B4-BE49-F238E27FC236}">
-                <a16:creationId xmlns:a16="http://schemas.microsoft.com/office/drawing/2014/main" id="{A11593DC-F883-434C-8321-6617F3E010E2}"/>
-              </a:ext>
-            </a:extLst>
-          </p:cNvPr>
-          <p:cNvSpPr txBox="1"/>
-          <p:nvPr/>
-        </p:nvSpPr>
-        <p:spPr>
-          <a:xfrm>
-            <a:off x="1630615" y="2629705"/>
-            <a:ext cx="3879790" cy="461665"/>
-          </a:xfrm>
-          <a:prstGeom prst="rect">
-            <a:avLst/>
-          </a:prstGeom>
-          <a:noFill/>
-        </p:spPr>
-        <p:txBody>
-          <a:bodyPr wrap="square" rtlCol="0">
-            <a:spAutoFit/>
-          </a:bodyPr>
-          <a:lstStyle/>
-          <a:p>
-            <a:r>
-              <a:rPr lang="pl-PL" sz="2400" b="1" dirty="0">
-                <a:latin typeface="Calibri (Tekst podstawowy)"/>
-              </a:rPr>
-              <a:t>SEE YOUR MATCHES</a:t>
-            </a:r>
-          </a:p>
-        </p:txBody>
-      </p:sp>
-      <p:pic>
-        <p:nvPicPr>
-          <p:cNvPr id="13" name="Obraz 12" descr="Obraz zawierający obiekt&#10;&#10;Opis wygenerowany przy wysokim poziomie pewności">
-            <a:extLst>
-              <a:ext uri="{FF2B5EF4-FFF2-40B4-BE49-F238E27FC236}">
-                <a16:creationId xmlns:a16="http://schemas.microsoft.com/office/drawing/2014/main" id="{7ADE720E-015D-4CCB-A3C2-5B999AC1891F}"/>
-              </a:ext>
-            </a:extLst>
-          </p:cNvPr>
-          <p:cNvPicPr>
-            <a:picLocks noChangeAspect="1"/>
-          </p:cNvPicPr>
-          <p:nvPr/>
-        </p:nvPicPr>
-        <p:blipFill>
-          <a:blip r:embed="rId3">
-            <a:extLst>
-              <a:ext uri="{28A0092B-C50C-407E-A947-70E740481C1C}">
-                <a14:useLocalDpi xmlns:a14="http://schemas.microsoft.com/office/drawing/2010/main" val="0"/>
-              </a:ext>
-            </a:extLst>
-          </a:blip>
-          <a:stretch>
-            <a:fillRect/>
-          </a:stretch>
-        </p:blipFill>
-        <p:spPr>
-          <a:xfrm flipV="1">
-            <a:off x="1128853" y="2393963"/>
-            <a:ext cx="480914" cy="438730"/>
-          </a:xfrm>
-          <a:prstGeom prst="rect">
-            <a:avLst/>
-          </a:prstGeom>
-        </p:spPr>
-      </p:pic>
-      <p:pic>
-        <p:nvPicPr>
-          <p:cNvPr id="14" name="Obraz 13">
-            <a:extLst>
-              <a:ext uri="{FF2B5EF4-FFF2-40B4-BE49-F238E27FC236}">
-                <a16:creationId xmlns:a16="http://schemas.microsoft.com/office/drawing/2014/main" id="{23996C26-D114-4373-AE53-5EA1C996ADE3}"/>
-              </a:ext>
-            </a:extLst>
-          </p:cNvPr>
-          <p:cNvPicPr>
-            <a:picLocks noChangeAspect="1"/>
-          </p:cNvPicPr>
-          <p:nvPr/>
-        </p:nvPicPr>
-        <p:blipFill>
-          <a:blip r:embed="rId4" cstate="print">
-            <a:extLst>
-              <a:ext uri="{28A0092B-C50C-407E-A947-70E740481C1C}">
-                <a14:useLocalDpi xmlns:a14="http://schemas.microsoft.com/office/drawing/2010/main" val="0"/>
-              </a:ext>
-            </a:extLst>
-          </a:blip>
-          <a:stretch>
-            <a:fillRect/>
-          </a:stretch>
-        </p:blipFill>
-        <p:spPr>
-          <a:xfrm flipV="1">
-            <a:off x="756728" y="2634021"/>
-            <a:ext cx="480914" cy="438730"/>
-          </a:xfrm>
-          <a:prstGeom prst="rect">
-            <a:avLst/>
-          </a:prstGeom>
-        </p:spPr>
-      </p:pic>
-      <p:pic>
-        <p:nvPicPr>
-          <p:cNvPr id="15" name="Obraz 14" descr="Obraz zawierający obiekt&#10;&#10;Opis wygenerowany przy wysokim poziomie pewności">
-            <a:extLst>
-              <a:ext uri="{FF2B5EF4-FFF2-40B4-BE49-F238E27FC236}">
-                <a16:creationId xmlns:a16="http://schemas.microsoft.com/office/drawing/2014/main" id="{0F1D9C46-FB24-4FBD-86AD-BE9C3BC88EFD}"/>
-              </a:ext>
-            </a:extLst>
-          </p:cNvPr>
-          <p:cNvPicPr>
-            <a:picLocks noChangeAspect="1"/>
-          </p:cNvPicPr>
-          <p:nvPr/>
-        </p:nvPicPr>
-        <p:blipFill>
-          <a:blip r:embed="rId3">
-            <a:extLst>
-              <a:ext uri="{28A0092B-C50C-407E-A947-70E740481C1C}">
-                <a14:useLocalDpi xmlns:a14="http://schemas.microsoft.com/office/drawing/2010/main" val="0"/>
-              </a:ext>
-            </a:extLst>
-          </a:blip>
-          <a:stretch>
-            <a:fillRect/>
-          </a:stretch>
-        </p:blipFill>
-        <p:spPr>
-          <a:xfrm flipV="1">
-            <a:off x="1128853" y="2874079"/>
-            <a:ext cx="480914" cy="438730"/>
-          </a:xfrm>
-          <a:prstGeom prst="rect">
-            <a:avLst/>
-          </a:prstGeom>
-        </p:spPr>
-      </p:pic>
-      <p:pic>
-        <p:nvPicPr>
-          <p:cNvPr id="17" name="Obraz 16" descr="Obraz zawierający obiekt&#10;&#10;Opis wygenerowany przy wysokim poziomie pewności">
-            <a:extLst>
-              <a:ext uri="{FF2B5EF4-FFF2-40B4-BE49-F238E27FC236}">
-                <a16:creationId xmlns:a16="http://schemas.microsoft.com/office/drawing/2014/main" id="{0A0C2858-EEC3-4B32-90B5-92447F3CF1DF}"/>
-              </a:ext>
-            </a:extLst>
-          </p:cNvPr>
-          <p:cNvPicPr>
-            <a:picLocks noChangeAspect="1"/>
-          </p:cNvPicPr>
-          <p:nvPr/>
-        </p:nvPicPr>
-        <p:blipFill>
-          <a:blip r:embed="rId3">
-            <a:extLst>
-              <a:ext uri="{28A0092B-C50C-407E-A947-70E740481C1C}">
-                <a14:useLocalDpi xmlns:a14="http://schemas.microsoft.com/office/drawing/2010/main" val="0"/>
-              </a:ext>
-            </a:extLst>
-          </a:blip>
-          <a:stretch>
-            <a:fillRect/>
-          </a:stretch>
-        </p:blipFill>
-        <p:spPr>
-          <a:xfrm flipV="1">
-            <a:off x="1128853" y="3524693"/>
-            <a:ext cx="480914" cy="438730"/>
-          </a:xfrm>
-          <a:prstGeom prst="rect">
-            <a:avLst/>
-          </a:prstGeom>
-        </p:spPr>
-      </p:pic>
-      <p:pic>
-        <p:nvPicPr>
-          <p:cNvPr id="18" name="Obraz 17">
-            <a:extLst>
-              <a:ext uri="{FF2B5EF4-FFF2-40B4-BE49-F238E27FC236}">
-                <a16:creationId xmlns:a16="http://schemas.microsoft.com/office/drawing/2014/main" id="{8D429154-5A60-4907-BBE5-36CFD158858D}"/>
-              </a:ext>
-            </a:extLst>
-          </p:cNvPr>
-          <p:cNvPicPr>
-            <a:picLocks noChangeAspect="1"/>
-          </p:cNvPicPr>
-          <p:nvPr/>
-        </p:nvPicPr>
-        <p:blipFill>
-          <a:blip r:embed="rId4" cstate="print">
-            <a:extLst>
-              <a:ext uri="{28A0092B-C50C-407E-A947-70E740481C1C}">
-                <a14:useLocalDpi xmlns:a14="http://schemas.microsoft.com/office/drawing/2010/main" val="0"/>
-              </a:ext>
-            </a:extLst>
-          </a:blip>
-          <a:stretch>
-            <a:fillRect/>
-          </a:stretch>
-        </p:blipFill>
-        <p:spPr>
-          <a:xfrm flipV="1">
-            <a:off x="756728" y="3764751"/>
-            <a:ext cx="480914" cy="438730"/>
-          </a:xfrm>
-          <a:prstGeom prst="rect">
-            <a:avLst/>
-          </a:prstGeom>
-        </p:spPr>
-      </p:pic>
-      <p:pic>
-        <p:nvPicPr>
-          <p:cNvPr id="19" name="Obraz 18" descr="Obraz zawierający obiekt&#10;&#10;Opis wygenerowany przy wysokim poziomie pewności">
-            <a:extLst>
-              <a:ext uri="{FF2B5EF4-FFF2-40B4-BE49-F238E27FC236}">
-                <a16:creationId xmlns:a16="http://schemas.microsoft.com/office/drawing/2014/main" id="{D8004EE9-C4AC-4405-9C09-C5CE9617094A}"/>
-              </a:ext>
-            </a:extLst>
-          </p:cNvPr>
-          <p:cNvPicPr>
-            <a:picLocks noChangeAspect="1"/>
-          </p:cNvPicPr>
-          <p:nvPr/>
-        </p:nvPicPr>
-        <p:blipFill>
-          <a:blip r:embed="rId3">
-            <a:extLst>
-              <a:ext uri="{28A0092B-C50C-407E-A947-70E740481C1C}">
-                <a14:useLocalDpi xmlns:a14="http://schemas.microsoft.com/office/drawing/2010/main" val="0"/>
-              </a:ext>
-            </a:extLst>
-          </a:blip>
-          <a:stretch>
-            <a:fillRect/>
-          </a:stretch>
-        </p:blipFill>
-        <p:spPr>
-          <a:xfrm flipV="1">
-            <a:off x="1128853" y="4004809"/>
-            <a:ext cx="480914" cy="438730"/>
-          </a:xfrm>
-          <a:prstGeom prst="rect">
-            <a:avLst/>
-          </a:prstGeom>
-        </p:spPr>
-      </p:pic>
-      <p:pic>
-        <p:nvPicPr>
-          <p:cNvPr id="21" name="Obraz 20" descr="Obraz zawierający obiekt&#10;&#10;Opis wygenerowany przy wysokim poziomie pewności">
-            <a:extLst>
-              <a:ext uri="{FF2B5EF4-FFF2-40B4-BE49-F238E27FC236}">
-                <a16:creationId xmlns:a16="http://schemas.microsoft.com/office/drawing/2014/main" id="{32DE2A5D-9257-4FF1-A218-32DD68AD5214}"/>
-              </a:ext>
-            </a:extLst>
-          </p:cNvPr>
-          <p:cNvPicPr>
-            <a:picLocks noChangeAspect="1"/>
-          </p:cNvPicPr>
-          <p:nvPr/>
-        </p:nvPicPr>
-        <p:blipFill>
-          <a:blip r:embed="rId3">
-            <a:extLst>
-              <a:ext uri="{28A0092B-C50C-407E-A947-70E740481C1C}">
-                <a14:useLocalDpi xmlns:a14="http://schemas.microsoft.com/office/drawing/2010/main" val="0"/>
-              </a:ext>
-            </a:extLst>
-          </a:blip>
-          <a:stretch>
-            <a:fillRect/>
-          </a:stretch>
-        </p:blipFill>
-        <p:spPr>
-          <a:xfrm flipV="1">
-            <a:off x="1128853" y="4739913"/>
-            <a:ext cx="480914" cy="438730"/>
-          </a:xfrm>
-          <a:prstGeom prst="rect">
-            <a:avLst/>
-          </a:prstGeom>
-        </p:spPr>
-      </p:pic>
-      <p:pic>
-        <p:nvPicPr>
-          <p:cNvPr id="22" name="Obraz 21">
-            <a:extLst>
-              <a:ext uri="{FF2B5EF4-FFF2-40B4-BE49-F238E27FC236}">
-                <a16:creationId xmlns:a16="http://schemas.microsoft.com/office/drawing/2014/main" id="{5F55139A-9983-4ECA-8EEC-2D33A048178E}"/>
-              </a:ext>
-            </a:extLst>
-          </p:cNvPr>
-          <p:cNvPicPr>
-            <a:picLocks noChangeAspect="1"/>
-          </p:cNvPicPr>
-          <p:nvPr/>
-        </p:nvPicPr>
-        <p:blipFill>
-          <a:blip r:embed="rId4" cstate="print">
-            <a:extLst>
-              <a:ext uri="{28A0092B-C50C-407E-A947-70E740481C1C}">
-                <a14:useLocalDpi xmlns:a14="http://schemas.microsoft.com/office/drawing/2010/main" val="0"/>
-              </a:ext>
-            </a:extLst>
-          </a:blip>
-          <a:stretch>
-            <a:fillRect/>
-          </a:stretch>
-        </p:blipFill>
-        <p:spPr>
-          <a:xfrm flipV="1">
-            <a:off x="756728" y="4979971"/>
-            <a:ext cx="480914" cy="438730"/>
-          </a:xfrm>
-          <a:prstGeom prst="rect">
-            <a:avLst/>
-          </a:prstGeom>
-        </p:spPr>
-      </p:pic>
-      <p:pic>
-        <p:nvPicPr>
-          <p:cNvPr id="23" name="Obraz 22" descr="Obraz zawierający obiekt&#10;&#10;Opis wygenerowany przy wysokim poziomie pewności">
-            <a:extLst>
-              <a:ext uri="{FF2B5EF4-FFF2-40B4-BE49-F238E27FC236}">
-                <a16:creationId xmlns:a16="http://schemas.microsoft.com/office/drawing/2014/main" id="{E907C7BD-BB73-4A74-93FB-925FB30C5B4B}"/>
-              </a:ext>
-            </a:extLst>
-          </p:cNvPr>
-          <p:cNvPicPr>
-            <a:picLocks noChangeAspect="1"/>
-          </p:cNvPicPr>
-          <p:nvPr/>
-        </p:nvPicPr>
-        <p:blipFill>
-          <a:blip r:embed="rId3">
-            <a:extLst>
-              <a:ext uri="{28A0092B-C50C-407E-A947-70E740481C1C}">
-                <a14:useLocalDpi xmlns:a14="http://schemas.microsoft.com/office/drawing/2010/main" val="0"/>
-              </a:ext>
-            </a:extLst>
-          </a:blip>
-          <a:stretch>
-            <a:fillRect/>
-          </a:stretch>
-        </p:blipFill>
-        <p:spPr>
-          <a:xfrm flipV="1">
-            <a:off x="1128853" y="5220029"/>
-            <a:ext cx="480914" cy="438730"/>
-          </a:xfrm>
-          <a:prstGeom prst="rect">
-            <a:avLst/>
-          </a:prstGeom>
-        </p:spPr>
-      </p:pic>
-      <p:sp>
-        <p:nvSpPr>
-          <p:cNvPr id="34" name="pole tekstowe 33">
-            <a:extLst>
-              <a:ext uri="{FF2B5EF4-FFF2-40B4-BE49-F238E27FC236}">
-                <a16:creationId xmlns:a16="http://schemas.microsoft.com/office/drawing/2014/main" id="{B25806A4-A253-4AF6-BF0C-03ED07743EC5}"/>
-              </a:ext>
-            </a:extLst>
-          </p:cNvPr>
-          <p:cNvSpPr txBox="1"/>
-          <p:nvPr/>
-        </p:nvSpPr>
-        <p:spPr>
-          <a:xfrm>
-            <a:off x="1630615" y="3713594"/>
-            <a:ext cx="3879790" cy="769441"/>
-          </a:xfrm>
-          <a:prstGeom prst="rect">
-            <a:avLst/>
-          </a:prstGeom>
-          <a:noFill/>
-        </p:spPr>
-        <p:txBody>
-          <a:bodyPr wrap="square" rtlCol="0">
-            <a:spAutoFit/>
-          </a:bodyPr>
-          <a:lstStyle/>
-          <a:p>
-            <a:r>
-              <a:rPr lang="pl-PL" sz="2400" b="1" dirty="0">
-                <a:latin typeface="Calibri (Tekst podstawowy)"/>
-              </a:rPr>
-              <a:t>CHAT ABOUT PROJECT</a:t>
-            </a:r>
-            <a:endParaRPr lang="pl-PL" sz="2400" b="1" dirty="0">
-              <a:solidFill>
-                <a:schemeClr val="bg2">
-                  <a:lumMod val="75000"/>
-                </a:schemeClr>
-              </a:solidFill>
-              <a:latin typeface="Calibri (Tekst podstawowy)"/>
-            </a:endParaRPr>
-          </a:p>
-          <a:p>
-            <a:endParaRPr lang="pl-PL" sz="2000" b="1" dirty="0">
-              <a:solidFill>
-                <a:schemeClr val="bg2">
-                  <a:lumMod val="75000"/>
-                </a:schemeClr>
-              </a:solidFill>
-              <a:latin typeface="Calibri (Tekst podstawowy)"/>
-            </a:endParaRPr>
-          </a:p>
-        </p:txBody>
-      </p:sp>
-      <p:sp>
-        <p:nvSpPr>
-          <p:cNvPr id="35" name="pole tekstowe 34">
-            <a:extLst>
-              <a:ext uri="{FF2B5EF4-FFF2-40B4-BE49-F238E27FC236}">
-                <a16:creationId xmlns:a16="http://schemas.microsoft.com/office/drawing/2014/main" id="{096C444D-4AF0-4BEF-BD15-7557D92456C1}"/>
-              </a:ext>
-            </a:extLst>
-          </p:cNvPr>
-          <p:cNvSpPr txBox="1"/>
-          <p:nvPr/>
-        </p:nvSpPr>
-        <p:spPr>
-          <a:xfrm>
-            <a:off x="1609767" y="4979971"/>
-            <a:ext cx="3879790" cy="461665"/>
-          </a:xfrm>
-          <a:prstGeom prst="rect">
-            <a:avLst/>
-          </a:prstGeom>
-          <a:noFill/>
-        </p:spPr>
-        <p:txBody>
-          <a:bodyPr wrap="square" rtlCol="0">
-            <a:spAutoFit/>
-          </a:bodyPr>
-          <a:lstStyle/>
-          <a:p>
-            <a:r>
-              <a:rPr lang="pl-PL" sz="2400" b="1" dirty="0">
-                <a:latin typeface="Calibri (Tekst podstawowy)"/>
-              </a:rPr>
-              <a:t>CREATE AND LEARN</a:t>
-            </a:r>
-            <a:endParaRPr lang="pl-PL" sz="2400" b="1" dirty="0">
-              <a:solidFill>
-                <a:schemeClr val="bg2">
-                  <a:lumMod val="75000"/>
-                </a:schemeClr>
-              </a:solidFill>
-              <a:latin typeface="Calibri (Tekst podstawowy)"/>
-            </a:endParaRPr>
-          </a:p>
-        </p:txBody>
-      </p:sp>
-      <p:pic>
-        <p:nvPicPr>
-          <p:cNvPr id="28" name="Obraz 27">
-            <a:extLst>
-              <a:ext uri="{FF2B5EF4-FFF2-40B4-BE49-F238E27FC236}">
-                <a16:creationId xmlns:a16="http://schemas.microsoft.com/office/drawing/2014/main" id="{7536307A-0E7F-4300-A49D-272564E014E1}"/>
-              </a:ext>
-            </a:extLst>
-          </p:cNvPr>
-          <p:cNvPicPr>
-            <a:picLocks noChangeAspect="1"/>
-          </p:cNvPicPr>
-          <p:nvPr/>
-        </p:nvPicPr>
-        <p:blipFill rotWithShape="1">
-          <a:blip r:embed="rId5"/>
-          <a:srcRect l="2518" t="24278" b="5392"/>
-          <a:stretch/>
-        </p:blipFill>
-        <p:spPr>
-          <a:xfrm>
-            <a:off x="5838160" y="3623685"/>
-            <a:ext cx="5801909" cy="2221550"/>
-          </a:xfrm>
-          <a:prstGeom prst="rect">
-            <a:avLst/>
-          </a:prstGeom>
-          <a:ln>
-            <a:noFill/>
-          </a:ln>
-          <a:effectLst>
-            <a:outerShdw blurRad="292100" dist="139700" dir="2700000" algn="tl" rotWithShape="0">
-              <a:srgbClr val="333333">
-                <a:alpha val="65000"/>
-              </a:srgbClr>
-            </a:outerShdw>
-          </a:effectLst>
-        </p:spPr>
-      </p:pic>
-    </p:spTree>
-    <p:extLst>
-      <p:ext uri="{BB962C8B-B14F-4D97-AF65-F5344CB8AC3E}">
-        <p14:creationId xmlns:p14="http://schemas.microsoft.com/office/powerpoint/2010/main" val="2438638950"/>
-      </p:ext>
-    </p:extLst>
-  </p:cSld>
-  <p:clrMapOvr>
-    <a:masterClrMapping/>
-  </p:clrMapOvr>
-  <p:transition spd="slow">
-    <p:push dir="u"/>
-  </p:transition>
-  <p:timing>
-    <p:tnLst>
-      <p:par>
-        <p:cTn id="1" dur="indefinite" restart="never" nodeType="tmRoot">
-          <p:childTnLst>
-            <p:seq concurrent="1" nextAc="seek">
-              <p:cTn id="2" dur="indefinite" nodeType="mainSeq">
-                <p:childTnLst>
-                  <p:par>
-                    <p:cTn id="3" fill="hold">
-                      <p:stCondLst>
-                        <p:cond delay="indefinite"/>
-                        <p:cond evt="onBegin" delay="0">
-                          <p:tn val="2"/>
-                        </p:cond>
-                      </p:stCondLst>
-                      <p:childTnLst>
-                        <p:par>
-                          <p:cTn id="4" fill="hold">
-                            <p:stCondLst>
-                              <p:cond delay="0"/>
-                            </p:stCondLst>
-                            <p:childTnLst>
-                              <p:par>
-                                <p:cTn id="5" presetID="42" presetClass="entr" presetSubtype="0" fill="hold" nodeType="withEffect">
-                                  <p:stCondLst>
-                                    <p:cond delay="0"/>
-                                  </p:stCondLst>
-                                  <p:childTnLst>
-                                    <p:set>
-                                      <p:cBhvr>
-                                        <p:cTn id="6" dur="1" fill="hold">
-                                          <p:stCondLst>
-                                            <p:cond delay="0"/>
-                                          </p:stCondLst>
-                                        </p:cTn>
-                                        <p:tgtEl>
-                                          <p:spTgt spid="13"/>
-                                        </p:tgtEl>
-                                        <p:attrNameLst>
-                                          <p:attrName>style.visibility</p:attrName>
-                                        </p:attrNameLst>
-                                      </p:cBhvr>
-                                      <p:to>
-                                        <p:strVal val="visible"/>
-                                      </p:to>
-                                    </p:set>
-                                    <p:animEffect transition="in" filter="fade">
-                                      <p:cBhvr>
-                                        <p:cTn id="7" dur="1000"/>
-                                        <p:tgtEl>
-                                          <p:spTgt spid="13"/>
-                                        </p:tgtEl>
-                                      </p:cBhvr>
-                                    </p:animEffect>
-                                    <p:anim calcmode="lin" valueType="num">
-                                      <p:cBhvr>
-                                        <p:cTn id="8" dur="1000" fill="hold"/>
-                                        <p:tgtEl>
-                                          <p:spTgt spid="13"/>
-                                        </p:tgtEl>
-                                        <p:attrNameLst>
-                                          <p:attrName>ppt_x</p:attrName>
-                                        </p:attrNameLst>
-                                      </p:cBhvr>
-                                      <p:tavLst>
-                                        <p:tav tm="0">
-                                          <p:val>
-                                            <p:strVal val="#ppt_x"/>
-                                          </p:val>
-                                        </p:tav>
-                                        <p:tav tm="100000">
-                                          <p:val>
-                                            <p:strVal val="#ppt_x"/>
-                                          </p:val>
-                                        </p:tav>
-                                      </p:tavLst>
-                                    </p:anim>
-                                    <p:anim calcmode="lin" valueType="num">
-                                      <p:cBhvr>
-                                        <p:cTn id="9" dur="1000" fill="hold"/>
-                                        <p:tgtEl>
-                                          <p:spTgt spid="13"/>
-                                        </p:tgtEl>
-                                        <p:attrNameLst>
-                                          <p:attrName>ppt_y</p:attrName>
-                                        </p:attrNameLst>
-                                      </p:cBhvr>
-                                      <p:tavLst>
-                                        <p:tav tm="0">
-                                          <p:val>
-                                            <p:strVal val="#ppt_y+.1"/>
-                                          </p:val>
-                                        </p:tav>
-                                        <p:tav tm="100000">
-                                          <p:val>
-                                            <p:strVal val="#ppt_y"/>
-                                          </p:val>
-                                        </p:tav>
-                                      </p:tavLst>
-                                    </p:anim>
-                                  </p:childTnLst>
-                                </p:cTn>
-                              </p:par>
-                              <p:par>
-                                <p:cTn id="10" presetID="42" presetClass="entr" presetSubtype="0" fill="hold" nodeType="withEffect">
-                                  <p:stCondLst>
-                                    <p:cond delay="0"/>
-                                  </p:stCondLst>
-                                  <p:childTnLst>
-                                    <p:set>
-                                      <p:cBhvr>
-                                        <p:cTn id="11" dur="1" fill="hold">
-                                          <p:stCondLst>
-                                            <p:cond delay="0"/>
-                                          </p:stCondLst>
-                                        </p:cTn>
-                                        <p:tgtEl>
-                                          <p:spTgt spid="14"/>
-                                        </p:tgtEl>
-                                        <p:attrNameLst>
-                                          <p:attrName>style.visibility</p:attrName>
-                                        </p:attrNameLst>
-                                      </p:cBhvr>
-                                      <p:to>
-                                        <p:strVal val="visible"/>
-                                      </p:to>
-                                    </p:set>
-                                    <p:animEffect transition="in" filter="fade">
-                                      <p:cBhvr>
-                                        <p:cTn id="12" dur="1000"/>
-                                        <p:tgtEl>
-                                          <p:spTgt spid="14"/>
-                                        </p:tgtEl>
-                                      </p:cBhvr>
-                                    </p:animEffect>
-                                    <p:anim calcmode="lin" valueType="num">
-                                      <p:cBhvr>
-                                        <p:cTn id="13" dur="1000" fill="hold"/>
-                                        <p:tgtEl>
-                                          <p:spTgt spid="14"/>
-                                        </p:tgtEl>
-                                        <p:attrNameLst>
-                                          <p:attrName>ppt_x</p:attrName>
-                                        </p:attrNameLst>
-                                      </p:cBhvr>
-                                      <p:tavLst>
-                                        <p:tav tm="0">
-                                          <p:val>
-                                            <p:strVal val="#ppt_x"/>
-                                          </p:val>
-                                        </p:tav>
-                                        <p:tav tm="100000">
-                                          <p:val>
-                                            <p:strVal val="#ppt_x"/>
-                                          </p:val>
-                                        </p:tav>
-                                      </p:tavLst>
-                                    </p:anim>
-                                    <p:anim calcmode="lin" valueType="num">
-                                      <p:cBhvr>
-                                        <p:cTn id="14" dur="1000" fill="hold"/>
-                                        <p:tgtEl>
-                                          <p:spTgt spid="14"/>
-                                        </p:tgtEl>
-                                        <p:attrNameLst>
-                                          <p:attrName>ppt_y</p:attrName>
-                                        </p:attrNameLst>
-                                      </p:cBhvr>
-                                      <p:tavLst>
-                                        <p:tav tm="0">
-                                          <p:val>
-                                            <p:strVal val="#ppt_y+.1"/>
-                                          </p:val>
-                                        </p:tav>
-                                        <p:tav tm="100000">
-                                          <p:val>
-                                            <p:strVal val="#ppt_y"/>
-                                          </p:val>
-                                        </p:tav>
-                                      </p:tavLst>
-                                    </p:anim>
-                                  </p:childTnLst>
-                                </p:cTn>
-                              </p:par>
-                              <p:par>
-                                <p:cTn id="15" presetID="42" presetClass="entr" presetSubtype="0" fill="hold" nodeType="withEffect">
-                                  <p:stCondLst>
-                                    <p:cond delay="0"/>
-                                  </p:stCondLst>
-                                  <p:childTnLst>
-                                    <p:set>
-                                      <p:cBhvr>
-                                        <p:cTn id="16" dur="1" fill="hold">
-                                          <p:stCondLst>
-                                            <p:cond delay="0"/>
-                                          </p:stCondLst>
-                                        </p:cTn>
-                                        <p:tgtEl>
-                                          <p:spTgt spid="15"/>
-                                        </p:tgtEl>
-                                        <p:attrNameLst>
-                                          <p:attrName>style.visibility</p:attrName>
-                                        </p:attrNameLst>
-                                      </p:cBhvr>
-                                      <p:to>
-                                        <p:strVal val="visible"/>
-                                      </p:to>
-                                    </p:set>
-                                    <p:animEffect transition="in" filter="fade">
-                                      <p:cBhvr>
-                                        <p:cTn id="17" dur="1000"/>
-                                        <p:tgtEl>
-                                          <p:spTgt spid="15"/>
-                                        </p:tgtEl>
-                                      </p:cBhvr>
-                                    </p:animEffect>
-                                    <p:anim calcmode="lin" valueType="num">
-                                      <p:cBhvr>
-                                        <p:cTn id="18" dur="1000" fill="hold"/>
-                                        <p:tgtEl>
-                                          <p:spTgt spid="15"/>
-                                        </p:tgtEl>
-                                        <p:attrNameLst>
-                                          <p:attrName>ppt_x</p:attrName>
-                                        </p:attrNameLst>
-                                      </p:cBhvr>
-                                      <p:tavLst>
-                                        <p:tav tm="0">
-                                          <p:val>
-                                            <p:strVal val="#ppt_x"/>
-                                          </p:val>
-                                        </p:tav>
-                                        <p:tav tm="100000">
-                                          <p:val>
-                                            <p:strVal val="#ppt_x"/>
-                                          </p:val>
-                                        </p:tav>
-                                      </p:tavLst>
-                                    </p:anim>
-                                    <p:anim calcmode="lin" valueType="num">
-                                      <p:cBhvr>
-                                        <p:cTn id="19" dur="1000" fill="hold"/>
-                                        <p:tgtEl>
-                                          <p:spTgt spid="15"/>
-                                        </p:tgtEl>
-                                        <p:attrNameLst>
-                                          <p:attrName>ppt_y</p:attrName>
-                                        </p:attrNameLst>
-                                      </p:cBhvr>
-                                      <p:tavLst>
-                                        <p:tav tm="0">
-                                          <p:val>
-                                            <p:strVal val="#ppt_y+.1"/>
-                                          </p:val>
-                                        </p:tav>
-                                        <p:tav tm="100000">
-                                          <p:val>
-                                            <p:strVal val="#ppt_y"/>
-                                          </p:val>
-                                        </p:tav>
-                                      </p:tavLst>
-                                    </p:anim>
-                                  </p:childTnLst>
-                                </p:cTn>
-                              </p:par>
-                              <p:par>
-                                <p:cTn id="20" presetID="42" presetClass="entr" presetSubtype="0" fill="hold" grpId="0" nodeType="withEffect">
-                                  <p:stCondLst>
-                                    <p:cond delay="0"/>
-                                  </p:stCondLst>
-                                  <p:childTnLst>
-                                    <p:set>
-                                      <p:cBhvr>
-                                        <p:cTn id="21" dur="1" fill="hold">
-                                          <p:stCondLst>
-                                            <p:cond delay="0"/>
-                                          </p:stCondLst>
-                                        </p:cTn>
-                                        <p:tgtEl>
-                                          <p:spTgt spid="12"/>
-                                        </p:tgtEl>
-                                        <p:attrNameLst>
-                                          <p:attrName>style.visibility</p:attrName>
-                                        </p:attrNameLst>
-                                      </p:cBhvr>
-                                      <p:to>
-                                        <p:strVal val="visible"/>
-                                      </p:to>
-                                    </p:set>
-                                    <p:animEffect transition="in" filter="fade">
-                                      <p:cBhvr>
-                                        <p:cTn id="22" dur="1000"/>
-                                        <p:tgtEl>
-                                          <p:spTgt spid="12"/>
-                                        </p:tgtEl>
-                                      </p:cBhvr>
-                                    </p:animEffect>
-                                    <p:anim calcmode="lin" valueType="num">
-                                      <p:cBhvr>
-                                        <p:cTn id="23" dur="1000" fill="hold"/>
-                                        <p:tgtEl>
-                                          <p:spTgt spid="12"/>
-                                        </p:tgtEl>
-                                        <p:attrNameLst>
-                                          <p:attrName>ppt_x</p:attrName>
-                                        </p:attrNameLst>
-                                      </p:cBhvr>
-                                      <p:tavLst>
-                                        <p:tav tm="0">
-                                          <p:val>
-                                            <p:strVal val="#ppt_x"/>
-                                          </p:val>
-                                        </p:tav>
-                                        <p:tav tm="100000">
-                                          <p:val>
-                                            <p:strVal val="#ppt_x"/>
-                                          </p:val>
-                                        </p:tav>
-                                      </p:tavLst>
-                                    </p:anim>
-                                    <p:anim calcmode="lin" valueType="num">
-                                      <p:cBhvr>
-                                        <p:cTn id="24" dur="1000" fill="hold"/>
-                                        <p:tgtEl>
-                                          <p:spTgt spid="12"/>
-                                        </p:tgtEl>
-                                        <p:attrNameLst>
-                                          <p:attrName>ppt_y</p:attrName>
-                                        </p:attrNameLst>
-                                      </p:cBhvr>
-                                      <p:tavLst>
-                                        <p:tav tm="0">
-                                          <p:val>
-                                            <p:strVal val="#ppt_y+.1"/>
-                                          </p:val>
-                                        </p:tav>
-                                        <p:tav tm="100000">
-                                          <p:val>
-                                            <p:strVal val="#ppt_y"/>
-                                          </p:val>
-                                        </p:tav>
-                                      </p:tavLst>
-                                    </p:anim>
-                                  </p:childTnLst>
-                                </p:cTn>
-                              </p:par>
-                            </p:childTnLst>
-                          </p:cTn>
-                        </p:par>
-                        <p:par>
-                          <p:cTn id="25" fill="hold">
-                            <p:stCondLst>
-                              <p:cond delay="1000"/>
-                            </p:stCondLst>
-                            <p:childTnLst>
-                              <p:par>
-                                <p:cTn id="26" presetID="42" presetClass="entr" presetSubtype="0" fill="hold" nodeType="afterEffect">
-                                  <p:stCondLst>
-                                    <p:cond delay="0"/>
-                                  </p:stCondLst>
-                                  <p:childTnLst>
-                                    <p:set>
-                                      <p:cBhvr>
-                                        <p:cTn id="27" dur="1" fill="hold">
-                                          <p:stCondLst>
-                                            <p:cond delay="0"/>
-                                          </p:stCondLst>
-                                        </p:cTn>
-                                        <p:tgtEl>
-                                          <p:spTgt spid="17"/>
-                                        </p:tgtEl>
-                                        <p:attrNameLst>
-                                          <p:attrName>style.visibility</p:attrName>
-                                        </p:attrNameLst>
-                                      </p:cBhvr>
-                                      <p:to>
-                                        <p:strVal val="visible"/>
-                                      </p:to>
-                                    </p:set>
-                                    <p:animEffect transition="in" filter="fade">
-                                      <p:cBhvr>
-                                        <p:cTn id="28" dur="1000"/>
-                                        <p:tgtEl>
-                                          <p:spTgt spid="17"/>
-                                        </p:tgtEl>
-                                      </p:cBhvr>
-                                    </p:animEffect>
-                                    <p:anim calcmode="lin" valueType="num">
-                                      <p:cBhvr>
-                                        <p:cTn id="29" dur="1000" fill="hold"/>
-                                        <p:tgtEl>
-                                          <p:spTgt spid="17"/>
-                                        </p:tgtEl>
-                                        <p:attrNameLst>
-                                          <p:attrName>ppt_x</p:attrName>
-                                        </p:attrNameLst>
-                                      </p:cBhvr>
-                                      <p:tavLst>
-                                        <p:tav tm="0">
-                                          <p:val>
-                                            <p:strVal val="#ppt_x"/>
-                                          </p:val>
-                                        </p:tav>
-                                        <p:tav tm="100000">
-                                          <p:val>
-                                            <p:strVal val="#ppt_x"/>
-                                          </p:val>
-                                        </p:tav>
-                                      </p:tavLst>
-                                    </p:anim>
-                                    <p:anim calcmode="lin" valueType="num">
-                                      <p:cBhvr>
-                                        <p:cTn id="30" dur="1000" fill="hold"/>
-                                        <p:tgtEl>
-                                          <p:spTgt spid="17"/>
-                                        </p:tgtEl>
-                                        <p:attrNameLst>
-                                          <p:attrName>ppt_y</p:attrName>
-                                        </p:attrNameLst>
-                                      </p:cBhvr>
-                                      <p:tavLst>
-                                        <p:tav tm="0">
-                                          <p:val>
-                                            <p:strVal val="#ppt_y+.1"/>
-                                          </p:val>
-                                        </p:tav>
-                                        <p:tav tm="100000">
-                                          <p:val>
-                                            <p:strVal val="#ppt_y"/>
-                                          </p:val>
-                                        </p:tav>
-                                      </p:tavLst>
-                                    </p:anim>
-                                  </p:childTnLst>
-                                </p:cTn>
-                              </p:par>
-                              <p:par>
-                                <p:cTn id="31" presetID="42" presetClass="entr" presetSubtype="0" fill="hold" nodeType="withEffect">
-                                  <p:stCondLst>
-                                    <p:cond delay="0"/>
-                                  </p:stCondLst>
-                                  <p:childTnLst>
-                                    <p:set>
-                                      <p:cBhvr>
-                                        <p:cTn id="32" dur="1" fill="hold">
-                                          <p:stCondLst>
-                                            <p:cond delay="0"/>
-                                          </p:stCondLst>
-                                        </p:cTn>
-                                        <p:tgtEl>
-                                          <p:spTgt spid="18"/>
-                                        </p:tgtEl>
-                                        <p:attrNameLst>
-                                          <p:attrName>style.visibility</p:attrName>
-                                        </p:attrNameLst>
-                                      </p:cBhvr>
-                                      <p:to>
-                                        <p:strVal val="visible"/>
-                                      </p:to>
-                                    </p:set>
-                                    <p:animEffect transition="in" filter="fade">
-                                      <p:cBhvr>
-                                        <p:cTn id="33" dur="1000"/>
-                                        <p:tgtEl>
-                                          <p:spTgt spid="18"/>
-                                        </p:tgtEl>
-                                      </p:cBhvr>
-                                    </p:animEffect>
-                                    <p:anim calcmode="lin" valueType="num">
-                                      <p:cBhvr>
-                                        <p:cTn id="34" dur="1000" fill="hold"/>
-                                        <p:tgtEl>
-                                          <p:spTgt spid="18"/>
-                                        </p:tgtEl>
-                                        <p:attrNameLst>
-                                          <p:attrName>ppt_x</p:attrName>
-                                        </p:attrNameLst>
-                                      </p:cBhvr>
-                                      <p:tavLst>
-                                        <p:tav tm="0">
-                                          <p:val>
-                                            <p:strVal val="#ppt_x"/>
-                                          </p:val>
-                                        </p:tav>
-                                        <p:tav tm="100000">
-                                          <p:val>
-                                            <p:strVal val="#ppt_x"/>
-                                          </p:val>
-                                        </p:tav>
-                                      </p:tavLst>
-                                    </p:anim>
-                                    <p:anim calcmode="lin" valueType="num">
-                                      <p:cBhvr>
-                                        <p:cTn id="35" dur="1000" fill="hold"/>
-                                        <p:tgtEl>
-                                          <p:spTgt spid="18"/>
-                                        </p:tgtEl>
-                                        <p:attrNameLst>
-                                          <p:attrName>ppt_y</p:attrName>
-                                        </p:attrNameLst>
-                                      </p:cBhvr>
-                                      <p:tavLst>
-                                        <p:tav tm="0">
-                                          <p:val>
-                                            <p:strVal val="#ppt_y+.1"/>
-                                          </p:val>
-                                        </p:tav>
-                                        <p:tav tm="100000">
-                                          <p:val>
-                                            <p:strVal val="#ppt_y"/>
-                                          </p:val>
-                                        </p:tav>
-                                      </p:tavLst>
-                                    </p:anim>
-                                  </p:childTnLst>
-                                </p:cTn>
-                              </p:par>
-                              <p:par>
-                                <p:cTn id="36" presetID="42" presetClass="entr" presetSubtype="0" fill="hold" nodeType="withEffect">
-                                  <p:stCondLst>
-                                    <p:cond delay="0"/>
-                                  </p:stCondLst>
-                                  <p:childTnLst>
-                                    <p:set>
-                                      <p:cBhvr>
-                                        <p:cTn id="37" dur="1" fill="hold">
-                                          <p:stCondLst>
-                                            <p:cond delay="0"/>
-                                          </p:stCondLst>
-                                        </p:cTn>
-                                        <p:tgtEl>
-                                          <p:spTgt spid="19"/>
-                                        </p:tgtEl>
-                                        <p:attrNameLst>
-                                          <p:attrName>style.visibility</p:attrName>
-                                        </p:attrNameLst>
-                                      </p:cBhvr>
-                                      <p:to>
-                                        <p:strVal val="visible"/>
-                                      </p:to>
-                                    </p:set>
-                                    <p:animEffect transition="in" filter="fade">
-                                      <p:cBhvr>
-                                        <p:cTn id="38" dur="1000"/>
-                                        <p:tgtEl>
-                                          <p:spTgt spid="19"/>
-                                        </p:tgtEl>
-                                      </p:cBhvr>
-                                    </p:animEffect>
-                                    <p:anim calcmode="lin" valueType="num">
-                                      <p:cBhvr>
-                                        <p:cTn id="39" dur="1000" fill="hold"/>
-                                        <p:tgtEl>
-                                          <p:spTgt spid="19"/>
-                                        </p:tgtEl>
-                                        <p:attrNameLst>
-                                          <p:attrName>ppt_x</p:attrName>
-                                        </p:attrNameLst>
-                                      </p:cBhvr>
-                                      <p:tavLst>
-                                        <p:tav tm="0">
-                                          <p:val>
-                                            <p:strVal val="#ppt_x"/>
-                                          </p:val>
-                                        </p:tav>
-                                        <p:tav tm="100000">
-                                          <p:val>
-                                            <p:strVal val="#ppt_x"/>
-                                          </p:val>
-                                        </p:tav>
-                                      </p:tavLst>
-                                    </p:anim>
-                                    <p:anim calcmode="lin" valueType="num">
-                                      <p:cBhvr>
-                                        <p:cTn id="40" dur="1000" fill="hold"/>
-                                        <p:tgtEl>
-                                          <p:spTgt spid="19"/>
-                                        </p:tgtEl>
-                                        <p:attrNameLst>
-                                          <p:attrName>ppt_y</p:attrName>
-                                        </p:attrNameLst>
-                                      </p:cBhvr>
-                                      <p:tavLst>
-                                        <p:tav tm="0">
-                                          <p:val>
-                                            <p:strVal val="#ppt_y+.1"/>
-                                          </p:val>
-                                        </p:tav>
-                                        <p:tav tm="100000">
-                                          <p:val>
-                                            <p:strVal val="#ppt_y"/>
-                                          </p:val>
-                                        </p:tav>
-                                      </p:tavLst>
-                                    </p:anim>
-                                  </p:childTnLst>
-                                </p:cTn>
-                              </p:par>
-                              <p:par>
-                                <p:cTn id="41" presetID="42" presetClass="entr" presetSubtype="0" fill="hold" grpId="0" nodeType="withEffect">
-                                  <p:stCondLst>
-                                    <p:cond delay="0"/>
-                                  </p:stCondLst>
-                                  <p:childTnLst>
-                                    <p:set>
-                                      <p:cBhvr>
-                                        <p:cTn id="42" dur="1" fill="hold">
-                                          <p:stCondLst>
-                                            <p:cond delay="0"/>
-                                          </p:stCondLst>
-                                        </p:cTn>
-                                        <p:tgtEl>
-                                          <p:spTgt spid="34"/>
-                                        </p:tgtEl>
-                                        <p:attrNameLst>
-                                          <p:attrName>style.visibility</p:attrName>
-                                        </p:attrNameLst>
-                                      </p:cBhvr>
-                                      <p:to>
-                                        <p:strVal val="visible"/>
-                                      </p:to>
-                                    </p:set>
-                                    <p:animEffect transition="in" filter="fade">
-                                      <p:cBhvr>
-                                        <p:cTn id="43" dur="1000"/>
-                                        <p:tgtEl>
-                                          <p:spTgt spid="34"/>
-                                        </p:tgtEl>
-                                      </p:cBhvr>
-                                    </p:animEffect>
-                                    <p:anim calcmode="lin" valueType="num">
-                                      <p:cBhvr>
-                                        <p:cTn id="44" dur="1000" fill="hold"/>
-                                        <p:tgtEl>
-                                          <p:spTgt spid="34"/>
-                                        </p:tgtEl>
-                                        <p:attrNameLst>
-                                          <p:attrName>ppt_x</p:attrName>
-                                        </p:attrNameLst>
-                                      </p:cBhvr>
-                                      <p:tavLst>
-                                        <p:tav tm="0">
-                                          <p:val>
-                                            <p:strVal val="#ppt_x"/>
-                                          </p:val>
-                                        </p:tav>
-                                        <p:tav tm="100000">
-                                          <p:val>
-                                            <p:strVal val="#ppt_x"/>
-                                          </p:val>
-                                        </p:tav>
-                                      </p:tavLst>
-                                    </p:anim>
-                                    <p:anim calcmode="lin" valueType="num">
-                                      <p:cBhvr>
-                                        <p:cTn id="45" dur="1000" fill="hold"/>
-                                        <p:tgtEl>
-                                          <p:spTgt spid="34"/>
-                                        </p:tgtEl>
-                                        <p:attrNameLst>
-                                          <p:attrName>ppt_y</p:attrName>
-                                        </p:attrNameLst>
-                                      </p:cBhvr>
-                                      <p:tavLst>
-                                        <p:tav tm="0">
-                                          <p:val>
-                                            <p:strVal val="#ppt_y+.1"/>
-                                          </p:val>
-                                        </p:tav>
-                                        <p:tav tm="100000">
-                                          <p:val>
-                                            <p:strVal val="#ppt_y"/>
-                                          </p:val>
-                                        </p:tav>
-                                      </p:tavLst>
-                                    </p:anim>
-                                  </p:childTnLst>
-                                </p:cTn>
-                              </p:par>
-                            </p:childTnLst>
-                          </p:cTn>
-                        </p:par>
-                        <p:par>
-                          <p:cTn id="46" fill="hold">
-                            <p:stCondLst>
-                              <p:cond delay="2000"/>
-                            </p:stCondLst>
-                            <p:childTnLst>
-                              <p:par>
-                                <p:cTn id="47" presetID="42" presetClass="entr" presetSubtype="0" fill="hold" nodeType="afterEffect">
-                                  <p:stCondLst>
-                                    <p:cond delay="0"/>
-                                  </p:stCondLst>
-                                  <p:childTnLst>
-                                    <p:set>
-                                      <p:cBhvr>
-                                        <p:cTn id="48" dur="1" fill="hold">
-                                          <p:stCondLst>
-                                            <p:cond delay="0"/>
-                                          </p:stCondLst>
-                                        </p:cTn>
-                                        <p:tgtEl>
-                                          <p:spTgt spid="21"/>
-                                        </p:tgtEl>
-                                        <p:attrNameLst>
-                                          <p:attrName>style.visibility</p:attrName>
-                                        </p:attrNameLst>
-                                      </p:cBhvr>
-                                      <p:to>
-                                        <p:strVal val="visible"/>
-                                      </p:to>
-                                    </p:set>
-                                    <p:animEffect transition="in" filter="fade">
-                                      <p:cBhvr>
-                                        <p:cTn id="49" dur="1000"/>
-                                        <p:tgtEl>
-                                          <p:spTgt spid="21"/>
-                                        </p:tgtEl>
-                                      </p:cBhvr>
-                                    </p:animEffect>
-                                    <p:anim calcmode="lin" valueType="num">
-                                      <p:cBhvr>
-                                        <p:cTn id="50" dur="1000" fill="hold"/>
-                                        <p:tgtEl>
-                                          <p:spTgt spid="21"/>
-                                        </p:tgtEl>
-                                        <p:attrNameLst>
-                                          <p:attrName>ppt_x</p:attrName>
-                                        </p:attrNameLst>
-                                      </p:cBhvr>
-                                      <p:tavLst>
-                                        <p:tav tm="0">
-                                          <p:val>
-                                            <p:strVal val="#ppt_x"/>
-                                          </p:val>
-                                        </p:tav>
-                                        <p:tav tm="100000">
-                                          <p:val>
-                                            <p:strVal val="#ppt_x"/>
-                                          </p:val>
-                                        </p:tav>
-                                      </p:tavLst>
-                                    </p:anim>
-                                    <p:anim calcmode="lin" valueType="num">
-                                      <p:cBhvr>
-                                        <p:cTn id="51" dur="1000" fill="hold"/>
-                                        <p:tgtEl>
-                                          <p:spTgt spid="21"/>
-                                        </p:tgtEl>
-                                        <p:attrNameLst>
-                                          <p:attrName>ppt_y</p:attrName>
-                                        </p:attrNameLst>
-                                      </p:cBhvr>
-                                      <p:tavLst>
-                                        <p:tav tm="0">
-                                          <p:val>
-                                            <p:strVal val="#ppt_y+.1"/>
-                                          </p:val>
-                                        </p:tav>
-                                        <p:tav tm="100000">
-                                          <p:val>
-                                            <p:strVal val="#ppt_y"/>
-                                          </p:val>
-                                        </p:tav>
-                                      </p:tavLst>
-                                    </p:anim>
-                                  </p:childTnLst>
-                                </p:cTn>
-                              </p:par>
-                              <p:par>
-                                <p:cTn id="52" presetID="42" presetClass="entr" presetSubtype="0" fill="hold" nodeType="withEffect">
-                                  <p:stCondLst>
-                                    <p:cond delay="0"/>
-                                  </p:stCondLst>
-                                  <p:childTnLst>
-                                    <p:set>
-                                      <p:cBhvr>
-                                        <p:cTn id="53" dur="1" fill="hold">
-                                          <p:stCondLst>
-                                            <p:cond delay="0"/>
-                                          </p:stCondLst>
-                                        </p:cTn>
-                                        <p:tgtEl>
-                                          <p:spTgt spid="22"/>
-                                        </p:tgtEl>
-                                        <p:attrNameLst>
-                                          <p:attrName>style.visibility</p:attrName>
-                                        </p:attrNameLst>
-                                      </p:cBhvr>
-                                      <p:to>
-                                        <p:strVal val="visible"/>
-                                      </p:to>
-                                    </p:set>
-                                    <p:animEffect transition="in" filter="fade">
-                                      <p:cBhvr>
-                                        <p:cTn id="54" dur="1000"/>
-                                        <p:tgtEl>
-                                          <p:spTgt spid="22"/>
-                                        </p:tgtEl>
-                                      </p:cBhvr>
-                                    </p:animEffect>
-                                    <p:anim calcmode="lin" valueType="num">
-                                      <p:cBhvr>
-                                        <p:cTn id="55" dur="1000" fill="hold"/>
-                                        <p:tgtEl>
-                                          <p:spTgt spid="22"/>
-                                        </p:tgtEl>
-                                        <p:attrNameLst>
-                                          <p:attrName>ppt_x</p:attrName>
-                                        </p:attrNameLst>
-                                      </p:cBhvr>
-                                      <p:tavLst>
-                                        <p:tav tm="0">
-                                          <p:val>
-                                            <p:strVal val="#ppt_x"/>
-                                          </p:val>
-                                        </p:tav>
-                                        <p:tav tm="100000">
-                                          <p:val>
-                                            <p:strVal val="#ppt_x"/>
-                                          </p:val>
-                                        </p:tav>
-                                      </p:tavLst>
-                                    </p:anim>
-                                    <p:anim calcmode="lin" valueType="num">
-                                      <p:cBhvr>
-                                        <p:cTn id="56" dur="1000" fill="hold"/>
-                                        <p:tgtEl>
-                                          <p:spTgt spid="22"/>
-                                        </p:tgtEl>
-                                        <p:attrNameLst>
-                                          <p:attrName>ppt_y</p:attrName>
-                                        </p:attrNameLst>
-                                      </p:cBhvr>
-                                      <p:tavLst>
-                                        <p:tav tm="0">
-                                          <p:val>
-                                            <p:strVal val="#ppt_y+.1"/>
-                                          </p:val>
-                                        </p:tav>
-                                        <p:tav tm="100000">
-                                          <p:val>
-                                            <p:strVal val="#ppt_y"/>
-                                          </p:val>
-                                        </p:tav>
-                                      </p:tavLst>
-                                    </p:anim>
-                                  </p:childTnLst>
-                                </p:cTn>
-                              </p:par>
-                              <p:par>
-                                <p:cTn id="57" presetID="42" presetClass="entr" presetSubtype="0" fill="hold" nodeType="withEffect">
-                                  <p:stCondLst>
-                                    <p:cond delay="0"/>
-                                  </p:stCondLst>
-                                  <p:childTnLst>
-                                    <p:set>
-                                      <p:cBhvr>
-                                        <p:cTn id="58" dur="1" fill="hold">
-                                          <p:stCondLst>
-                                            <p:cond delay="0"/>
-                                          </p:stCondLst>
-                                        </p:cTn>
-                                        <p:tgtEl>
-                                          <p:spTgt spid="23"/>
-                                        </p:tgtEl>
-                                        <p:attrNameLst>
-                                          <p:attrName>style.visibility</p:attrName>
-                                        </p:attrNameLst>
-                                      </p:cBhvr>
-                                      <p:to>
-                                        <p:strVal val="visible"/>
-                                      </p:to>
-                                    </p:set>
-                                    <p:animEffect transition="in" filter="fade">
-                                      <p:cBhvr>
-                                        <p:cTn id="59" dur="1000"/>
-                                        <p:tgtEl>
-                                          <p:spTgt spid="23"/>
-                                        </p:tgtEl>
-                                      </p:cBhvr>
-                                    </p:animEffect>
-                                    <p:anim calcmode="lin" valueType="num">
-                                      <p:cBhvr>
-                                        <p:cTn id="60" dur="1000" fill="hold"/>
-                                        <p:tgtEl>
-                                          <p:spTgt spid="23"/>
-                                        </p:tgtEl>
-                                        <p:attrNameLst>
-                                          <p:attrName>ppt_x</p:attrName>
-                                        </p:attrNameLst>
-                                      </p:cBhvr>
-                                      <p:tavLst>
-                                        <p:tav tm="0">
-                                          <p:val>
-                                            <p:strVal val="#ppt_x"/>
-                                          </p:val>
-                                        </p:tav>
-                                        <p:tav tm="100000">
-                                          <p:val>
-                                            <p:strVal val="#ppt_x"/>
-                                          </p:val>
-                                        </p:tav>
-                                      </p:tavLst>
-                                    </p:anim>
-                                    <p:anim calcmode="lin" valueType="num">
-                                      <p:cBhvr>
-                                        <p:cTn id="61" dur="1000" fill="hold"/>
-                                        <p:tgtEl>
-                                          <p:spTgt spid="23"/>
-                                        </p:tgtEl>
-                                        <p:attrNameLst>
-                                          <p:attrName>ppt_y</p:attrName>
-                                        </p:attrNameLst>
-                                      </p:cBhvr>
-                                      <p:tavLst>
-                                        <p:tav tm="0">
-                                          <p:val>
-                                            <p:strVal val="#ppt_y+.1"/>
-                                          </p:val>
-                                        </p:tav>
-                                        <p:tav tm="100000">
-                                          <p:val>
-                                            <p:strVal val="#ppt_y"/>
-                                          </p:val>
-                                        </p:tav>
-                                      </p:tavLst>
-                                    </p:anim>
-                                  </p:childTnLst>
-                                </p:cTn>
-                              </p:par>
-                              <p:par>
-                                <p:cTn id="62" presetID="42" presetClass="entr" presetSubtype="0" fill="hold" grpId="0" nodeType="withEffect">
-                                  <p:stCondLst>
-                                    <p:cond delay="0"/>
-                                  </p:stCondLst>
-                                  <p:childTnLst>
-                                    <p:set>
-                                      <p:cBhvr>
-                                        <p:cTn id="63" dur="1" fill="hold">
-                                          <p:stCondLst>
-                                            <p:cond delay="0"/>
-                                          </p:stCondLst>
-                                        </p:cTn>
-                                        <p:tgtEl>
-                                          <p:spTgt spid="35"/>
-                                        </p:tgtEl>
-                                        <p:attrNameLst>
-                                          <p:attrName>style.visibility</p:attrName>
-                                        </p:attrNameLst>
-                                      </p:cBhvr>
-                                      <p:to>
-                                        <p:strVal val="visible"/>
-                                      </p:to>
-                                    </p:set>
-                                    <p:animEffect transition="in" filter="fade">
-                                      <p:cBhvr>
-                                        <p:cTn id="64" dur="1000"/>
-                                        <p:tgtEl>
-                                          <p:spTgt spid="35"/>
-                                        </p:tgtEl>
-                                      </p:cBhvr>
-                                    </p:animEffect>
-                                    <p:anim calcmode="lin" valueType="num">
-                                      <p:cBhvr>
-                                        <p:cTn id="65" dur="1000" fill="hold"/>
-                                        <p:tgtEl>
-                                          <p:spTgt spid="35"/>
-                                        </p:tgtEl>
-                                        <p:attrNameLst>
-                                          <p:attrName>ppt_x</p:attrName>
-                                        </p:attrNameLst>
-                                      </p:cBhvr>
-                                      <p:tavLst>
-                                        <p:tav tm="0">
-                                          <p:val>
-                                            <p:strVal val="#ppt_x"/>
-                                          </p:val>
-                                        </p:tav>
-                                        <p:tav tm="100000">
-                                          <p:val>
-                                            <p:strVal val="#ppt_x"/>
-                                          </p:val>
-                                        </p:tav>
-                                      </p:tavLst>
-                                    </p:anim>
-                                    <p:anim calcmode="lin" valueType="num">
-                                      <p:cBhvr>
-                                        <p:cTn id="66" dur="1000" fill="hold"/>
-                                        <p:tgtEl>
-                                          <p:spTgt spid="35"/>
-                                        </p:tgtEl>
-                                        <p:attrNameLst>
-                                          <p:attrName>ppt_y</p:attrName>
-                                        </p:attrNameLst>
-                                      </p:cBhvr>
-                                      <p:tavLst>
-                                        <p:tav tm="0">
-                                          <p:val>
-                                            <p:strVal val="#ppt_y+.1"/>
-                                          </p:val>
-                                        </p:tav>
-                                        <p:tav tm="100000">
-                                          <p:val>
-                                            <p:strVal val="#ppt_y"/>
-                                          </p:val>
-                                        </p:tav>
-                                      </p:tavLst>
-                                    </p:anim>
-                                  </p:childTnLst>
-                                </p:cTn>
-                              </p:par>
-                            </p:childTnLst>
-                          </p:cTn>
-                        </p:par>
-                      </p:childTnLst>
-                    </p:cTn>
-                  </p:par>
-                </p:childTnLst>
-              </p:cTn>
-              <p:prevCondLst>
-                <p:cond evt="onPrev" delay="0">
-                  <p:tgtEl>
-                    <p:sldTgt/>
-                  </p:tgtEl>
-                </p:cond>
-              </p:prevCondLst>
-              <p:nextCondLst>
-                <p:cond evt="onNext" delay="0">
-                  <p:tgtEl>
-                    <p:sldTgt/>
-                  </p:tgtEl>
-                </p:cond>
-              </p:nextCondLst>
-            </p:seq>
-          </p:childTnLst>
-        </p:cTn>
-      </p:par>
-    </p:tnLst>
-    <p:bldLst>
-      <p:bldP spid="12" grpId="0"/>
-      <p:bldP spid="34" grpId="0"/>
-      <p:bldP spid="35" grpId="0"/>
-    </p:bldLst>
-  </p:timing>
-</p:sld>
-</file>
-
-<file path=ppt/slides/slide7.xml><?xml version="1.0" encoding="utf-8"?>
-<p:sld xmlns:a="http://schemas.openxmlformats.org/drawingml/2006/main" xmlns:r="http://schemas.openxmlformats.org/officeDocument/2006/relationships" xmlns:p="http://schemas.openxmlformats.org/presentationml/2006/main">
-  <p:cSld>
-    <p:spTree>
-      <p:nvGrpSpPr>
-        <p:cNvPr id="1" name=""/>
-        <p:cNvGrpSpPr/>
-        <p:nvPr/>
-      </p:nvGrpSpPr>
-      <p:grpSpPr>
-        <a:xfrm>
-          <a:off x="0" y="0"/>
-          <a:ext cx="0" cy="0"/>
-          <a:chOff x="0" y="0"/>
-          <a:chExt cx="0" cy="0"/>
-        </a:xfrm>
-      </p:grpSpPr>
-      <p:pic>
-        <p:nvPicPr>
-          <p:cNvPr id="6" name="Obraz 5" descr="Obraz zawierający obiekt&#10;&#10;Opis wygenerowany przy wysokim poziomie pewności">
-            <a:extLst>
-              <a:ext uri="{FF2B5EF4-FFF2-40B4-BE49-F238E27FC236}">
-                <a16:creationId xmlns:a16="http://schemas.microsoft.com/office/drawing/2014/main" id="{08D197E9-4441-4925-95CF-0D4BA43F2984}"/>
-              </a:ext>
-            </a:extLst>
-          </p:cNvPr>
-          <p:cNvPicPr>
-            <a:picLocks noChangeAspect="1"/>
-          </p:cNvPicPr>
-          <p:nvPr/>
-        </p:nvPicPr>
-        <p:blipFill>
-          <a:blip r:embed="rId2">
-            <a:extLst>
-              <a:ext uri="{28A0092B-C50C-407E-A947-70E740481C1C}">
-                <a14:useLocalDpi xmlns:a14="http://schemas.microsoft.com/office/drawing/2010/main" val="0"/>
-              </a:ext>
-            </a:extLst>
-          </a:blip>
-          <a:stretch>
-            <a:fillRect/>
-          </a:stretch>
-        </p:blipFill>
-        <p:spPr>
-          <a:xfrm flipV="1">
-            <a:off x="828392" y="172418"/>
-            <a:ext cx="914051" cy="833873"/>
-          </a:xfrm>
-          <a:prstGeom prst="rect">
-            <a:avLst/>
-          </a:prstGeom>
-        </p:spPr>
-      </p:pic>
-      <p:pic>
-        <p:nvPicPr>
-          <p:cNvPr id="7" name="Obraz 6">
-            <a:extLst>
-              <a:ext uri="{FF2B5EF4-FFF2-40B4-BE49-F238E27FC236}">
-                <a16:creationId xmlns:a16="http://schemas.microsoft.com/office/drawing/2014/main" id="{73A1037B-B32D-4A3E-9927-94C554FDC556}"/>
-              </a:ext>
-            </a:extLst>
-          </p:cNvPr>
-          <p:cNvPicPr>
-            <a:picLocks noChangeAspect="1"/>
-          </p:cNvPicPr>
-          <p:nvPr/>
-        </p:nvPicPr>
-        <p:blipFill>
-          <a:blip r:embed="rId3" cstate="print">
-            <a:extLst>
-              <a:ext uri="{28A0092B-C50C-407E-A947-70E740481C1C}">
-                <a14:useLocalDpi xmlns:a14="http://schemas.microsoft.com/office/drawing/2010/main" val="0"/>
-              </a:ext>
-            </a:extLst>
-          </a:blip>
-          <a:stretch>
-            <a:fillRect/>
-          </a:stretch>
-        </p:blipFill>
-        <p:spPr>
-          <a:xfrm flipV="1">
-            <a:off x="94317" y="609398"/>
-            <a:ext cx="914051" cy="833873"/>
-          </a:xfrm>
-          <a:prstGeom prst="rect">
-            <a:avLst/>
-          </a:prstGeom>
-        </p:spPr>
-      </p:pic>
-      <p:pic>
-        <p:nvPicPr>
-          <p:cNvPr id="8" name="Obraz 7" descr="Obraz zawierający obiekt&#10;&#10;Opis wygenerowany przy wysokim poziomie pewności">
-            <a:extLst>
-              <a:ext uri="{FF2B5EF4-FFF2-40B4-BE49-F238E27FC236}">
-                <a16:creationId xmlns:a16="http://schemas.microsoft.com/office/drawing/2014/main" id="{066D9C9F-B27E-4547-8783-E178044ADB78}"/>
-              </a:ext>
-            </a:extLst>
-          </p:cNvPr>
-          <p:cNvPicPr>
-            <a:picLocks noChangeAspect="1"/>
-          </p:cNvPicPr>
-          <p:nvPr/>
-        </p:nvPicPr>
-        <p:blipFill>
-          <a:blip r:embed="rId2">
-            <a:extLst>
-              <a:ext uri="{28A0092B-C50C-407E-A947-70E740481C1C}">
-                <a14:useLocalDpi xmlns:a14="http://schemas.microsoft.com/office/drawing/2010/main" val="0"/>
-              </a:ext>
-            </a:extLst>
-          </a:blip>
-          <a:stretch>
-            <a:fillRect/>
-          </a:stretch>
-        </p:blipFill>
-        <p:spPr>
-          <a:xfrm flipV="1">
-            <a:off x="828392" y="1043604"/>
-            <a:ext cx="914051" cy="833873"/>
-          </a:xfrm>
-          <a:prstGeom prst="rect">
-            <a:avLst/>
-          </a:prstGeom>
-        </p:spPr>
-      </p:pic>
-      <p:sp>
-        <p:nvSpPr>
-          <p:cNvPr id="9" name="pole tekstowe 8">
-            <a:extLst>
-              <a:ext uri="{FF2B5EF4-FFF2-40B4-BE49-F238E27FC236}">
-                <a16:creationId xmlns:a16="http://schemas.microsoft.com/office/drawing/2014/main" id="{1FD2F6A8-B100-4918-8CF5-FF878B9D3E79}"/>
-              </a:ext>
-            </a:extLst>
-          </p:cNvPr>
-          <p:cNvSpPr txBox="1"/>
-          <p:nvPr/>
-        </p:nvSpPr>
-        <p:spPr>
-          <a:xfrm>
-            <a:off x="1595268" y="683026"/>
-            <a:ext cx="5516731" cy="646331"/>
-          </a:xfrm>
-          <a:prstGeom prst="rect">
-            <a:avLst/>
-          </a:prstGeom>
-          <a:noFill/>
-        </p:spPr>
-        <p:txBody>
-          <a:bodyPr wrap="square" rtlCol="0">
-            <a:spAutoFit/>
-          </a:bodyPr>
-          <a:lstStyle/>
-          <a:p>
-            <a:r>
-              <a:rPr lang="pl-PL" sz="3600" b="1" dirty="0">
-                <a:solidFill>
-                  <a:srgbClr val="131332"/>
-                </a:solidFill>
-              </a:rPr>
-              <a:t>FURTHER </a:t>
-            </a:r>
-            <a:r>
-              <a:rPr lang="pl-PL" sz="3600" b="1" dirty="0">
-                <a:solidFill>
-                  <a:srgbClr val="00A6CC"/>
-                </a:solidFill>
-              </a:rPr>
-              <a:t>GROWTH</a:t>
-            </a:r>
-          </a:p>
-        </p:txBody>
-      </p:sp>
-      <p:sp>
-        <p:nvSpPr>
-          <p:cNvPr id="11" name="pole tekstowe 10">
-            <a:extLst>
-              <a:ext uri="{FF2B5EF4-FFF2-40B4-BE49-F238E27FC236}">
-                <a16:creationId xmlns:a16="http://schemas.microsoft.com/office/drawing/2014/main" id="{E5165AF6-A6C1-4F94-8560-D81515D536E3}"/>
-              </a:ext>
-            </a:extLst>
-          </p:cNvPr>
-          <p:cNvSpPr txBox="1"/>
-          <p:nvPr/>
-        </p:nvSpPr>
-        <p:spPr>
-          <a:xfrm>
-            <a:off x="828392" y="2128242"/>
-            <a:ext cx="1891607" cy="1015663"/>
-          </a:xfrm>
-          <a:prstGeom prst="rect">
-            <a:avLst/>
-          </a:prstGeom>
-          <a:noFill/>
-        </p:spPr>
-        <p:txBody>
-          <a:bodyPr wrap="square" rtlCol="0">
-            <a:spAutoFit/>
-          </a:bodyPr>
-          <a:lstStyle/>
-          <a:p>
-            <a:r>
-              <a:rPr lang="pl-PL" sz="6000" dirty="0">
-                <a:solidFill>
-                  <a:srgbClr val="0070C0"/>
-                </a:solidFill>
-              </a:rPr>
-              <a:t>1.</a:t>
-            </a:r>
-          </a:p>
-        </p:txBody>
-      </p:sp>
-      <p:pic>
-        <p:nvPicPr>
-          <p:cNvPr id="15" name="Obraz 14">
-            <a:extLst>
-              <a:ext uri="{FF2B5EF4-FFF2-40B4-BE49-F238E27FC236}">
-                <a16:creationId xmlns:a16="http://schemas.microsoft.com/office/drawing/2014/main" id="{99286949-3FBA-4EAE-812D-7B364EEC2EBA}"/>
-              </a:ext>
-            </a:extLst>
-          </p:cNvPr>
-          <p:cNvPicPr>
-            <a:picLocks noChangeAspect="1"/>
-          </p:cNvPicPr>
-          <p:nvPr/>
-        </p:nvPicPr>
-        <p:blipFill>
-          <a:blip r:embed="rId4"/>
-          <a:stretch>
-            <a:fillRect/>
-          </a:stretch>
-        </p:blipFill>
-        <p:spPr>
-          <a:xfrm flipH="1">
-            <a:off x="6566168" y="1126124"/>
-            <a:ext cx="11063030" cy="6037231"/>
-          </a:xfrm>
-          <a:prstGeom prst="rect">
-            <a:avLst/>
-          </a:prstGeom>
-        </p:spPr>
-      </p:pic>
-      <p:sp>
-        <p:nvSpPr>
-          <p:cNvPr id="16" name="pole tekstowe 15">
-            <a:extLst>
-              <a:ext uri="{FF2B5EF4-FFF2-40B4-BE49-F238E27FC236}">
-                <a16:creationId xmlns:a16="http://schemas.microsoft.com/office/drawing/2014/main" id="{8A596134-67C9-41F3-817F-0E9D566095DE}"/>
-              </a:ext>
-            </a:extLst>
-          </p:cNvPr>
-          <p:cNvSpPr txBox="1"/>
-          <p:nvPr/>
-        </p:nvSpPr>
-        <p:spPr>
-          <a:xfrm>
-            <a:off x="835274" y="3281363"/>
-            <a:ext cx="1891607" cy="1015663"/>
-          </a:xfrm>
-          <a:prstGeom prst="rect">
-            <a:avLst/>
-          </a:prstGeom>
-          <a:noFill/>
-        </p:spPr>
-        <p:txBody>
-          <a:bodyPr wrap="square" rtlCol="0">
-            <a:spAutoFit/>
-          </a:bodyPr>
-          <a:lstStyle/>
-          <a:p>
-            <a:r>
-              <a:rPr lang="pl-PL" sz="6000" dirty="0">
-                <a:solidFill>
-                  <a:srgbClr val="0070C0"/>
-                </a:solidFill>
-              </a:rPr>
-              <a:t>2.</a:t>
-            </a:r>
-          </a:p>
-        </p:txBody>
-      </p:sp>
-      <p:sp>
-        <p:nvSpPr>
-          <p:cNvPr id="17" name="pole tekstowe 16">
-            <a:extLst>
-              <a:ext uri="{FF2B5EF4-FFF2-40B4-BE49-F238E27FC236}">
-                <a16:creationId xmlns:a16="http://schemas.microsoft.com/office/drawing/2014/main" id="{ADB286E6-F2CB-4A76-B5AD-1C45575E995B}"/>
-              </a:ext>
-            </a:extLst>
-          </p:cNvPr>
-          <p:cNvSpPr txBox="1"/>
-          <p:nvPr/>
-        </p:nvSpPr>
-        <p:spPr>
-          <a:xfrm>
-            <a:off x="843646" y="4354767"/>
-            <a:ext cx="1891607" cy="1015663"/>
-          </a:xfrm>
-          <a:prstGeom prst="rect">
-            <a:avLst/>
-          </a:prstGeom>
-          <a:noFill/>
-        </p:spPr>
-        <p:txBody>
-          <a:bodyPr wrap="square" rtlCol="0">
-            <a:spAutoFit/>
-          </a:bodyPr>
-          <a:lstStyle/>
-          <a:p>
-            <a:r>
-              <a:rPr lang="pl-PL" sz="6000" dirty="0">
-                <a:solidFill>
-                  <a:srgbClr val="0070C0"/>
-                </a:solidFill>
-              </a:rPr>
-              <a:t>3.</a:t>
-            </a:r>
-          </a:p>
-        </p:txBody>
-      </p:sp>
-      <p:pic>
-        <p:nvPicPr>
-          <p:cNvPr id="19" name="Obraz 18">
-            <a:extLst>
-              <a:ext uri="{FF2B5EF4-FFF2-40B4-BE49-F238E27FC236}">
-                <a16:creationId xmlns:a16="http://schemas.microsoft.com/office/drawing/2014/main" id="{558D24D3-671E-4A5D-BBA2-02F7D6BF1874}"/>
-              </a:ext>
-            </a:extLst>
-          </p:cNvPr>
-          <p:cNvPicPr>
-            <a:picLocks noChangeAspect="1"/>
-          </p:cNvPicPr>
-          <p:nvPr/>
-        </p:nvPicPr>
-        <p:blipFill rotWithShape="1">
-          <a:blip r:embed="rId5" cstate="print">
-            <a:extLst>
-              <a:ext uri="{BEBA8EAE-BF5A-486C-A8C5-ECC9F3942E4B}">
-                <a14:imgProps xmlns:a14="http://schemas.microsoft.com/office/drawing/2010/main">
-                  <a14:imgLayer r:embed="rId6">
-                    <a14:imgEffect>
-                      <a14:saturation sat="64000"/>
-                    </a14:imgEffect>
-                  </a14:imgLayer>
-                </a14:imgProps>
-              </a:ext>
-              <a:ext uri="{28A0092B-C50C-407E-A947-70E740481C1C}">
-                <a14:useLocalDpi xmlns:a14="http://schemas.microsoft.com/office/drawing/2010/main" val="0"/>
-              </a:ext>
-            </a:extLst>
-          </a:blip>
-          <a:srcRect l="18073" t="18479" r="22445" b="34772"/>
-          <a:stretch/>
-        </p:blipFill>
-        <p:spPr>
-          <a:xfrm>
-            <a:off x="5600700" y="5310006"/>
-            <a:ext cx="1564642" cy="1331434"/>
-          </a:xfrm>
-          <a:prstGeom prst="rect">
-            <a:avLst/>
-          </a:prstGeom>
-          <a:noFill/>
-        </p:spPr>
-      </p:pic>
-      <p:sp>
-        <p:nvSpPr>
-          <p:cNvPr id="21" name="pole tekstowe 20">
-            <a:extLst>
-              <a:ext uri="{FF2B5EF4-FFF2-40B4-BE49-F238E27FC236}">
-                <a16:creationId xmlns:a16="http://schemas.microsoft.com/office/drawing/2014/main" id="{DAAD7D64-ABED-4772-95BC-45FC7F0DFA0E}"/>
-              </a:ext>
-            </a:extLst>
-          </p:cNvPr>
-          <p:cNvSpPr txBox="1"/>
-          <p:nvPr/>
-        </p:nvSpPr>
-        <p:spPr>
-          <a:xfrm>
-            <a:off x="1595268" y="2149515"/>
-            <a:ext cx="8786257" cy="892552"/>
-          </a:xfrm>
-          <a:prstGeom prst="rect">
-            <a:avLst/>
-          </a:prstGeom>
-          <a:noFill/>
-        </p:spPr>
-        <p:txBody>
-          <a:bodyPr wrap="square" rtlCol="0">
-            <a:spAutoFit/>
-          </a:bodyPr>
-          <a:lstStyle/>
-          <a:p>
-            <a:r>
-              <a:rPr lang="pl-PL" sz="3200" b="1" dirty="0">
-                <a:latin typeface="Calibri (Tekst podstawowy)"/>
-              </a:rPr>
-              <a:t>EXPAND TO UNIVERSITIES</a:t>
-            </a:r>
-          </a:p>
-          <a:p>
-            <a:r>
-              <a:rPr lang="pl-PL" sz="2000" b="1" i="1" dirty="0">
-                <a:solidFill>
-                  <a:schemeClr val="bg1">
-                    <a:lumMod val="65000"/>
-                  </a:schemeClr>
-                </a:solidFill>
-              </a:rPr>
-              <a:t>FROM ALL AROUND THE WORLD</a:t>
-            </a:r>
-            <a:endParaRPr lang="pl-PL" sz="2800" dirty="0">
-              <a:solidFill>
-                <a:schemeClr val="bg2">
-                  <a:lumMod val="50000"/>
-                </a:schemeClr>
-              </a:solidFill>
-            </a:endParaRPr>
-          </a:p>
-        </p:txBody>
-      </p:sp>
-      <p:sp>
-        <p:nvSpPr>
-          <p:cNvPr id="20" name="pole tekstowe 19">
-            <a:extLst>
-              <a:ext uri="{FF2B5EF4-FFF2-40B4-BE49-F238E27FC236}">
-                <a16:creationId xmlns:a16="http://schemas.microsoft.com/office/drawing/2014/main" id="{CC887E1B-AFD7-4BD5-A67C-8E4DEAF239BF}"/>
-              </a:ext>
-            </a:extLst>
-          </p:cNvPr>
-          <p:cNvSpPr txBox="1"/>
-          <p:nvPr/>
-        </p:nvSpPr>
-        <p:spPr>
-          <a:xfrm>
-            <a:off x="1572067" y="3324613"/>
-            <a:ext cx="8786257" cy="892552"/>
-          </a:xfrm>
-          <a:prstGeom prst="rect">
-            <a:avLst/>
-          </a:prstGeom>
-          <a:noFill/>
-        </p:spPr>
-        <p:txBody>
-          <a:bodyPr wrap="square" rtlCol="0">
-            <a:spAutoFit/>
-          </a:bodyPr>
-          <a:lstStyle/>
-          <a:p>
-            <a:r>
-              <a:rPr lang="pl-PL" sz="3200" b="1" dirty="0">
-                <a:latin typeface="Calibri (Tekst podstawowy)"/>
-              </a:rPr>
-              <a:t>COOPERATE WITH </a:t>
-            </a:r>
-            <a:r>
-              <a:rPr lang="pl-PL" sz="3200" b="1" dirty="0" err="1">
-                <a:latin typeface="Calibri (Tekst podstawowy)"/>
-              </a:rPr>
-              <a:t>NGOs</a:t>
-            </a:r>
-            <a:endParaRPr lang="pl-PL" sz="3200" b="1" dirty="0">
-              <a:latin typeface="Calibri (Tekst podstawowy)"/>
-            </a:endParaRPr>
-          </a:p>
-          <a:p>
-            <a:r>
-              <a:rPr lang="pl-PL" sz="2000" b="1" i="1" dirty="0">
-                <a:solidFill>
-                  <a:schemeClr val="bg1">
-                    <a:lumMod val="65000"/>
-                  </a:schemeClr>
-                </a:solidFill>
-              </a:rPr>
-              <a:t>ACCELERATE STUDENTS RESUME</a:t>
-            </a:r>
-            <a:endParaRPr lang="pl-PL" sz="2800" dirty="0">
-              <a:solidFill>
-                <a:schemeClr val="bg2">
-                  <a:lumMod val="50000"/>
-                </a:schemeClr>
-              </a:solidFill>
-            </a:endParaRPr>
-          </a:p>
-        </p:txBody>
-      </p:sp>
-      <p:sp>
-        <p:nvSpPr>
-          <p:cNvPr id="26" name="pole tekstowe 25">
-            <a:extLst>
-              <a:ext uri="{FF2B5EF4-FFF2-40B4-BE49-F238E27FC236}">
-                <a16:creationId xmlns:a16="http://schemas.microsoft.com/office/drawing/2014/main" id="{541E63A0-CA40-4009-9648-39256D892809}"/>
-              </a:ext>
-            </a:extLst>
-          </p:cNvPr>
-          <p:cNvSpPr txBox="1"/>
-          <p:nvPr/>
-        </p:nvSpPr>
-        <p:spPr>
-          <a:xfrm>
-            <a:off x="1572066" y="4388584"/>
-            <a:ext cx="8786257" cy="892552"/>
-          </a:xfrm>
-          <a:prstGeom prst="rect">
-            <a:avLst/>
-          </a:prstGeom>
-          <a:noFill/>
-        </p:spPr>
-        <p:txBody>
-          <a:bodyPr wrap="square" rtlCol="0">
-            <a:spAutoFit/>
-          </a:bodyPr>
-          <a:lstStyle/>
-          <a:p>
-            <a:r>
-              <a:rPr lang="pl-PL" sz="3200" b="1" dirty="0">
-                <a:latin typeface="Calibri (Tekst podstawowy)"/>
-              </a:rPr>
-              <a:t>BUSINESS AND STARTUPS</a:t>
-            </a:r>
-          </a:p>
-          <a:p>
-            <a:r>
-              <a:rPr lang="pl-PL" sz="2000" b="1" i="1" dirty="0">
-                <a:solidFill>
-                  <a:schemeClr val="bg1">
-                    <a:lumMod val="65000"/>
-                  </a:schemeClr>
-                </a:solidFill>
-              </a:rPr>
-              <a:t>BUILD YOUR CARRIER</a:t>
-            </a:r>
-            <a:endParaRPr lang="pl-PL" sz="2800" dirty="0">
-              <a:solidFill>
-                <a:schemeClr val="bg2">
-                  <a:lumMod val="50000"/>
-                </a:schemeClr>
-              </a:solidFill>
-            </a:endParaRPr>
-          </a:p>
-        </p:txBody>
-      </p:sp>
-    </p:spTree>
-    <p:extLst>
-      <p:ext uri="{BB962C8B-B14F-4D97-AF65-F5344CB8AC3E}">
-        <p14:creationId xmlns:p14="http://schemas.microsoft.com/office/powerpoint/2010/main" val="1066369564"/>
-      </p:ext>
-    </p:extLst>
-  </p:cSld>
-  <p:clrMapOvr>
-    <a:masterClrMapping/>
-  </p:clrMapOvr>
-  <p:transition spd="slow">
-    <p:push dir="u"/>
-  </p:transition>
-  <p:timing>
-    <p:tnLst>
-      <p:par>
-        <p:cTn id="1" dur="indefinite" restart="never" nodeType="tmRoot">
-          <p:childTnLst>
-            <p:seq concurrent="1" nextAc="seek">
-              <p:cTn id="2" dur="indefinite" nodeType="mainSeq">
-                <p:childTnLst>
-                  <p:par>
-                    <p:cTn id="3" fill="hold">
-                      <p:stCondLst>
-                        <p:cond delay="indefinite"/>
-                        <p:cond evt="onBegin" delay="0">
-                          <p:tn val="2"/>
-                        </p:cond>
-                      </p:stCondLst>
-                      <p:childTnLst>
-                        <p:par>
-                          <p:cTn id="4" fill="hold">
-                            <p:stCondLst>
-                              <p:cond delay="0"/>
-                            </p:stCondLst>
-                            <p:childTnLst>
-                              <p:par>
-                                <p:cTn id="5" presetID="0" presetClass="path" presetSubtype="0" accel="50000" decel="50000" fill="hold" nodeType="withEffect">
-                                  <p:stCondLst>
-                                    <p:cond delay="0"/>
-                                  </p:stCondLst>
-                                  <p:childTnLst>
-                                    <p:animMotion origin="layout" path="M -2.91667E-6 7.40741E-7 L 0.17266 -0.16806 L 0.28425 -0.4463 L 0.37227 -0.56968 " pathEditMode="relative" rAng="0" ptsTypes="AAAA">
-                                      <p:cBhvr>
-                                        <p:cTn id="6" dur="3700" fill="hold"/>
-                                        <p:tgtEl>
-                                          <p:spTgt spid="19"/>
-                                        </p:tgtEl>
-                                        <p:attrNameLst>
-                                          <p:attrName>ppt_x</p:attrName>
-                                          <p:attrName>ppt_y</p:attrName>
-                                        </p:attrNameLst>
-                                      </p:cBhvr>
-                                      <p:rCtr x="18607" y="-28495"/>
-                                    </p:animMotion>
-                                  </p:childTnLst>
-                                </p:cTn>
-                              </p:par>
-                              <p:par>
-                                <p:cTn id="7" presetID="42" presetClass="entr" presetSubtype="0" fill="hold" grpId="0" nodeType="withEffect">
-                                  <p:stCondLst>
-                                    <p:cond delay="0"/>
-                                  </p:stCondLst>
-                                  <p:childTnLst>
-                                    <p:set>
-                                      <p:cBhvr>
-                                        <p:cTn id="8" dur="1" fill="hold">
-                                          <p:stCondLst>
-                                            <p:cond delay="0"/>
-                                          </p:stCondLst>
-                                        </p:cTn>
-                                        <p:tgtEl>
-                                          <p:spTgt spid="21"/>
-                                        </p:tgtEl>
-                                        <p:attrNameLst>
-                                          <p:attrName>style.visibility</p:attrName>
-                                        </p:attrNameLst>
-                                      </p:cBhvr>
-                                      <p:to>
-                                        <p:strVal val="visible"/>
-                                      </p:to>
-                                    </p:set>
-                                    <p:animEffect transition="in" filter="fade">
-                                      <p:cBhvr>
-                                        <p:cTn id="9" dur="1000"/>
-                                        <p:tgtEl>
-                                          <p:spTgt spid="21"/>
-                                        </p:tgtEl>
-                                      </p:cBhvr>
-                                    </p:animEffect>
-                                    <p:anim calcmode="lin" valueType="num">
-                                      <p:cBhvr>
-                                        <p:cTn id="10" dur="1000" fill="hold"/>
-                                        <p:tgtEl>
-                                          <p:spTgt spid="21"/>
-                                        </p:tgtEl>
-                                        <p:attrNameLst>
-                                          <p:attrName>ppt_x</p:attrName>
-                                        </p:attrNameLst>
-                                      </p:cBhvr>
-                                      <p:tavLst>
-                                        <p:tav tm="0">
-                                          <p:val>
-                                            <p:strVal val="#ppt_x"/>
-                                          </p:val>
-                                        </p:tav>
-                                        <p:tav tm="100000">
-                                          <p:val>
-                                            <p:strVal val="#ppt_x"/>
-                                          </p:val>
-                                        </p:tav>
-                                      </p:tavLst>
-                                    </p:anim>
-                                    <p:anim calcmode="lin" valueType="num">
-                                      <p:cBhvr>
-                                        <p:cTn id="11" dur="1000" fill="hold"/>
-                                        <p:tgtEl>
-                                          <p:spTgt spid="21"/>
-                                        </p:tgtEl>
-                                        <p:attrNameLst>
-                                          <p:attrName>ppt_y</p:attrName>
-                                        </p:attrNameLst>
-                                      </p:cBhvr>
-                                      <p:tavLst>
-                                        <p:tav tm="0">
-                                          <p:val>
-                                            <p:strVal val="#ppt_y+.1"/>
-                                          </p:val>
-                                        </p:tav>
-                                        <p:tav tm="100000">
-                                          <p:val>
-                                            <p:strVal val="#ppt_y"/>
-                                          </p:val>
-                                        </p:tav>
-                                      </p:tavLst>
-                                    </p:anim>
-                                  </p:childTnLst>
-                                </p:cTn>
-                              </p:par>
-                              <p:par>
-                                <p:cTn id="12" presetID="42" presetClass="entr" presetSubtype="0" fill="hold" grpId="0" nodeType="withEffect">
-                                  <p:stCondLst>
-                                    <p:cond delay="0"/>
-                                  </p:stCondLst>
-                                  <p:childTnLst>
-                                    <p:set>
-                                      <p:cBhvr>
-                                        <p:cTn id="13" dur="1" fill="hold">
-                                          <p:stCondLst>
-                                            <p:cond delay="0"/>
-                                          </p:stCondLst>
-                                        </p:cTn>
-                                        <p:tgtEl>
-                                          <p:spTgt spid="11"/>
-                                        </p:tgtEl>
-                                        <p:attrNameLst>
-                                          <p:attrName>style.visibility</p:attrName>
-                                        </p:attrNameLst>
-                                      </p:cBhvr>
-                                      <p:to>
-                                        <p:strVal val="visible"/>
-                                      </p:to>
-                                    </p:set>
-                                    <p:animEffect transition="in" filter="fade">
-                                      <p:cBhvr>
-                                        <p:cTn id="14" dur="1000"/>
-                                        <p:tgtEl>
-                                          <p:spTgt spid="11"/>
-                                        </p:tgtEl>
-                                      </p:cBhvr>
-                                    </p:animEffect>
-                                    <p:anim calcmode="lin" valueType="num">
-                                      <p:cBhvr>
-                                        <p:cTn id="15" dur="1000" fill="hold"/>
-                                        <p:tgtEl>
-                                          <p:spTgt spid="11"/>
-                                        </p:tgtEl>
-                                        <p:attrNameLst>
-                                          <p:attrName>ppt_x</p:attrName>
-                                        </p:attrNameLst>
-                                      </p:cBhvr>
-                                      <p:tavLst>
-                                        <p:tav tm="0">
-                                          <p:val>
-                                            <p:strVal val="#ppt_x"/>
-                                          </p:val>
-                                        </p:tav>
-                                        <p:tav tm="100000">
-                                          <p:val>
-                                            <p:strVal val="#ppt_x"/>
-                                          </p:val>
-                                        </p:tav>
-                                      </p:tavLst>
-                                    </p:anim>
-                                    <p:anim calcmode="lin" valueType="num">
-                                      <p:cBhvr>
-                                        <p:cTn id="16" dur="1000" fill="hold"/>
-                                        <p:tgtEl>
-                                          <p:spTgt spid="11"/>
-                                        </p:tgtEl>
-                                        <p:attrNameLst>
-                                          <p:attrName>ppt_y</p:attrName>
-                                        </p:attrNameLst>
-                                      </p:cBhvr>
-                                      <p:tavLst>
-                                        <p:tav tm="0">
-                                          <p:val>
-                                            <p:strVal val="#ppt_y+.1"/>
-                                          </p:val>
-                                        </p:tav>
-                                        <p:tav tm="100000">
-                                          <p:val>
-                                            <p:strVal val="#ppt_y"/>
-                                          </p:val>
-                                        </p:tav>
-                                      </p:tavLst>
-                                    </p:anim>
-                                  </p:childTnLst>
-                                </p:cTn>
-                              </p:par>
-                              <p:par>
-                                <p:cTn id="17" presetID="42" presetClass="entr" presetSubtype="0" fill="hold" grpId="0" nodeType="withEffect">
-                                  <p:stCondLst>
-                                    <p:cond delay="900"/>
-                                  </p:stCondLst>
-                                  <p:childTnLst>
-                                    <p:set>
-                                      <p:cBhvr>
-                                        <p:cTn id="18" dur="1" fill="hold">
-                                          <p:stCondLst>
-                                            <p:cond delay="0"/>
-                                          </p:stCondLst>
-                                        </p:cTn>
-                                        <p:tgtEl>
-                                          <p:spTgt spid="20"/>
-                                        </p:tgtEl>
-                                        <p:attrNameLst>
-                                          <p:attrName>style.visibility</p:attrName>
-                                        </p:attrNameLst>
-                                      </p:cBhvr>
-                                      <p:to>
-                                        <p:strVal val="visible"/>
-                                      </p:to>
-                                    </p:set>
-                                    <p:animEffect transition="in" filter="fade">
-                                      <p:cBhvr>
-                                        <p:cTn id="19" dur="1000"/>
-                                        <p:tgtEl>
-                                          <p:spTgt spid="20"/>
-                                        </p:tgtEl>
-                                      </p:cBhvr>
-                                    </p:animEffect>
-                                    <p:anim calcmode="lin" valueType="num">
-                                      <p:cBhvr>
-                                        <p:cTn id="20" dur="1000" fill="hold"/>
-                                        <p:tgtEl>
-                                          <p:spTgt spid="20"/>
-                                        </p:tgtEl>
-                                        <p:attrNameLst>
-                                          <p:attrName>ppt_x</p:attrName>
-                                        </p:attrNameLst>
-                                      </p:cBhvr>
-                                      <p:tavLst>
-                                        <p:tav tm="0">
-                                          <p:val>
-                                            <p:strVal val="#ppt_x"/>
-                                          </p:val>
-                                        </p:tav>
-                                        <p:tav tm="100000">
-                                          <p:val>
-                                            <p:strVal val="#ppt_x"/>
-                                          </p:val>
-                                        </p:tav>
-                                      </p:tavLst>
-                                    </p:anim>
-                                    <p:anim calcmode="lin" valueType="num">
-                                      <p:cBhvr>
-                                        <p:cTn id="21" dur="1000" fill="hold"/>
-                                        <p:tgtEl>
-                                          <p:spTgt spid="20"/>
-                                        </p:tgtEl>
-                                        <p:attrNameLst>
-                                          <p:attrName>ppt_y</p:attrName>
-                                        </p:attrNameLst>
-                                      </p:cBhvr>
-                                      <p:tavLst>
-                                        <p:tav tm="0">
-                                          <p:val>
-                                            <p:strVal val="#ppt_y+.1"/>
-                                          </p:val>
-                                        </p:tav>
-                                        <p:tav tm="100000">
-                                          <p:val>
-                                            <p:strVal val="#ppt_y"/>
-                                          </p:val>
-                                        </p:tav>
-                                      </p:tavLst>
-                                    </p:anim>
-                                  </p:childTnLst>
-                                </p:cTn>
-                              </p:par>
-                              <p:par>
-                                <p:cTn id="22" presetID="42" presetClass="entr" presetSubtype="0" fill="hold" grpId="0" nodeType="withEffect">
-                                  <p:stCondLst>
-                                    <p:cond delay="900"/>
-                                  </p:stCondLst>
-                                  <p:childTnLst>
-                                    <p:set>
-                                      <p:cBhvr>
-                                        <p:cTn id="23" dur="1" fill="hold">
-                                          <p:stCondLst>
-                                            <p:cond delay="0"/>
-                                          </p:stCondLst>
-                                        </p:cTn>
-                                        <p:tgtEl>
-                                          <p:spTgt spid="16"/>
-                                        </p:tgtEl>
-                                        <p:attrNameLst>
-                                          <p:attrName>style.visibility</p:attrName>
-                                        </p:attrNameLst>
-                                      </p:cBhvr>
-                                      <p:to>
-                                        <p:strVal val="visible"/>
-                                      </p:to>
-                                    </p:set>
-                                    <p:animEffect transition="in" filter="fade">
-                                      <p:cBhvr>
-                                        <p:cTn id="24" dur="1000"/>
-                                        <p:tgtEl>
-                                          <p:spTgt spid="16"/>
-                                        </p:tgtEl>
-                                      </p:cBhvr>
-                                    </p:animEffect>
-                                    <p:anim calcmode="lin" valueType="num">
-                                      <p:cBhvr>
-                                        <p:cTn id="25" dur="1000" fill="hold"/>
-                                        <p:tgtEl>
-                                          <p:spTgt spid="16"/>
-                                        </p:tgtEl>
-                                        <p:attrNameLst>
-                                          <p:attrName>ppt_x</p:attrName>
-                                        </p:attrNameLst>
-                                      </p:cBhvr>
-                                      <p:tavLst>
-                                        <p:tav tm="0">
-                                          <p:val>
-                                            <p:strVal val="#ppt_x"/>
-                                          </p:val>
-                                        </p:tav>
-                                        <p:tav tm="100000">
-                                          <p:val>
-                                            <p:strVal val="#ppt_x"/>
-                                          </p:val>
-                                        </p:tav>
-                                      </p:tavLst>
-                                    </p:anim>
-                                    <p:anim calcmode="lin" valueType="num">
-                                      <p:cBhvr>
-                                        <p:cTn id="26" dur="1000" fill="hold"/>
-                                        <p:tgtEl>
-                                          <p:spTgt spid="16"/>
-                                        </p:tgtEl>
-                                        <p:attrNameLst>
-                                          <p:attrName>ppt_y</p:attrName>
-                                        </p:attrNameLst>
-                                      </p:cBhvr>
-                                      <p:tavLst>
-                                        <p:tav tm="0">
-                                          <p:val>
-                                            <p:strVal val="#ppt_y+.1"/>
-                                          </p:val>
-                                        </p:tav>
-                                        <p:tav tm="100000">
-                                          <p:val>
-                                            <p:strVal val="#ppt_y"/>
-                                          </p:val>
-                                        </p:tav>
-                                      </p:tavLst>
-                                    </p:anim>
-                                  </p:childTnLst>
-                                </p:cTn>
-                              </p:par>
-                              <p:par>
-                                <p:cTn id="27" presetID="42" presetClass="entr" presetSubtype="0" fill="hold" grpId="0" nodeType="withEffect">
-                                  <p:stCondLst>
-                                    <p:cond delay="1900"/>
-                                  </p:stCondLst>
-                                  <p:childTnLst>
-                                    <p:set>
-                                      <p:cBhvr>
-                                        <p:cTn id="28" dur="1" fill="hold">
-                                          <p:stCondLst>
-                                            <p:cond delay="0"/>
-                                          </p:stCondLst>
-                                        </p:cTn>
-                                        <p:tgtEl>
-                                          <p:spTgt spid="17"/>
-                                        </p:tgtEl>
-                                        <p:attrNameLst>
-                                          <p:attrName>style.visibility</p:attrName>
-                                        </p:attrNameLst>
-                                      </p:cBhvr>
-                                      <p:to>
-                                        <p:strVal val="visible"/>
-                                      </p:to>
-                                    </p:set>
-                                    <p:animEffect transition="in" filter="fade">
-                                      <p:cBhvr>
-                                        <p:cTn id="29" dur="1000"/>
-                                        <p:tgtEl>
-                                          <p:spTgt spid="17"/>
-                                        </p:tgtEl>
-                                      </p:cBhvr>
-                                    </p:animEffect>
-                                    <p:anim calcmode="lin" valueType="num">
-                                      <p:cBhvr>
-                                        <p:cTn id="30" dur="1000" fill="hold"/>
-                                        <p:tgtEl>
-                                          <p:spTgt spid="17"/>
-                                        </p:tgtEl>
-                                        <p:attrNameLst>
-                                          <p:attrName>ppt_x</p:attrName>
-                                        </p:attrNameLst>
-                                      </p:cBhvr>
-                                      <p:tavLst>
-                                        <p:tav tm="0">
-                                          <p:val>
-                                            <p:strVal val="#ppt_x"/>
-                                          </p:val>
-                                        </p:tav>
-                                        <p:tav tm="100000">
-                                          <p:val>
-                                            <p:strVal val="#ppt_x"/>
-                                          </p:val>
-                                        </p:tav>
-                                      </p:tavLst>
-                                    </p:anim>
-                                    <p:anim calcmode="lin" valueType="num">
-                                      <p:cBhvr>
-                                        <p:cTn id="31" dur="1000" fill="hold"/>
-                                        <p:tgtEl>
-                                          <p:spTgt spid="17"/>
-                                        </p:tgtEl>
-                                        <p:attrNameLst>
-                                          <p:attrName>ppt_y</p:attrName>
-                                        </p:attrNameLst>
-                                      </p:cBhvr>
-                                      <p:tavLst>
-                                        <p:tav tm="0">
-                                          <p:val>
-                                            <p:strVal val="#ppt_y+.1"/>
-                                          </p:val>
-                                        </p:tav>
-                                        <p:tav tm="100000">
-                                          <p:val>
-                                            <p:strVal val="#ppt_y"/>
-                                          </p:val>
-                                        </p:tav>
-                                      </p:tavLst>
-                                    </p:anim>
-                                  </p:childTnLst>
-                                </p:cTn>
-                              </p:par>
-                              <p:par>
-                                <p:cTn id="32" presetID="42" presetClass="entr" presetSubtype="0" fill="hold" grpId="0" nodeType="withEffect">
-                                  <p:stCondLst>
-                                    <p:cond delay="1800"/>
-                                  </p:stCondLst>
-                                  <p:childTnLst>
-                                    <p:set>
-                                      <p:cBhvr>
-                                        <p:cTn id="33" dur="1" fill="hold">
-                                          <p:stCondLst>
-                                            <p:cond delay="0"/>
-                                          </p:stCondLst>
-                                        </p:cTn>
-                                        <p:tgtEl>
-                                          <p:spTgt spid="26"/>
-                                        </p:tgtEl>
-                                        <p:attrNameLst>
-                                          <p:attrName>style.visibility</p:attrName>
-                                        </p:attrNameLst>
-                                      </p:cBhvr>
-                                      <p:to>
-                                        <p:strVal val="visible"/>
-                                      </p:to>
-                                    </p:set>
-                                    <p:animEffect transition="in" filter="fade">
-                                      <p:cBhvr>
-                                        <p:cTn id="34" dur="1000"/>
-                                        <p:tgtEl>
-                                          <p:spTgt spid="26"/>
-                                        </p:tgtEl>
-                                      </p:cBhvr>
-                                    </p:animEffect>
-                                    <p:anim calcmode="lin" valueType="num">
-                                      <p:cBhvr>
-                                        <p:cTn id="35" dur="1000" fill="hold"/>
-                                        <p:tgtEl>
-                                          <p:spTgt spid="26"/>
-                                        </p:tgtEl>
-                                        <p:attrNameLst>
-                                          <p:attrName>ppt_x</p:attrName>
-                                        </p:attrNameLst>
-                                      </p:cBhvr>
-                                      <p:tavLst>
-                                        <p:tav tm="0">
-                                          <p:val>
-                                            <p:strVal val="#ppt_x"/>
-                                          </p:val>
-                                        </p:tav>
-                                        <p:tav tm="100000">
-                                          <p:val>
-                                            <p:strVal val="#ppt_x"/>
-                                          </p:val>
-                                        </p:tav>
-                                      </p:tavLst>
-                                    </p:anim>
-                                    <p:anim calcmode="lin" valueType="num">
-                                      <p:cBhvr>
-                                        <p:cTn id="36" dur="1000" fill="hold"/>
-                                        <p:tgtEl>
-                                          <p:spTgt spid="26"/>
-                                        </p:tgtEl>
-                                        <p:attrNameLst>
-                                          <p:attrName>ppt_y</p:attrName>
-                                        </p:attrNameLst>
-                                      </p:cBhvr>
-                                      <p:tavLst>
-                                        <p:tav tm="0">
-                                          <p:val>
-                                            <p:strVal val="#ppt_y+.1"/>
-                                          </p:val>
-                                        </p:tav>
-                                        <p:tav tm="100000">
-                                          <p:val>
-                                            <p:strVal val="#ppt_y"/>
-                                          </p:val>
-                                        </p:tav>
-                                      </p:tavLst>
-                                    </p:anim>
-                                  </p:childTnLst>
-                                </p:cTn>
-                              </p:par>
-                            </p:childTnLst>
-                          </p:cTn>
-                        </p:par>
-                      </p:childTnLst>
-                    </p:cTn>
-                  </p:par>
-                </p:childTnLst>
-              </p:cTn>
-              <p:prevCondLst>
-                <p:cond evt="onPrev" delay="0">
-                  <p:tgtEl>
-                    <p:sldTgt/>
-                  </p:tgtEl>
-                </p:cond>
-              </p:prevCondLst>
-              <p:nextCondLst>
-                <p:cond evt="onNext" delay="0">
-                  <p:tgtEl>
-                    <p:sldTgt/>
-                  </p:tgtEl>
-                </p:cond>
-              </p:nextCondLst>
-            </p:seq>
-          </p:childTnLst>
-        </p:cTn>
-      </p:par>
-    </p:tnLst>
-    <p:bldLst>
-      <p:bldP spid="11" grpId="0"/>
-      <p:bldP spid="16" grpId="0"/>
-      <p:bldP spid="17" grpId="0"/>
-      <p:bldP spid="21" grpId="0"/>
-      <p:bldP spid="20" grpId="0"/>
-      <p:bldP spid="26" grpId="0"/>
-    </p:bldLst>
-  </p:timing>
-</p:sld>
-</file>
-
-<file path=ppt/slides/slide8.xml><?xml version="1.0" encoding="utf-8"?>
-<p:sld xmlns:a="http://schemas.openxmlformats.org/drawingml/2006/main" xmlns:r="http://schemas.openxmlformats.org/officeDocument/2006/relationships" xmlns:p="http://schemas.openxmlformats.org/presentationml/2006/main">
-  <p:cSld>
-    <p:spTree>
-      <p:nvGrpSpPr>
-        <p:cNvPr id="1" name=""/>
-        <p:cNvGrpSpPr/>
-        <p:nvPr/>
-      </p:nvGrpSpPr>
-      <p:grpSpPr>
-        <a:xfrm>
-          <a:off x="0" y="0"/>
-          <a:ext cx="0" cy="0"/>
-          <a:chOff x="0" y="0"/>
-          <a:chExt cx="0" cy="0"/>
-        </a:xfrm>
-      </p:grpSpPr>
-      <p:pic>
-        <p:nvPicPr>
-          <p:cNvPr id="6" name="Obraz 5" descr="Obraz zawierający obiekt&#10;&#10;Opis wygenerowany przy wysokim poziomie pewności">
-            <a:extLst>
-              <a:ext uri="{FF2B5EF4-FFF2-40B4-BE49-F238E27FC236}">
-                <a16:creationId xmlns:a16="http://schemas.microsoft.com/office/drawing/2014/main" id="{1AAA2FA1-CB4E-4114-B7C1-1420427F26B6}"/>
-              </a:ext>
-            </a:extLst>
-          </p:cNvPr>
-          <p:cNvPicPr>
-            <a:picLocks noChangeAspect="1"/>
-          </p:cNvPicPr>
-          <p:nvPr/>
-        </p:nvPicPr>
-        <p:blipFill>
-          <a:blip r:embed="rId2">
-            <a:extLst>
-              <a:ext uri="{28A0092B-C50C-407E-A947-70E740481C1C}">
-                <a14:useLocalDpi xmlns:a14="http://schemas.microsoft.com/office/drawing/2010/main" val="0"/>
-              </a:ext>
-            </a:extLst>
-          </a:blip>
-          <a:stretch>
-            <a:fillRect/>
-          </a:stretch>
-        </p:blipFill>
-        <p:spPr>
-          <a:xfrm flipV="1">
-            <a:off x="1002563" y="170429"/>
-            <a:ext cx="914051" cy="833873"/>
-          </a:xfrm>
-          <a:prstGeom prst="rect">
-            <a:avLst/>
-          </a:prstGeom>
-        </p:spPr>
-      </p:pic>
-      <p:pic>
-        <p:nvPicPr>
-          <p:cNvPr id="7" name="Obraz 6">
-            <a:extLst>
-              <a:ext uri="{FF2B5EF4-FFF2-40B4-BE49-F238E27FC236}">
-                <a16:creationId xmlns:a16="http://schemas.microsoft.com/office/drawing/2014/main" id="{F7DE5D07-4ABA-46E6-808E-48F467E36C55}"/>
-              </a:ext>
-            </a:extLst>
-          </p:cNvPr>
-          <p:cNvPicPr>
-            <a:picLocks noChangeAspect="1"/>
-          </p:cNvPicPr>
-          <p:nvPr/>
-        </p:nvPicPr>
-        <p:blipFill>
-          <a:blip r:embed="rId3" cstate="print">
-            <a:extLst>
-              <a:ext uri="{28A0092B-C50C-407E-A947-70E740481C1C}">
-                <a14:useLocalDpi xmlns:a14="http://schemas.microsoft.com/office/drawing/2010/main" val="0"/>
-              </a:ext>
-            </a:extLst>
-          </a:blip>
-          <a:stretch>
-            <a:fillRect/>
-          </a:stretch>
-        </p:blipFill>
-        <p:spPr>
-          <a:xfrm flipV="1">
-            <a:off x="268488" y="607409"/>
-            <a:ext cx="914051" cy="833873"/>
-          </a:xfrm>
-          <a:prstGeom prst="rect">
-            <a:avLst/>
-          </a:prstGeom>
-        </p:spPr>
-      </p:pic>
-      <p:pic>
-        <p:nvPicPr>
-          <p:cNvPr id="8" name="Obraz 7" descr="Obraz zawierający obiekt&#10;&#10;Opis wygenerowany przy wysokim poziomie pewności">
-            <a:extLst>
-              <a:ext uri="{FF2B5EF4-FFF2-40B4-BE49-F238E27FC236}">
-                <a16:creationId xmlns:a16="http://schemas.microsoft.com/office/drawing/2014/main" id="{4CE35374-7466-495E-8925-2B88396467A3}"/>
-              </a:ext>
-            </a:extLst>
-          </p:cNvPr>
-          <p:cNvPicPr>
-            <a:picLocks noChangeAspect="1"/>
-          </p:cNvPicPr>
-          <p:nvPr/>
-        </p:nvPicPr>
-        <p:blipFill>
-          <a:blip r:embed="rId2">
-            <a:extLst>
-              <a:ext uri="{28A0092B-C50C-407E-A947-70E740481C1C}">
-                <a14:useLocalDpi xmlns:a14="http://schemas.microsoft.com/office/drawing/2010/main" val="0"/>
-              </a:ext>
-            </a:extLst>
-          </a:blip>
-          <a:stretch>
-            <a:fillRect/>
-          </a:stretch>
-        </p:blipFill>
-        <p:spPr>
-          <a:xfrm flipV="1">
-            <a:off x="1002563" y="1041615"/>
-            <a:ext cx="914051" cy="833873"/>
-          </a:xfrm>
-          <a:prstGeom prst="rect">
-            <a:avLst/>
-          </a:prstGeom>
-        </p:spPr>
-      </p:pic>
-      <p:sp>
-        <p:nvSpPr>
-          <p:cNvPr id="9" name="pole tekstowe 8">
-            <a:extLst>
-              <a:ext uri="{FF2B5EF4-FFF2-40B4-BE49-F238E27FC236}">
-                <a16:creationId xmlns:a16="http://schemas.microsoft.com/office/drawing/2014/main" id="{42F728D2-CC93-4F9A-A075-037BE6818168}"/>
-              </a:ext>
-            </a:extLst>
-          </p:cNvPr>
-          <p:cNvSpPr txBox="1"/>
-          <p:nvPr/>
-        </p:nvSpPr>
-        <p:spPr>
-          <a:xfrm>
-            <a:off x="1769439" y="681037"/>
-            <a:ext cx="5716357" cy="646331"/>
-          </a:xfrm>
-          <a:prstGeom prst="rect">
-            <a:avLst/>
-          </a:prstGeom>
-          <a:noFill/>
-        </p:spPr>
-        <p:txBody>
-          <a:bodyPr wrap="square" rtlCol="0">
-            <a:spAutoFit/>
-          </a:bodyPr>
-          <a:lstStyle/>
-          <a:p>
-            <a:r>
-              <a:rPr lang="pl-PL" sz="3600" b="1" dirty="0">
-                <a:solidFill>
-                  <a:srgbClr val="131332"/>
-                </a:solidFill>
-              </a:rPr>
-              <a:t>UNI</a:t>
-            </a:r>
-            <a:r>
-              <a:rPr lang="pl-PL" sz="3600" b="1" dirty="0">
-                <a:solidFill>
-                  <a:srgbClr val="00A6CC"/>
-                </a:solidFill>
-              </a:rPr>
-              <a:t>NETWORK</a:t>
-            </a:r>
-          </a:p>
-        </p:txBody>
-      </p:sp>
-      <p:pic>
-        <p:nvPicPr>
-          <p:cNvPr id="2052" name="Picture 4">
-            <a:extLst>
-              <a:ext uri="{FF2B5EF4-FFF2-40B4-BE49-F238E27FC236}">
-                <a16:creationId xmlns:a16="http://schemas.microsoft.com/office/drawing/2014/main" id="{5B485EF1-14FE-49E9-9A5A-63D906F633C0}"/>
-              </a:ext>
-            </a:extLst>
-          </p:cNvPr>
-          <p:cNvPicPr>
-            <a:picLocks noChangeAspect="1" noChangeArrowheads="1"/>
-          </p:cNvPicPr>
-          <p:nvPr/>
-        </p:nvPicPr>
-        <p:blipFill>
-          <a:blip r:embed="rId4">
-            <a:extLst>
-              <a:ext uri="{28A0092B-C50C-407E-A947-70E740481C1C}">
-                <a14:useLocalDpi xmlns:a14="http://schemas.microsoft.com/office/drawing/2010/main" val="0"/>
-              </a:ext>
-            </a:extLst>
-          </a:blip>
-          <a:srcRect/>
-          <a:stretch>
-            <a:fillRect/>
-          </a:stretch>
-        </p:blipFill>
-        <p:spPr bwMode="auto">
-          <a:xfrm>
-            <a:off x="1397980" y="2810774"/>
-            <a:ext cx="1769442" cy="1781032"/>
-          </a:xfrm>
-          <a:prstGeom prst="rect">
-            <a:avLst/>
-          </a:prstGeom>
-          <a:noFill/>
-          <a:extLst>
-            <a:ext uri="{909E8E84-426E-40DD-AFC4-6F175D3DCCD1}">
-              <a14:hiddenFill xmlns:a14="http://schemas.microsoft.com/office/drawing/2010/main">
-                <a:solidFill>
-                  <a:srgbClr val="FFFFFF"/>
-                </a:solidFill>
-              </a14:hiddenFill>
-            </a:ext>
-          </a:extLst>
-        </p:spPr>
-      </p:pic>
-      <p:pic>
-        <p:nvPicPr>
-          <p:cNvPr id="2054" name="Picture 6">
-            <a:extLst>
-              <a:ext uri="{FF2B5EF4-FFF2-40B4-BE49-F238E27FC236}">
-                <a16:creationId xmlns:a16="http://schemas.microsoft.com/office/drawing/2014/main" id="{B47B396A-8C4B-4924-BAAF-9FB7F9321FB5}"/>
-              </a:ext>
-            </a:extLst>
-          </p:cNvPr>
-          <p:cNvPicPr>
-            <a:picLocks noChangeAspect="1" noChangeArrowheads="1"/>
-          </p:cNvPicPr>
-          <p:nvPr/>
-        </p:nvPicPr>
-        <p:blipFill>
-          <a:blip r:embed="rId5">
-            <a:extLst>
-              <a:ext uri="{28A0092B-C50C-407E-A947-70E740481C1C}">
-                <a14:useLocalDpi xmlns:a14="http://schemas.microsoft.com/office/drawing/2010/main" val="0"/>
-              </a:ext>
-            </a:extLst>
-          </a:blip>
-          <a:srcRect/>
-          <a:stretch>
-            <a:fillRect/>
-          </a:stretch>
-        </p:blipFill>
-        <p:spPr bwMode="auto">
-          <a:xfrm>
-            <a:off x="5237500" y="1977993"/>
-            <a:ext cx="1835624" cy="1835624"/>
-          </a:xfrm>
-          <a:prstGeom prst="rect">
-            <a:avLst/>
-          </a:prstGeom>
-          <a:noFill/>
-          <a:extLst>
-            <a:ext uri="{909E8E84-426E-40DD-AFC4-6F175D3DCCD1}">
-              <a14:hiddenFill xmlns:a14="http://schemas.microsoft.com/office/drawing/2010/main">
-                <a:solidFill>
-                  <a:srgbClr val="FFFFFF"/>
-                </a:solidFill>
-              </a14:hiddenFill>
-            </a:ext>
-          </a:extLst>
-        </p:spPr>
-      </p:pic>
-      <p:pic>
-        <p:nvPicPr>
-          <p:cNvPr id="2056" name="Picture 8">
-            <a:extLst>
-              <a:ext uri="{FF2B5EF4-FFF2-40B4-BE49-F238E27FC236}">
-                <a16:creationId xmlns:a16="http://schemas.microsoft.com/office/drawing/2014/main" id="{1D8DF48A-9D28-4A55-A2D4-FE34C6EAFD3F}"/>
-              </a:ext>
-            </a:extLst>
-          </p:cNvPr>
-          <p:cNvPicPr>
-            <a:picLocks noChangeAspect="1" noChangeArrowheads="1"/>
-          </p:cNvPicPr>
-          <p:nvPr/>
-        </p:nvPicPr>
-        <p:blipFill>
-          <a:blip r:embed="rId6">
-            <a:extLst>
-              <a:ext uri="{28A0092B-C50C-407E-A947-70E740481C1C}">
-                <a14:useLocalDpi xmlns:a14="http://schemas.microsoft.com/office/drawing/2010/main" val="0"/>
-              </a:ext>
-            </a:extLst>
-          </a:blip>
-          <a:srcRect/>
-          <a:stretch>
-            <a:fillRect/>
-          </a:stretch>
-        </p:blipFill>
-        <p:spPr bwMode="auto">
-          <a:xfrm>
-            <a:off x="9143202" y="2895805"/>
-            <a:ext cx="1835625" cy="1835625"/>
-          </a:xfrm>
-          <a:prstGeom prst="rect">
-            <a:avLst/>
-          </a:prstGeom>
-          <a:noFill/>
-          <a:extLst>
-            <a:ext uri="{909E8E84-426E-40DD-AFC4-6F175D3DCCD1}">
-              <a14:hiddenFill xmlns:a14="http://schemas.microsoft.com/office/drawing/2010/main">
-                <a:solidFill>
-                  <a:srgbClr val="FFFFFF"/>
-                </a:solidFill>
-              </a14:hiddenFill>
-            </a:ext>
-          </a:extLst>
-        </p:spPr>
-      </p:pic>
-      <p:sp>
-        <p:nvSpPr>
-          <p:cNvPr id="22" name="pole tekstowe 21">
-            <a:extLst>
-              <a:ext uri="{FF2B5EF4-FFF2-40B4-BE49-F238E27FC236}">
-                <a16:creationId xmlns:a16="http://schemas.microsoft.com/office/drawing/2014/main" id="{3321FF5E-0ACA-4D8B-B934-86A7D0E87FBF}"/>
-              </a:ext>
-            </a:extLst>
-          </p:cNvPr>
-          <p:cNvSpPr txBox="1"/>
-          <p:nvPr/>
-        </p:nvSpPr>
-        <p:spPr>
-          <a:xfrm>
-            <a:off x="8586938" y="4905016"/>
-            <a:ext cx="3743944" cy="707886"/>
-          </a:xfrm>
-          <a:prstGeom prst="rect">
-            <a:avLst/>
-          </a:prstGeom>
-          <a:noFill/>
-        </p:spPr>
-        <p:txBody>
-          <a:bodyPr wrap="square" rtlCol="0">
-            <a:spAutoFit/>
-          </a:bodyPr>
-          <a:lstStyle/>
-          <a:p>
-            <a:r>
-              <a:rPr lang="pl-PL" sz="4000" b="1" dirty="0">
-                <a:latin typeface="Bahnschrift Condensed" panose="020B0502040204020203" pitchFamily="34" charset="0"/>
-              </a:rPr>
-              <a:t>BUILD PROJECTS</a:t>
-            </a:r>
-          </a:p>
-        </p:txBody>
-      </p:sp>
-      <p:sp>
-        <p:nvSpPr>
-          <p:cNvPr id="23" name="pole tekstowe 22">
-            <a:extLst>
-              <a:ext uri="{FF2B5EF4-FFF2-40B4-BE49-F238E27FC236}">
-                <a16:creationId xmlns:a16="http://schemas.microsoft.com/office/drawing/2014/main" id="{8587B198-4931-4CFE-9795-46C3B908777D}"/>
-              </a:ext>
-            </a:extLst>
-          </p:cNvPr>
-          <p:cNvSpPr txBox="1"/>
-          <p:nvPr/>
-        </p:nvSpPr>
-        <p:spPr>
-          <a:xfrm>
-            <a:off x="4326708" y="3883920"/>
-            <a:ext cx="4260230" cy="707886"/>
-          </a:xfrm>
-          <a:prstGeom prst="rect">
-            <a:avLst/>
-          </a:prstGeom>
-          <a:noFill/>
-        </p:spPr>
-        <p:txBody>
-          <a:bodyPr wrap="square" rtlCol="0">
-            <a:spAutoFit/>
-          </a:bodyPr>
-          <a:lstStyle/>
-          <a:p>
-            <a:r>
-              <a:rPr lang="pl-PL" sz="4000" b="1" dirty="0">
-                <a:latin typeface="Bahnschrift Condensed" panose="020B0502040204020203" pitchFamily="34" charset="0"/>
-              </a:rPr>
-              <a:t>CONNECT UNIVERSITIES</a:t>
-            </a:r>
-          </a:p>
-        </p:txBody>
-      </p:sp>
-      <p:sp>
-        <p:nvSpPr>
-          <p:cNvPr id="24" name="pole tekstowe 23">
-            <a:extLst>
-              <a:ext uri="{FF2B5EF4-FFF2-40B4-BE49-F238E27FC236}">
-                <a16:creationId xmlns:a16="http://schemas.microsoft.com/office/drawing/2014/main" id="{D4E32838-E833-4C5C-AC79-D8FB9B6B214B}"/>
-              </a:ext>
-            </a:extLst>
-          </p:cNvPr>
-          <p:cNvSpPr txBox="1"/>
-          <p:nvPr/>
-        </p:nvSpPr>
-        <p:spPr>
-          <a:xfrm>
-            <a:off x="735046" y="4731430"/>
-            <a:ext cx="3591662" cy="707886"/>
-          </a:xfrm>
-          <a:prstGeom prst="rect">
-            <a:avLst/>
-          </a:prstGeom>
-          <a:noFill/>
-        </p:spPr>
-        <p:txBody>
-          <a:bodyPr wrap="square" rtlCol="0">
-            <a:spAutoFit/>
-          </a:bodyPr>
-          <a:lstStyle/>
-          <a:p>
-            <a:r>
-              <a:rPr lang="pl-PL" sz="4000" b="1" dirty="0">
-                <a:latin typeface="Bahnschrift Condensed" panose="020B0502040204020203" pitchFamily="34" charset="0"/>
-              </a:rPr>
-              <a:t>ENGAGE STUDENTS</a:t>
-            </a:r>
-          </a:p>
-        </p:txBody>
-      </p:sp>
-    </p:spTree>
-    <p:extLst>
-      <p:ext uri="{BB962C8B-B14F-4D97-AF65-F5344CB8AC3E}">
-        <p14:creationId xmlns:p14="http://schemas.microsoft.com/office/powerpoint/2010/main" val="3402012878"/>
-      </p:ext>
-    </p:extLst>
-  </p:cSld>
-  <p:clrMapOvr>
-    <a:masterClrMapping/>
-  </p:clrMapOvr>
-  <p:transition spd="slow">
-    <p:push dir="u"/>
-  </p:transition>
-  <p:timing>
-    <p:tnLst>
-      <p:par>
-        <p:cTn id="1" dur="indefinite" restart="never" nodeType="tmRoot">
-          <p:childTnLst>
-            <p:seq concurrent="1" nextAc="seek">
-              <p:cTn id="2" dur="indefinite" nodeType="mainSeq">
-                <p:childTnLst>
-                  <p:par>
-                    <p:cTn id="3" fill="hold">
-                      <p:stCondLst>
-                        <p:cond delay="indefinite"/>
-                        <p:cond evt="onBegin" delay="0">
-                          <p:tn val="2"/>
-                        </p:cond>
-                      </p:stCondLst>
-                      <p:childTnLst>
-                        <p:par>
-                          <p:cTn id="4" fill="hold">
-                            <p:stCondLst>
-                              <p:cond delay="0"/>
-                            </p:stCondLst>
-                            <p:childTnLst>
-                              <p:par>
-                                <p:cTn id="5" presetID="42" presetClass="entr" presetSubtype="0" fill="hold" nodeType="withEffect">
-                                  <p:stCondLst>
-                                    <p:cond delay="0"/>
-                                  </p:stCondLst>
-                                  <p:childTnLst>
-                                    <p:set>
-                                      <p:cBhvr>
-                                        <p:cTn id="6" dur="1" fill="hold">
-                                          <p:stCondLst>
-                                            <p:cond delay="0"/>
-                                          </p:stCondLst>
-                                        </p:cTn>
-                                        <p:tgtEl>
-                                          <p:spTgt spid="2052"/>
-                                        </p:tgtEl>
-                                        <p:attrNameLst>
-                                          <p:attrName>style.visibility</p:attrName>
-                                        </p:attrNameLst>
-                                      </p:cBhvr>
-                                      <p:to>
-                                        <p:strVal val="visible"/>
-                                      </p:to>
-                                    </p:set>
-                                    <p:animEffect transition="in" filter="fade">
-                                      <p:cBhvr>
-                                        <p:cTn id="7" dur="1000"/>
-                                        <p:tgtEl>
-                                          <p:spTgt spid="2052"/>
-                                        </p:tgtEl>
-                                      </p:cBhvr>
-                                    </p:animEffect>
-                                    <p:anim calcmode="lin" valueType="num">
-                                      <p:cBhvr>
-                                        <p:cTn id="8" dur="1000" fill="hold"/>
-                                        <p:tgtEl>
-                                          <p:spTgt spid="2052"/>
-                                        </p:tgtEl>
-                                        <p:attrNameLst>
-                                          <p:attrName>ppt_x</p:attrName>
-                                        </p:attrNameLst>
-                                      </p:cBhvr>
-                                      <p:tavLst>
-                                        <p:tav tm="0">
-                                          <p:val>
-                                            <p:strVal val="#ppt_x"/>
-                                          </p:val>
-                                        </p:tav>
-                                        <p:tav tm="100000">
-                                          <p:val>
-                                            <p:strVal val="#ppt_x"/>
-                                          </p:val>
-                                        </p:tav>
-                                      </p:tavLst>
-                                    </p:anim>
-                                    <p:anim calcmode="lin" valueType="num">
-                                      <p:cBhvr>
-                                        <p:cTn id="9" dur="1000" fill="hold"/>
-                                        <p:tgtEl>
-                                          <p:spTgt spid="2052"/>
-                                        </p:tgtEl>
-                                        <p:attrNameLst>
-                                          <p:attrName>ppt_y</p:attrName>
-                                        </p:attrNameLst>
-                                      </p:cBhvr>
-                                      <p:tavLst>
-                                        <p:tav tm="0">
-                                          <p:val>
-                                            <p:strVal val="#ppt_y+.1"/>
-                                          </p:val>
-                                        </p:tav>
-                                        <p:tav tm="100000">
-                                          <p:val>
-                                            <p:strVal val="#ppt_y"/>
-                                          </p:val>
-                                        </p:tav>
-                                      </p:tavLst>
-                                    </p:anim>
-                                  </p:childTnLst>
-                                </p:cTn>
-                              </p:par>
-                              <p:par>
-                                <p:cTn id="10" presetID="42" presetClass="entr" presetSubtype="0" fill="hold" grpId="0" nodeType="withEffect">
-                                  <p:stCondLst>
-                                    <p:cond delay="0"/>
-                                  </p:stCondLst>
-                                  <p:childTnLst>
-                                    <p:set>
-                                      <p:cBhvr>
-                                        <p:cTn id="11" dur="1" fill="hold">
-                                          <p:stCondLst>
-                                            <p:cond delay="0"/>
-                                          </p:stCondLst>
-                                        </p:cTn>
-                                        <p:tgtEl>
-                                          <p:spTgt spid="24"/>
-                                        </p:tgtEl>
-                                        <p:attrNameLst>
-                                          <p:attrName>style.visibility</p:attrName>
-                                        </p:attrNameLst>
-                                      </p:cBhvr>
-                                      <p:to>
-                                        <p:strVal val="visible"/>
-                                      </p:to>
-                                    </p:set>
-                                    <p:animEffect transition="in" filter="fade">
-                                      <p:cBhvr>
-                                        <p:cTn id="12" dur="1000"/>
-                                        <p:tgtEl>
-                                          <p:spTgt spid="24"/>
-                                        </p:tgtEl>
-                                      </p:cBhvr>
-                                    </p:animEffect>
-                                    <p:anim calcmode="lin" valueType="num">
-                                      <p:cBhvr>
-                                        <p:cTn id="13" dur="1000" fill="hold"/>
-                                        <p:tgtEl>
-                                          <p:spTgt spid="24"/>
-                                        </p:tgtEl>
-                                        <p:attrNameLst>
-                                          <p:attrName>ppt_x</p:attrName>
-                                        </p:attrNameLst>
-                                      </p:cBhvr>
-                                      <p:tavLst>
-                                        <p:tav tm="0">
-                                          <p:val>
-                                            <p:strVal val="#ppt_x"/>
-                                          </p:val>
-                                        </p:tav>
-                                        <p:tav tm="100000">
-                                          <p:val>
-                                            <p:strVal val="#ppt_x"/>
-                                          </p:val>
-                                        </p:tav>
-                                      </p:tavLst>
-                                    </p:anim>
-                                    <p:anim calcmode="lin" valueType="num">
-                                      <p:cBhvr>
-                                        <p:cTn id="14" dur="1000" fill="hold"/>
-                                        <p:tgtEl>
-                                          <p:spTgt spid="24"/>
-                                        </p:tgtEl>
-                                        <p:attrNameLst>
-                                          <p:attrName>ppt_y</p:attrName>
-                                        </p:attrNameLst>
-                                      </p:cBhvr>
-                                      <p:tavLst>
-                                        <p:tav tm="0">
-                                          <p:val>
-                                            <p:strVal val="#ppt_y+.1"/>
-                                          </p:val>
-                                        </p:tav>
-                                        <p:tav tm="100000">
-                                          <p:val>
-                                            <p:strVal val="#ppt_y"/>
-                                          </p:val>
-                                        </p:tav>
-                                      </p:tavLst>
-                                    </p:anim>
-                                  </p:childTnLst>
-                                </p:cTn>
-                              </p:par>
-                              <p:par>
-                                <p:cTn id="15" presetID="42" presetClass="entr" presetSubtype="0" fill="hold" nodeType="withEffect">
-                                  <p:stCondLst>
-                                    <p:cond delay="0"/>
-                                  </p:stCondLst>
-                                  <p:childTnLst>
-                                    <p:set>
-                                      <p:cBhvr>
-                                        <p:cTn id="16" dur="1" fill="hold">
-                                          <p:stCondLst>
-                                            <p:cond delay="0"/>
-                                          </p:stCondLst>
-                                        </p:cTn>
-                                        <p:tgtEl>
-                                          <p:spTgt spid="2056"/>
-                                        </p:tgtEl>
-                                        <p:attrNameLst>
-                                          <p:attrName>style.visibility</p:attrName>
-                                        </p:attrNameLst>
-                                      </p:cBhvr>
-                                      <p:to>
-                                        <p:strVal val="visible"/>
-                                      </p:to>
-                                    </p:set>
-                                    <p:animEffect transition="in" filter="fade">
-                                      <p:cBhvr>
-                                        <p:cTn id="17" dur="1000"/>
-                                        <p:tgtEl>
-                                          <p:spTgt spid="2056"/>
-                                        </p:tgtEl>
-                                      </p:cBhvr>
-                                    </p:animEffect>
-                                    <p:anim calcmode="lin" valueType="num">
-                                      <p:cBhvr>
-                                        <p:cTn id="18" dur="1000" fill="hold"/>
-                                        <p:tgtEl>
-                                          <p:spTgt spid="2056"/>
-                                        </p:tgtEl>
-                                        <p:attrNameLst>
-                                          <p:attrName>ppt_x</p:attrName>
-                                        </p:attrNameLst>
-                                      </p:cBhvr>
-                                      <p:tavLst>
-                                        <p:tav tm="0">
-                                          <p:val>
-                                            <p:strVal val="#ppt_x"/>
-                                          </p:val>
-                                        </p:tav>
-                                        <p:tav tm="100000">
-                                          <p:val>
-                                            <p:strVal val="#ppt_x"/>
-                                          </p:val>
-                                        </p:tav>
-                                      </p:tavLst>
-                                    </p:anim>
-                                    <p:anim calcmode="lin" valueType="num">
-                                      <p:cBhvr>
-                                        <p:cTn id="19" dur="1000" fill="hold"/>
-                                        <p:tgtEl>
-                                          <p:spTgt spid="2056"/>
-                                        </p:tgtEl>
-                                        <p:attrNameLst>
-                                          <p:attrName>ppt_y</p:attrName>
-                                        </p:attrNameLst>
-                                      </p:cBhvr>
-                                      <p:tavLst>
-                                        <p:tav tm="0">
-                                          <p:val>
-                                            <p:strVal val="#ppt_y+.1"/>
-                                          </p:val>
-                                        </p:tav>
-                                        <p:tav tm="100000">
-                                          <p:val>
-                                            <p:strVal val="#ppt_y"/>
-                                          </p:val>
-                                        </p:tav>
-                                      </p:tavLst>
-                                    </p:anim>
-                                  </p:childTnLst>
-                                </p:cTn>
-                              </p:par>
-                              <p:par>
-                                <p:cTn id="20" presetID="42" presetClass="entr" presetSubtype="0" fill="hold" grpId="0" nodeType="withEffect">
-                                  <p:stCondLst>
-                                    <p:cond delay="0"/>
-                                  </p:stCondLst>
-                                  <p:childTnLst>
-                                    <p:set>
-                                      <p:cBhvr>
-                                        <p:cTn id="21" dur="1" fill="hold">
-                                          <p:stCondLst>
-                                            <p:cond delay="0"/>
-                                          </p:stCondLst>
-                                        </p:cTn>
-                                        <p:tgtEl>
-                                          <p:spTgt spid="22"/>
-                                        </p:tgtEl>
-                                        <p:attrNameLst>
-                                          <p:attrName>style.visibility</p:attrName>
-                                        </p:attrNameLst>
-                                      </p:cBhvr>
-                                      <p:to>
-                                        <p:strVal val="visible"/>
-                                      </p:to>
-                                    </p:set>
-                                    <p:animEffect transition="in" filter="fade">
-                                      <p:cBhvr>
-                                        <p:cTn id="22" dur="1000"/>
-                                        <p:tgtEl>
-                                          <p:spTgt spid="22"/>
-                                        </p:tgtEl>
-                                      </p:cBhvr>
-                                    </p:animEffect>
-                                    <p:anim calcmode="lin" valueType="num">
-                                      <p:cBhvr>
-                                        <p:cTn id="23" dur="1000" fill="hold"/>
-                                        <p:tgtEl>
-                                          <p:spTgt spid="22"/>
-                                        </p:tgtEl>
-                                        <p:attrNameLst>
-                                          <p:attrName>ppt_x</p:attrName>
-                                        </p:attrNameLst>
-                                      </p:cBhvr>
-                                      <p:tavLst>
-                                        <p:tav tm="0">
-                                          <p:val>
-                                            <p:strVal val="#ppt_x"/>
-                                          </p:val>
-                                        </p:tav>
-                                        <p:tav tm="100000">
-                                          <p:val>
-                                            <p:strVal val="#ppt_x"/>
-                                          </p:val>
-                                        </p:tav>
-                                      </p:tavLst>
-                                    </p:anim>
-                                    <p:anim calcmode="lin" valueType="num">
-                                      <p:cBhvr>
-                                        <p:cTn id="24" dur="1000" fill="hold"/>
-                                        <p:tgtEl>
-                                          <p:spTgt spid="22"/>
-                                        </p:tgtEl>
-                                        <p:attrNameLst>
-                                          <p:attrName>ppt_y</p:attrName>
-                                        </p:attrNameLst>
-                                      </p:cBhvr>
-                                      <p:tavLst>
-                                        <p:tav tm="0">
-                                          <p:val>
-                                            <p:strVal val="#ppt_y+.1"/>
-                                          </p:val>
-                                        </p:tav>
-                                        <p:tav tm="100000">
-                                          <p:val>
-                                            <p:strVal val="#ppt_y"/>
-                                          </p:val>
-                                        </p:tav>
-                                      </p:tavLst>
-                                    </p:anim>
-                                  </p:childTnLst>
-                                </p:cTn>
-                              </p:par>
-                              <p:par>
-                                <p:cTn id="25" presetID="42" presetClass="entr" presetSubtype="0" fill="hold" nodeType="withEffect">
-                                  <p:stCondLst>
-                                    <p:cond delay="0"/>
-                                  </p:stCondLst>
-                                  <p:childTnLst>
-                                    <p:set>
-                                      <p:cBhvr>
-                                        <p:cTn id="26" dur="1" fill="hold">
-                                          <p:stCondLst>
-                                            <p:cond delay="0"/>
-                                          </p:stCondLst>
-                                        </p:cTn>
-                                        <p:tgtEl>
-                                          <p:spTgt spid="2054"/>
-                                        </p:tgtEl>
-                                        <p:attrNameLst>
-                                          <p:attrName>style.visibility</p:attrName>
-                                        </p:attrNameLst>
-                                      </p:cBhvr>
-                                      <p:to>
-                                        <p:strVal val="visible"/>
-                                      </p:to>
-                                    </p:set>
-                                    <p:animEffect transition="in" filter="fade">
-                                      <p:cBhvr>
-                                        <p:cTn id="27" dur="1000"/>
-                                        <p:tgtEl>
-                                          <p:spTgt spid="2054"/>
-                                        </p:tgtEl>
-                                      </p:cBhvr>
-                                    </p:animEffect>
-                                    <p:anim calcmode="lin" valueType="num">
-                                      <p:cBhvr>
-                                        <p:cTn id="28" dur="1000" fill="hold"/>
-                                        <p:tgtEl>
-                                          <p:spTgt spid="2054"/>
-                                        </p:tgtEl>
-                                        <p:attrNameLst>
-                                          <p:attrName>ppt_x</p:attrName>
-                                        </p:attrNameLst>
-                                      </p:cBhvr>
-                                      <p:tavLst>
-                                        <p:tav tm="0">
-                                          <p:val>
-                                            <p:strVal val="#ppt_x"/>
-                                          </p:val>
-                                        </p:tav>
-                                        <p:tav tm="100000">
-                                          <p:val>
-                                            <p:strVal val="#ppt_x"/>
-                                          </p:val>
-                                        </p:tav>
-                                      </p:tavLst>
-                                    </p:anim>
-                                    <p:anim calcmode="lin" valueType="num">
-                                      <p:cBhvr>
-                                        <p:cTn id="29" dur="1000" fill="hold"/>
-                                        <p:tgtEl>
-                                          <p:spTgt spid="2054"/>
-                                        </p:tgtEl>
-                                        <p:attrNameLst>
-                                          <p:attrName>ppt_y</p:attrName>
-                                        </p:attrNameLst>
-                                      </p:cBhvr>
-                                      <p:tavLst>
-                                        <p:tav tm="0">
-                                          <p:val>
-                                            <p:strVal val="#ppt_y+.1"/>
-                                          </p:val>
-                                        </p:tav>
-                                        <p:tav tm="100000">
-                                          <p:val>
-                                            <p:strVal val="#ppt_y"/>
-                                          </p:val>
-                                        </p:tav>
-                                      </p:tavLst>
-                                    </p:anim>
-                                  </p:childTnLst>
-                                </p:cTn>
-                              </p:par>
-                              <p:par>
-                                <p:cTn id="30" presetID="42" presetClass="entr" presetSubtype="0" fill="hold" grpId="0" nodeType="withEffect">
-                                  <p:stCondLst>
-                                    <p:cond delay="0"/>
-                                  </p:stCondLst>
-                                  <p:childTnLst>
-                                    <p:set>
-                                      <p:cBhvr>
-                                        <p:cTn id="31" dur="1" fill="hold">
-                                          <p:stCondLst>
-                                            <p:cond delay="0"/>
-                                          </p:stCondLst>
-                                        </p:cTn>
-                                        <p:tgtEl>
-                                          <p:spTgt spid="23"/>
-                                        </p:tgtEl>
-                                        <p:attrNameLst>
-                                          <p:attrName>style.visibility</p:attrName>
-                                        </p:attrNameLst>
-                                      </p:cBhvr>
-                                      <p:to>
-                                        <p:strVal val="visible"/>
-                                      </p:to>
-                                    </p:set>
-                                    <p:animEffect transition="in" filter="fade">
-                                      <p:cBhvr>
-                                        <p:cTn id="32" dur="1000"/>
-                                        <p:tgtEl>
-                                          <p:spTgt spid="23"/>
-                                        </p:tgtEl>
-                                      </p:cBhvr>
-                                    </p:animEffect>
-                                    <p:anim calcmode="lin" valueType="num">
-                                      <p:cBhvr>
-                                        <p:cTn id="33" dur="1000" fill="hold"/>
-                                        <p:tgtEl>
-                                          <p:spTgt spid="23"/>
-                                        </p:tgtEl>
-                                        <p:attrNameLst>
-                                          <p:attrName>ppt_x</p:attrName>
-                                        </p:attrNameLst>
-                                      </p:cBhvr>
-                                      <p:tavLst>
-                                        <p:tav tm="0">
-                                          <p:val>
-                                            <p:strVal val="#ppt_x"/>
-                                          </p:val>
-                                        </p:tav>
-                                        <p:tav tm="100000">
-                                          <p:val>
-                                            <p:strVal val="#ppt_x"/>
-                                          </p:val>
-                                        </p:tav>
-                                      </p:tavLst>
-                                    </p:anim>
-                                    <p:anim calcmode="lin" valueType="num">
-                                      <p:cBhvr>
-                                        <p:cTn id="34" dur="1000" fill="hold"/>
-                                        <p:tgtEl>
-                                          <p:spTgt spid="23"/>
-                                        </p:tgtEl>
-                                        <p:attrNameLst>
-                                          <p:attrName>ppt_y</p:attrName>
-                                        </p:attrNameLst>
-                                      </p:cBhvr>
-                                      <p:tavLst>
-                                        <p:tav tm="0">
-                                          <p:val>
-                                            <p:strVal val="#ppt_y+.1"/>
-                                          </p:val>
-                                        </p:tav>
-                                        <p:tav tm="100000">
-                                          <p:val>
-                                            <p:strVal val="#ppt_y"/>
-                                          </p:val>
-                                        </p:tav>
-                                      </p:tavLst>
-                                    </p:anim>
-                                  </p:childTnLst>
-                                </p:cTn>
-                              </p:par>
-                            </p:childTnLst>
-                          </p:cTn>
-                        </p:par>
-                      </p:childTnLst>
-                    </p:cTn>
-                  </p:par>
-                </p:childTnLst>
-              </p:cTn>
-              <p:prevCondLst>
-                <p:cond evt="onPrev" delay="0">
-                  <p:tgtEl>
-                    <p:sldTgt/>
-                  </p:tgtEl>
-                </p:cond>
-              </p:prevCondLst>
-              <p:nextCondLst>
-                <p:cond evt="onNext" delay="0">
-                  <p:tgtEl>
-                    <p:sldTgt/>
-                  </p:tgtEl>
-                </p:cond>
-              </p:nextCondLst>
-            </p:seq>
-          </p:childTnLst>
-        </p:cTn>
-      </p:par>
-    </p:tnLst>
-    <p:bldLst>
-      <p:bldP spid="22" grpId="0"/>
-      <p:bldP spid="23" grpId="0"/>
-      <p:bldP spid="24" grpId="0"/>
-    </p:bldLst>
-  </p:timing>
-</p:sld>
-</file>
-
-<file path=ppt/slides/slide9.xml><?xml version="1.0" encoding="utf-8"?>
-<p:sld xmlns:a="http://schemas.openxmlformats.org/drawingml/2006/main" xmlns:r="http://schemas.openxmlformats.org/officeDocument/2006/relationships" xmlns:p="http://schemas.openxmlformats.org/presentationml/2006/main">
-  <p:cSld>
-    <p:spTree>
-      <p:nvGrpSpPr>
-        <p:cNvPr id="1" name=""/>
-        <p:cNvGrpSpPr/>
-        <p:nvPr/>
-      </p:nvGrpSpPr>
-      <p:grpSpPr>
-        <a:xfrm>
-          <a:off x="0" y="0"/>
-          <a:ext cx="0" cy="0"/>
-          <a:chOff x="0" y="0"/>
-          <a:chExt cx="0" cy="0"/>
-        </a:xfrm>
-      </p:grpSpPr>
-      <p:pic>
-        <p:nvPicPr>
           <p:cNvPr id="1026" name="Picture 2">
             <a:extLst>
               <a:ext uri="{FF2B5EF4-FFF2-40B4-BE49-F238E27FC236}">
@@ -15251,14 +9038,14 @@
         </p:nvSpPr>
         <p:spPr>
           <a:xfrm>
-            <a:off x="3672840" y="1105912"/>
-            <a:ext cx="4888913" cy="4446378"/>
+            <a:off x="2560239" y="1258149"/>
+            <a:ext cx="7496449" cy="4506649"/>
           </a:xfrm>
           <a:prstGeom prst="flowChartProcess">
             <a:avLst/>
           </a:prstGeom>
           <a:solidFill>
-            <a:srgbClr val="4C6C84">
+            <a:srgbClr val="6A980C">
               <a:alpha val="91765"/>
             </a:srgbClr>
           </a:solidFill>
@@ -15304,7 +9091,7 @@
         </p:nvSpPr>
         <p:spPr>
           <a:xfrm>
-            <a:off x="4250051" y="1422900"/>
+            <a:off x="3861581" y="1506571"/>
             <a:ext cx="4195819" cy="976738"/>
           </a:xfrm>
           <a:prstGeom prst="rect">
@@ -15553,7 +9340,7 @@
         </p:blipFill>
         <p:spPr>
           <a:xfrm>
-            <a:off x="4534371" y="1075375"/>
+            <a:off x="4145901" y="1159046"/>
             <a:ext cx="1201400" cy="1370120"/>
           </a:xfrm>
           <a:prstGeom prst="rect">
@@ -15762,41 +9549,6 @@
           </a:p>
         </p:txBody>
       </p:sp>
-      <p:pic>
-        <p:nvPicPr>
-          <p:cNvPr id="23" name="Obraz 22">
-            <a:extLst>
-              <a:ext uri="{FF2B5EF4-FFF2-40B4-BE49-F238E27FC236}">
-                <a16:creationId xmlns:a16="http://schemas.microsoft.com/office/drawing/2014/main" id="{D2754EE4-B184-4762-AC31-45D5249FF1FD}"/>
-              </a:ext>
-            </a:extLst>
-          </p:cNvPr>
-          <p:cNvPicPr>
-            <a:picLocks noChangeAspect="1"/>
-          </p:cNvPicPr>
-          <p:nvPr/>
-        </p:nvPicPr>
-        <p:blipFill rotWithShape="1">
-          <a:blip r:embed="rId5">
-            <a:extLst>
-              <a:ext uri="{28A0092B-C50C-407E-A947-70E740481C1C}">
-                <a14:useLocalDpi xmlns:a14="http://schemas.microsoft.com/office/drawing/2010/main" val="0"/>
-              </a:ext>
-            </a:extLst>
-          </a:blip>
-          <a:srcRect t="1" b="-5296"/>
-          <a:stretch/>
-        </p:blipFill>
-        <p:spPr>
-          <a:xfrm>
-            <a:off x="5083567" y="2145495"/>
-            <a:ext cx="1971578" cy="2075985"/>
-          </a:xfrm>
-          <a:prstGeom prst="rect">
-            <a:avLst/>
-          </a:prstGeom>
-        </p:spPr>
-      </p:pic>
       <p:sp>
         <p:nvSpPr>
           <p:cNvPr id="15" name="Podtytuł 2">
@@ -15813,8 +9565,8 @@
         </p:nvSpPr>
         <p:spPr>
           <a:xfrm>
-            <a:off x="3672840" y="4411607"/>
-            <a:ext cx="4773030" cy="1026125"/>
+            <a:off x="3861581" y="4287677"/>
+            <a:ext cx="4773030" cy="541312"/>
           </a:xfrm>
           <a:prstGeom prst="rect">
             <a:avLst/>
@@ -15996,105 +9748,7 @@
                 </a:solidFill>
                 <a:latin typeface="Bahnschrift Light Condensed" panose="020B0502040204020203" pitchFamily="34" charset="0"/>
               </a:rPr>
-              <a:t>We </a:t>
-            </a:r>
-            <a:r>
-              <a:rPr lang="pl-PL" sz="2800" b="1" dirty="0" err="1">
-                <a:solidFill>
-                  <a:srgbClr val="FFFFFF"/>
-                </a:solidFill>
-                <a:latin typeface="Bahnschrift Light Condensed" panose="020B0502040204020203" pitchFamily="34" charset="0"/>
-              </a:rPr>
-              <a:t>engage</a:t>
-            </a:r>
-            <a:r>
-              <a:rPr lang="pl-PL" sz="2800" b="1" dirty="0">
-                <a:solidFill>
-                  <a:srgbClr val="FFFFFF"/>
-                </a:solidFill>
-                <a:latin typeface="Bahnschrift Light Condensed" panose="020B0502040204020203" pitchFamily="34" charset="0"/>
-              </a:rPr>
-              <a:t> </a:t>
-            </a:r>
-            <a:r>
-              <a:rPr lang="pl-PL" sz="2800" b="1" dirty="0" err="1">
-                <a:solidFill>
-                  <a:srgbClr val="FFFFFF"/>
-                </a:solidFill>
-                <a:latin typeface="Bahnschrift Light Condensed" panose="020B0502040204020203" pitchFamily="34" charset="0"/>
-              </a:rPr>
-              <a:t>students</a:t>
-            </a:r>
-            <a:r>
-              <a:rPr lang="pl-PL" sz="2800" b="1" dirty="0">
-                <a:solidFill>
-                  <a:srgbClr val="FFFFFF"/>
-                </a:solidFill>
-                <a:latin typeface="Bahnschrift Light Condensed" panose="020B0502040204020203" pitchFamily="34" charset="0"/>
-              </a:rPr>
-              <a:t> </a:t>
-            </a:r>
-            <a:br>
-              <a:rPr lang="pl-PL" sz="2800" b="1" dirty="0">
-                <a:solidFill>
-                  <a:srgbClr val="FFFFFF"/>
-                </a:solidFill>
-                <a:latin typeface="Bahnschrift Light Condensed" panose="020B0502040204020203" pitchFamily="34" charset="0"/>
-              </a:rPr>
-            </a:br>
-            <a:r>
-              <a:rPr lang="pl-PL" sz="2800" b="1" dirty="0">
-                <a:solidFill>
-                  <a:srgbClr val="FFFFFF"/>
-                </a:solidFill>
-                <a:latin typeface="Bahnschrift Light Condensed" panose="020B0502040204020203" pitchFamily="34" charset="0"/>
-              </a:rPr>
-              <a:t>to </a:t>
-            </a:r>
-            <a:r>
-              <a:rPr lang="pl-PL" sz="2800" b="1" dirty="0" err="1">
-                <a:solidFill>
-                  <a:srgbClr val="FFFFFF"/>
-                </a:solidFill>
-                <a:latin typeface="Bahnschrift Light Condensed" panose="020B0502040204020203" pitchFamily="34" charset="0"/>
-              </a:rPr>
-              <a:t>grow</a:t>
-            </a:r>
-            <a:r>
-              <a:rPr lang="pl-PL" sz="2800" b="1" dirty="0">
-                <a:solidFill>
-                  <a:srgbClr val="FFFFFF"/>
-                </a:solidFill>
-                <a:latin typeface="Bahnschrift Light Condensed" panose="020B0502040204020203" pitchFamily="34" charset="0"/>
-              </a:rPr>
-              <a:t> </a:t>
-            </a:r>
-            <a:r>
-              <a:rPr lang="pl-PL" sz="2800" b="1" dirty="0" err="1">
-                <a:solidFill>
-                  <a:srgbClr val="FFFFFF"/>
-                </a:solidFill>
-                <a:latin typeface="Bahnschrift Light Condensed" panose="020B0502040204020203" pitchFamily="34" charset="0"/>
-              </a:rPr>
-              <a:t>their</a:t>
-            </a:r>
-            <a:r>
-              <a:rPr lang="pl-PL" sz="2800" b="1" dirty="0">
-                <a:solidFill>
-                  <a:srgbClr val="FFFFFF"/>
-                </a:solidFill>
-                <a:latin typeface="Bahnschrift Light Condensed" panose="020B0502040204020203" pitchFamily="34" charset="0"/>
-              </a:rPr>
-              <a:t> </a:t>
-            </a:r>
-            <a:r>
-              <a:rPr lang="pl-PL" sz="2800" b="1" dirty="0" err="1">
-                <a:solidFill>
-                  <a:srgbClr val="FFFFFF"/>
-                </a:solidFill>
-                <a:latin typeface="Bahnschrift Light Condensed" panose="020B0502040204020203" pitchFamily="34" charset="0"/>
-              </a:rPr>
-              <a:t>passions</a:t>
+              <a:t>Zadbaj o swoje zdrowie już dziś!</a:t>
             </a:r>
             <a:endParaRPr lang="en-US" sz="2800" b="1" dirty="0">
               <a:solidFill>
@@ -16105,10 +9759,258 @@
           </a:p>
         </p:txBody>
       </p:sp>
+      <p:pic>
+        <p:nvPicPr>
+          <p:cNvPr id="4" name="Obraz 3" descr="Obraz zawierający tekst&#10;&#10;Opis wygenerowany automatycznie">
+            <a:extLst>
+              <a:ext uri="{FF2B5EF4-FFF2-40B4-BE49-F238E27FC236}">
+                <a16:creationId xmlns:a16="http://schemas.microsoft.com/office/drawing/2014/main" id="{ACBFDC8E-182F-430C-83C9-BF42D0F1A3AC}"/>
+              </a:ext>
+            </a:extLst>
+          </p:cNvPr>
+          <p:cNvPicPr>
+            <a:picLocks noChangeAspect="1"/>
+          </p:cNvPicPr>
+          <p:nvPr/>
+        </p:nvPicPr>
+        <p:blipFill>
+          <a:blip r:embed="rId5">
+            <a:extLst>
+              <a:ext uri="{28A0092B-C50C-407E-A947-70E740481C1C}">
+                <a14:useLocalDpi xmlns:a14="http://schemas.microsoft.com/office/drawing/2010/main" val="0"/>
+              </a:ext>
+            </a:extLst>
+          </a:blip>
+          <a:stretch>
+            <a:fillRect/>
+          </a:stretch>
+        </p:blipFill>
+        <p:spPr>
+          <a:xfrm>
+            <a:off x="3284370" y="2720242"/>
+            <a:ext cx="6048188" cy="1054390"/>
+          </a:xfrm>
+          <a:prstGeom prst="rect">
+            <a:avLst/>
+          </a:prstGeom>
+        </p:spPr>
+      </p:pic>
+      <p:sp>
+        <p:nvSpPr>
+          <p:cNvPr id="9" name="Podtytuł 2">
+            <a:extLst>
+              <a:ext uri="{FF2B5EF4-FFF2-40B4-BE49-F238E27FC236}">
+                <a16:creationId xmlns:a16="http://schemas.microsoft.com/office/drawing/2014/main" id="{CAB89A78-13A4-407D-A5CE-515DE1E5AE9E}"/>
+              </a:ext>
+            </a:extLst>
+          </p:cNvPr>
+          <p:cNvSpPr txBox="1">
+            <a:spLocks/>
+          </p:cNvSpPr>
+          <p:nvPr/>
+        </p:nvSpPr>
+        <p:spPr>
+          <a:xfrm>
+            <a:off x="3861581" y="4785879"/>
+            <a:ext cx="4773030" cy="541312"/>
+          </a:xfrm>
+          <a:prstGeom prst="rect">
+            <a:avLst/>
+          </a:prstGeom>
+        </p:spPr>
+        <p:txBody>
+          <a:bodyPr vert="horz" lIns="91440" tIns="45720" rIns="91440" bIns="45720" rtlCol="0">
+            <a:normAutofit/>
+          </a:bodyPr>
+          <a:lstStyle>
+            <a:lvl1pPr marL="0" indent="0" algn="ctr" defTabSz="914400" rtl="0" eaLnBrk="1" latinLnBrk="0" hangingPunct="1">
+              <a:lnSpc>
+                <a:spcPct val="90000"/>
+              </a:lnSpc>
+              <a:spcBef>
+                <a:spcPts val="1000"/>
+              </a:spcBef>
+              <a:buFont typeface="Arial" panose="020B0604020202020204" pitchFamily="34" charset="0"/>
+              <a:buNone/>
+              <a:defRPr sz="2400" kern="1200">
+                <a:solidFill>
+                  <a:schemeClr val="tx1"/>
+                </a:solidFill>
+                <a:latin typeface="+mn-lt"/>
+                <a:ea typeface="+mn-ea"/>
+                <a:cs typeface="+mn-cs"/>
+              </a:defRPr>
+            </a:lvl1pPr>
+            <a:lvl2pPr marL="457200" indent="0" algn="ctr" defTabSz="914400" rtl="0" eaLnBrk="1" latinLnBrk="0" hangingPunct="1">
+              <a:lnSpc>
+                <a:spcPct val="90000"/>
+              </a:lnSpc>
+              <a:spcBef>
+                <a:spcPts val="500"/>
+              </a:spcBef>
+              <a:buFont typeface="Arial" panose="020B0604020202020204" pitchFamily="34" charset="0"/>
+              <a:buNone/>
+              <a:defRPr sz="2000" kern="1200">
+                <a:solidFill>
+                  <a:schemeClr val="tx1"/>
+                </a:solidFill>
+                <a:latin typeface="+mn-lt"/>
+                <a:ea typeface="+mn-ea"/>
+                <a:cs typeface="+mn-cs"/>
+              </a:defRPr>
+            </a:lvl2pPr>
+            <a:lvl3pPr marL="914400" indent="0" algn="ctr" defTabSz="914400" rtl="0" eaLnBrk="1" latinLnBrk="0" hangingPunct="1">
+              <a:lnSpc>
+                <a:spcPct val="90000"/>
+              </a:lnSpc>
+              <a:spcBef>
+                <a:spcPts val="500"/>
+              </a:spcBef>
+              <a:buFont typeface="Arial" panose="020B0604020202020204" pitchFamily="34" charset="0"/>
+              <a:buNone/>
+              <a:defRPr sz="1800" kern="1200">
+                <a:solidFill>
+                  <a:schemeClr val="tx1"/>
+                </a:solidFill>
+                <a:latin typeface="+mn-lt"/>
+                <a:ea typeface="+mn-ea"/>
+                <a:cs typeface="+mn-cs"/>
+              </a:defRPr>
+            </a:lvl3pPr>
+            <a:lvl4pPr marL="1371600" indent="0" algn="ctr" defTabSz="914400" rtl="0" eaLnBrk="1" latinLnBrk="0" hangingPunct="1">
+              <a:lnSpc>
+                <a:spcPct val="90000"/>
+              </a:lnSpc>
+              <a:spcBef>
+                <a:spcPts val="500"/>
+              </a:spcBef>
+              <a:buFont typeface="Arial" panose="020B0604020202020204" pitchFamily="34" charset="0"/>
+              <a:buNone/>
+              <a:defRPr sz="1600" kern="1200">
+                <a:solidFill>
+                  <a:schemeClr val="tx1"/>
+                </a:solidFill>
+                <a:latin typeface="+mn-lt"/>
+                <a:ea typeface="+mn-ea"/>
+                <a:cs typeface="+mn-cs"/>
+              </a:defRPr>
+            </a:lvl4pPr>
+            <a:lvl5pPr marL="1828800" indent="0" algn="ctr" defTabSz="914400" rtl="0" eaLnBrk="1" latinLnBrk="0" hangingPunct="1">
+              <a:lnSpc>
+                <a:spcPct val="90000"/>
+              </a:lnSpc>
+              <a:spcBef>
+                <a:spcPts val="500"/>
+              </a:spcBef>
+              <a:buFont typeface="Arial" panose="020B0604020202020204" pitchFamily="34" charset="0"/>
+              <a:buNone/>
+              <a:defRPr sz="1600" kern="1200">
+                <a:solidFill>
+                  <a:schemeClr val="tx1"/>
+                </a:solidFill>
+                <a:latin typeface="+mn-lt"/>
+                <a:ea typeface="+mn-ea"/>
+                <a:cs typeface="+mn-cs"/>
+              </a:defRPr>
+            </a:lvl5pPr>
+            <a:lvl6pPr marL="2286000" indent="0" algn="ctr" defTabSz="914400" rtl="0" eaLnBrk="1" latinLnBrk="0" hangingPunct="1">
+              <a:lnSpc>
+                <a:spcPct val="90000"/>
+              </a:lnSpc>
+              <a:spcBef>
+                <a:spcPts val="500"/>
+              </a:spcBef>
+              <a:buFont typeface="Arial" panose="020B0604020202020204" pitchFamily="34" charset="0"/>
+              <a:buNone/>
+              <a:defRPr sz="1600" kern="1200">
+                <a:solidFill>
+                  <a:schemeClr val="tx1"/>
+                </a:solidFill>
+                <a:latin typeface="+mn-lt"/>
+                <a:ea typeface="+mn-ea"/>
+                <a:cs typeface="+mn-cs"/>
+              </a:defRPr>
+            </a:lvl6pPr>
+            <a:lvl7pPr marL="2743200" indent="0" algn="ctr" defTabSz="914400" rtl="0" eaLnBrk="1" latinLnBrk="0" hangingPunct="1">
+              <a:lnSpc>
+                <a:spcPct val="90000"/>
+              </a:lnSpc>
+              <a:spcBef>
+                <a:spcPts val="500"/>
+              </a:spcBef>
+              <a:buFont typeface="Arial" panose="020B0604020202020204" pitchFamily="34" charset="0"/>
+              <a:buNone/>
+              <a:defRPr sz="1600" kern="1200">
+                <a:solidFill>
+                  <a:schemeClr val="tx1"/>
+                </a:solidFill>
+                <a:latin typeface="+mn-lt"/>
+                <a:ea typeface="+mn-ea"/>
+                <a:cs typeface="+mn-cs"/>
+              </a:defRPr>
+            </a:lvl7pPr>
+            <a:lvl8pPr marL="3200400" indent="0" algn="ctr" defTabSz="914400" rtl="0" eaLnBrk="1" latinLnBrk="0" hangingPunct="1">
+              <a:lnSpc>
+                <a:spcPct val="90000"/>
+              </a:lnSpc>
+              <a:spcBef>
+                <a:spcPts val="500"/>
+              </a:spcBef>
+              <a:buFont typeface="Arial" panose="020B0604020202020204" pitchFamily="34" charset="0"/>
+              <a:buNone/>
+              <a:defRPr sz="1600" kern="1200">
+                <a:solidFill>
+                  <a:schemeClr val="tx1"/>
+                </a:solidFill>
+                <a:latin typeface="+mn-lt"/>
+                <a:ea typeface="+mn-ea"/>
+                <a:cs typeface="+mn-cs"/>
+              </a:defRPr>
+            </a:lvl8pPr>
+            <a:lvl9pPr marL="3657600" indent="0" algn="ctr" defTabSz="914400" rtl="0" eaLnBrk="1" latinLnBrk="0" hangingPunct="1">
+              <a:lnSpc>
+                <a:spcPct val="90000"/>
+              </a:lnSpc>
+              <a:spcBef>
+                <a:spcPts val="500"/>
+              </a:spcBef>
+              <a:buFont typeface="Arial" panose="020B0604020202020204" pitchFamily="34" charset="0"/>
+              <a:buNone/>
+              <a:defRPr sz="1600" kern="1200">
+                <a:solidFill>
+                  <a:schemeClr val="tx1"/>
+                </a:solidFill>
+                <a:latin typeface="+mn-lt"/>
+                <a:ea typeface="+mn-ea"/>
+                <a:cs typeface="+mn-cs"/>
+              </a:defRPr>
+            </a:lvl9pPr>
+          </a:lstStyle>
+          <a:p>
+            <a:r>
+              <a:rPr lang="pl-PL" sz="1400" b="1" dirty="0">
+                <a:solidFill>
+                  <a:srgbClr val="FFFFFF"/>
+                </a:solidFill>
+                <a:latin typeface="Arial" panose="020B0604020202020204" pitchFamily="34" charset="0"/>
+                <a:cs typeface="Arial" panose="020B0604020202020204" pitchFamily="34" charset="0"/>
+              </a:rPr>
+              <a:t>http://codehussar.pl/demo</a:t>
+            </a:r>
+            <a:endParaRPr lang="en-US" sz="1400" b="1" dirty="0">
+              <a:solidFill>
+                <a:srgbClr val="FFFFFF"/>
+              </a:solidFill>
+              <a:latin typeface="Arial" panose="020B0604020202020204" pitchFamily="34" charset="0"/>
+              <a:cs typeface="Arial" panose="020B0604020202020204" pitchFamily="34" charset="0"/>
+            </a:endParaRPr>
+          </a:p>
+        </p:txBody>
+      </p:sp>
     </p:spTree>
     <p:extLst>
       <p:ext uri="{BB962C8B-B14F-4D97-AF65-F5344CB8AC3E}">
-        <p14:creationId xmlns:p14="http://schemas.microsoft.com/office/powerpoint/2010/main" val="2155960146"/>
+        <p14:creationId xmlns:p14="http://schemas.microsoft.com/office/powerpoint/2010/main" val="3610363703"/>
       </p:ext>
     </p:extLst>
   </p:cSld>
